--- a/doc/day01_프로젝트_진행상황.pptx
+++ b/doc/day01_프로젝트_진행상황.pptx
@@ -7,10 +7,11 @@
   <p:sldIdLst>
     <p:sldId id="257" r:id="rId2"/>
     <p:sldId id="256" r:id="rId3"/>
-    <p:sldId id="260" r:id="rId4"/>
-    <p:sldId id="259" r:id="rId5"/>
-    <p:sldId id="261" r:id="rId6"/>
-    <p:sldId id="262" r:id="rId7"/>
+    <p:sldId id="259" r:id="rId4"/>
+    <p:sldId id="263" r:id="rId5"/>
+    <p:sldId id="262" r:id="rId6"/>
+    <p:sldId id="260" r:id="rId7"/>
+    <p:sldId id="261" r:id="rId8"/>
   </p:sldIdLst>
   <p:sldSz cx="9144000" cy="5143500" type="screen16x9"/>
   <p:notesSz cx="6858000" cy="9144000"/>
@@ -293,7 +294,7 @@
           <a:p>
             <a:fld id="{25EA3FAE-C791-441F-8046-857A50D23110}" type="datetimeFigureOut">
               <a:rPr lang="ko-KR" altLang="en-US" smtClean="0"/>
-              <a:t>2019-12-16</a:t>
+              <a:t>2019-12-18</a:t>
             </a:fld>
             <a:endParaRPr lang="ko-KR" altLang="en-US"/>
           </a:p>
@@ -463,7 +464,7 @@
           <a:p>
             <a:fld id="{25EA3FAE-C791-441F-8046-857A50D23110}" type="datetimeFigureOut">
               <a:rPr lang="ko-KR" altLang="en-US" smtClean="0"/>
-              <a:t>2019-12-16</a:t>
+              <a:t>2019-12-18</a:t>
             </a:fld>
             <a:endParaRPr lang="ko-KR" altLang="en-US"/>
           </a:p>
@@ -643,7 +644,7 @@
           <a:p>
             <a:fld id="{25EA3FAE-C791-441F-8046-857A50D23110}" type="datetimeFigureOut">
               <a:rPr lang="ko-KR" altLang="en-US" smtClean="0"/>
-              <a:t>2019-12-16</a:t>
+              <a:t>2019-12-18</a:t>
             </a:fld>
             <a:endParaRPr lang="ko-KR" altLang="en-US"/>
           </a:p>
@@ -813,7 +814,7 @@
           <a:p>
             <a:fld id="{25EA3FAE-C791-441F-8046-857A50D23110}" type="datetimeFigureOut">
               <a:rPr lang="ko-KR" altLang="en-US" smtClean="0"/>
-              <a:t>2019-12-16</a:t>
+              <a:t>2019-12-18</a:t>
             </a:fld>
             <a:endParaRPr lang="ko-KR" altLang="en-US"/>
           </a:p>
@@ -1059,7 +1060,7 @@
           <a:p>
             <a:fld id="{25EA3FAE-C791-441F-8046-857A50D23110}" type="datetimeFigureOut">
               <a:rPr lang="ko-KR" altLang="en-US" smtClean="0"/>
-              <a:t>2019-12-16</a:t>
+              <a:t>2019-12-18</a:t>
             </a:fld>
             <a:endParaRPr lang="ko-KR" altLang="en-US"/>
           </a:p>
@@ -1347,7 +1348,7 @@
           <a:p>
             <a:fld id="{25EA3FAE-C791-441F-8046-857A50D23110}" type="datetimeFigureOut">
               <a:rPr lang="ko-KR" altLang="en-US" smtClean="0"/>
-              <a:t>2019-12-16</a:t>
+              <a:t>2019-12-18</a:t>
             </a:fld>
             <a:endParaRPr lang="ko-KR" altLang="en-US"/>
           </a:p>
@@ -1769,7 +1770,7 @@
           <a:p>
             <a:fld id="{25EA3FAE-C791-441F-8046-857A50D23110}" type="datetimeFigureOut">
               <a:rPr lang="ko-KR" altLang="en-US" smtClean="0"/>
-              <a:t>2019-12-16</a:t>
+              <a:t>2019-12-18</a:t>
             </a:fld>
             <a:endParaRPr lang="ko-KR" altLang="en-US"/>
           </a:p>
@@ -1887,7 +1888,7 @@
           <a:p>
             <a:fld id="{25EA3FAE-C791-441F-8046-857A50D23110}" type="datetimeFigureOut">
               <a:rPr lang="ko-KR" altLang="en-US" smtClean="0"/>
-              <a:t>2019-12-16</a:t>
+              <a:t>2019-12-18</a:t>
             </a:fld>
             <a:endParaRPr lang="ko-KR" altLang="en-US"/>
           </a:p>
@@ -1982,7 +1983,7 @@
           <a:p>
             <a:fld id="{25EA3FAE-C791-441F-8046-857A50D23110}" type="datetimeFigureOut">
               <a:rPr lang="ko-KR" altLang="en-US" smtClean="0"/>
-              <a:t>2019-12-16</a:t>
+              <a:t>2019-12-18</a:t>
             </a:fld>
             <a:endParaRPr lang="ko-KR" altLang="en-US"/>
           </a:p>
@@ -2259,7 +2260,7 @@
           <a:p>
             <a:fld id="{25EA3FAE-C791-441F-8046-857A50D23110}" type="datetimeFigureOut">
               <a:rPr lang="ko-KR" altLang="en-US" smtClean="0"/>
-              <a:t>2019-12-16</a:t>
+              <a:t>2019-12-18</a:t>
             </a:fld>
             <a:endParaRPr lang="ko-KR" altLang="en-US"/>
           </a:p>
@@ -2512,7 +2513,7 @@
           <a:p>
             <a:fld id="{25EA3FAE-C791-441F-8046-857A50D23110}" type="datetimeFigureOut">
               <a:rPr lang="ko-KR" altLang="en-US" smtClean="0"/>
-              <a:t>2019-12-16</a:t>
+              <a:t>2019-12-18</a:t>
             </a:fld>
             <a:endParaRPr lang="ko-KR" altLang="en-US"/>
           </a:p>
@@ -2725,7 +2726,7 @@
           <a:p>
             <a:fld id="{25EA3FAE-C791-441F-8046-857A50D23110}" type="datetimeFigureOut">
               <a:rPr lang="ko-KR" altLang="en-US" smtClean="0"/>
-              <a:t>2019-12-16</a:t>
+              <a:t>2019-12-18</a:t>
             </a:fld>
             <a:endParaRPr lang="ko-KR" altLang="en-US"/>
           </a:p>
@@ -3269,14 +3270,7 @@
                 <a:latin typeface="나눔손글씨 펜" pitchFamily="66" charset="-127"/>
                 <a:ea typeface="나눔손글씨 펜" pitchFamily="66" charset="-127"/>
               </a:rPr>
-              <a:t>프로젝트 </a:t>
-            </a:r>
-            <a:r>
-              <a:rPr lang="ko-KR" altLang="en-US" sz="3200" b="1" dirty="0" smtClean="0">
-                <a:latin typeface="나눔손글씨 펜" pitchFamily="66" charset="-127"/>
-                <a:ea typeface="나눔손글씨 펜" pitchFamily="66" charset="-127"/>
-              </a:rPr>
-              <a:t>진행상황 </a:t>
+              <a:t>프로젝트 진행상황 </a:t>
             </a:r>
             <a:r>
               <a:rPr lang="en-US" altLang="ko-KR" sz="3200" b="1" dirty="0" smtClean="0">
@@ -3421,7 +3415,1267 @@
                 <a:latin typeface="나눔손글씨 펜" pitchFamily="66" charset="-127"/>
                 <a:ea typeface="나눔손글씨 펜" pitchFamily="66" charset="-127"/>
               </a:rPr>
-              <a:t>Prepare Data</a:t>
+              <a:t>Day 02 Review</a:t>
+            </a:r>
+            <a:endParaRPr lang="ko-KR" altLang="en-US" sz="4800" dirty="0">
+              <a:effectLst>
+                <a:outerShdw blurRad="38100" dist="38100" dir="2700000" algn="tl">
+                  <a:srgbClr val="000000">
+                    <a:alpha val="43137"/>
+                  </a:srgbClr>
+                </a:outerShdw>
+              </a:effectLst>
+              <a:latin typeface="나눔손글씨 펜" pitchFamily="66" charset="-127"/>
+              <a:ea typeface="나눔손글씨 펜" pitchFamily="66" charset="-127"/>
+            </a:endParaRPr>
+          </a:p>
+        </p:txBody>
+      </p:sp>
+      <p:sp>
+        <p:nvSpPr>
+          <p:cNvPr id="5" name="내용 개체 틀 2"/>
+          <p:cNvSpPr>
+            <a:spLocks noGrp="1"/>
+          </p:cNvSpPr>
+          <p:nvPr/>
+        </p:nvSpPr>
+        <p:spPr>
+          <a:xfrm>
+            <a:off x="457200" y="1371600"/>
+            <a:ext cx="8229600" cy="3394472"/>
+          </a:xfrm>
+          <a:prstGeom prst="rect">
+            <a:avLst/>
+          </a:prstGeom>
+        </p:spPr>
+        <p:txBody>
+          <a:bodyPr vert="horz" lIns="91440" tIns="45720" rIns="91440" bIns="45720" rtlCol="0">
+            <a:normAutofit fontScale="92500" lnSpcReduction="10000"/>
+          </a:bodyPr>
+          <a:lstStyle>
+            <a:lvl1pPr marL="342900" indent="-342900" algn="l" defTabSz="914400" rtl="0" eaLnBrk="1" latinLnBrk="1" hangingPunct="1">
+              <a:spcBef>
+                <a:spcPct val="20000"/>
+              </a:spcBef>
+              <a:buFont typeface="Arial" pitchFamily="34" charset="0"/>
+              <a:buChar char="•"/>
+              <a:defRPr sz="3200" kern="1200">
+                <a:solidFill>
+                  <a:schemeClr val="tx1"/>
+                </a:solidFill>
+                <a:latin typeface="+mn-lt"/>
+                <a:ea typeface="+mn-ea"/>
+                <a:cs typeface="+mn-cs"/>
+              </a:defRPr>
+            </a:lvl1pPr>
+            <a:lvl2pPr marL="742950" indent="-285750" algn="l" defTabSz="914400" rtl="0" eaLnBrk="1" latinLnBrk="1" hangingPunct="1">
+              <a:spcBef>
+                <a:spcPct val="20000"/>
+              </a:spcBef>
+              <a:buFont typeface="Arial" pitchFamily="34" charset="0"/>
+              <a:buChar char="–"/>
+              <a:defRPr sz="2800" kern="1200">
+                <a:solidFill>
+                  <a:schemeClr val="tx1"/>
+                </a:solidFill>
+                <a:latin typeface="+mn-lt"/>
+                <a:ea typeface="+mn-ea"/>
+                <a:cs typeface="+mn-cs"/>
+              </a:defRPr>
+            </a:lvl2pPr>
+            <a:lvl3pPr marL="1143000" indent="-228600" algn="l" defTabSz="914400" rtl="0" eaLnBrk="1" latinLnBrk="1" hangingPunct="1">
+              <a:spcBef>
+                <a:spcPct val="20000"/>
+              </a:spcBef>
+              <a:buFont typeface="Arial" pitchFamily="34" charset="0"/>
+              <a:buChar char="•"/>
+              <a:defRPr sz="2400" kern="1200">
+                <a:solidFill>
+                  <a:schemeClr val="tx1"/>
+                </a:solidFill>
+                <a:latin typeface="+mn-lt"/>
+                <a:ea typeface="+mn-ea"/>
+                <a:cs typeface="+mn-cs"/>
+              </a:defRPr>
+            </a:lvl3pPr>
+            <a:lvl4pPr marL="1600200" indent="-228600" algn="l" defTabSz="914400" rtl="0" eaLnBrk="1" latinLnBrk="1" hangingPunct="1">
+              <a:spcBef>
+                <a:spcPct val="20000"/>
+              </a:spcBef>
+              <a:buFont typeface="Arial" pitchFamily="34" charset="0"/>
+              <a:buChar char="–"/>
+              <a:defRPr sz="2000" kern="1200">
+                <a:solidFill>
+                  <a:schemeClr val="tx1"/>
+                </a:solidFill>
+                <a:latin typeface="+mn-lt"/>
+                <a:ea typeface="+mn-ea"/>
+                <a:cs typeface="+mn-cs"/>
+              </a:defRPr>
+            </a:lvl4pPr>
+            <a:lvl5pPr marL="2057400" indent="-228600" algn="l" defTabSz="914400" rtl="0" eaLnBrk="1" latinLnBrk="1" hangingPunct="1">
+              <a:spcBef>
+                <a:spcPct val="20000"/>
+              </a:spcBef>
+              <a:buFont typeface="Arial" pitchFamily="34" charset="0"/>
+              <a:buChar char="»"/>
+              <a:defRPr sz="2000" kern="1200">
+                <a:solidFill>
+                  <a:schemeClr val="tx1"/>
+                </a:solidFill>
+                <a:latin typeface="+mn-lt"/>
+                <a:ea typeface="+mn-ea"/>
+                <a:cs typeface="+mn-cs"/>
+              </a:defRPr>
+            </a:lvl5pPr>
+            <a:lvl6pPr marL="2514600" indent="-228600" algn="l" defTabSz="914400" rtl="0" eaLnBrk="1" latinLnBrk="1" hangingPunct="1">
+              <a:spcBef>
+                <a:spcPct val="20000"/>
+              </a:spcBef>
+              <a:buFont typeface="Arial" pitchFamily="34" charset="0"/>
+              <a:buChar char="•"/>
+              <a:defRPr sz="2000" kern="1200">
+                <a:solidFill>
+                  <a:schemeClr val="tx1"/>
+                </a:solidFill>
+                <a:latin typeface="+mn-lt"/>
+                <a:ea typeface="+mn-ea"/>
+                <a:cs typeface="+mn-cs"/>
+              </a:defRPr>
+            </a:lvl6pPr>
+            <a:lvl7pPr marL="2971800" indent="-228600" algn="l" defTabSz="914400" rtl="0" eaLnBrk="1" latinLnBrk="1" hangingPunct="1">
+              <a:spcBef>
+                <a:spcPct val="20000"/>
+              </a:spcBef>
+              <a:buFont typeface="Arial" pitchFamily="34" charset="0"/>
+              <a:buChar char="•"/>
+              <a:defRPr sz="2000" kern="1200">
+                <a:solidFill>
+                  <a:schemeClr val="tx1"/>
+                </a:solidFill>
+                <a:latin typeface="+mn-lt"/>
+                <a:ea typeface="+mn-ea"/>
+                <a:cs typeface="+mn-cs"/>
+              </a:defRPr>
+            </a:lvl7pPr>
+            <a:lvl8pPr marL="3429000" indent="-228600" algn="l" defTabSz="914400" rtl="0" eaLnBrk="1" latinLnBrk="1" hangingPunct="1">
+              <a:spcBef>
+                <a:spcPct val="20000"/>
+              </a:spcBef>
+              <a:buFont typeface="Arial" pitchFamily="34" charset="0"/>
+              <a:buChar char="•"/>
+              <a:defRPr sz="2000" kern="1200">
+                <a:solidFill>
+                  <a:schemeClr val="tx1"/>
+                </a:solidFill>
+                <a:latin typeface="+mn-lt"/>
+                <a:ea typeface="+mn-ea"/>
+                <a:cs typeface="+mn-cs"/>
+              </a:defRPr>
+            </a:lvl8pPr>
+            <a:lvl9pPr marL="3886200" indent="-228600" algn="l" defTabSz="914400" rtl="0" eaLnBrk="1" latinLnBrk="1" hangingPunct="1">
+              <a:spcBef>
+                <a:spcPct val="20000"/>
+              </a:spcBef>
+              <a:buFont typeface="Arial" pitchFamily="34" charset="0"/>
+              <a:buChar char="•"/>
+              <a:defRPr sz="2000" kern="1200">
+                <a:solidFill>
+                  <a:schemeClr val="tx1"/>
+                </a:solidFill>
+                <a:latin typeface="+mn-lt"/>
+                <a:ea typeface="+mn-ea"/>
+                <a:cs typeface="+mn-cs"/>
+              </a:defRPr>
+            </a:lvl9pPr>
+          </a:lstStyle>
+          <a:p>
+            <a:pPr marL="0" indent="0">
+              <a:buNone/>
+            </a:pPr>
+            <a:r>
+              <a:rPr lang="en-US" altLang="ko-KR" sz="2400" b="1" dirty="0" smtClean="0">
+                <a:latin typeface="나눔손글씨 펜" pitchFamily="66" charset="-127"/>
+                <a:ea typeface="나눔손글씨 펜" pitchFamily="66" charset="-127"/>
+              </a:rPr>
+              <a:t>&lt;Single </a:t>
+            </a:r>
+            <a:r>
+              <a:rPr lang="en-US" altLang="ko-KR" sz="2400" b="1" dirty="0" err="1" smtClean="0">
+                <a:latin typeface="나눔손글씨 펜" pitchFamily="66" charset="-127"/>
+                <a:ea typeface="나눔손글씨 펜" pitchFamily="66" charset="-127"/>
+              </a:rPr>
+              <a:t>Obejct</a:t>
+            </a:r>
+            <a:r>
+              <a:rPr lang="en-US" altLang="ko-KR" sz="2400" b="1" dirty="0" smtClean="0">
+                <a:latin typeface="나눔손글씨 펜" pitchFamily="66" charset="-127"/>
+                <a:ea typeface="나눔손글씨 펜" pitchFamily="66" charset="-127"/>
+              </a:rPr>
+              <a:t> Detection&gt;</a:t>
+            </a:r>
+          </a:p>
+          <a:p>
+            <a:pPr marL="457200" indent="-457200">
+              <a:buAutoNum type="arabicPeriod"/>
+            </a:pPr>
+            <a:r>
+              <a:rPr lang="en-US" altLang="ko-KR" sz="2400" dirty="0" smtClean="0">
+                <a:latin typeface="나눔손글씨 펜" pitchFamily="66" charset="-127"/>
+                <a:ea typeface="나눔손글씨 펜" pitchFamily="66" charset="-127"/>
+              </a:rPr>
+              <a:t>CAM </a:t>
+            </a:r>
+            <a:r>
+              <a:rPr lang="ko-KR" altLang="en-US" sz="2400" dirty="0" smtClean="0">
+                <a:latin typeface="나눔손글씨 펜" pitchFamily="66" charset="-127"/>
+                <a:ea typeface="나눔손글씨 펜" pitchFamily="66" charset="-127"/>
+              </a:rPr>
+              <a:t>적용한 </a:t>
+            </a:r>
+            <a:r>
+              <a:rPr lang="en-US" altLang="ko-KR" sz="2400" dirty="0" err="1" smtClean="0">
+                <a:latin typeface="나눔손글씨 펜" pitchFamily="66" charset="-127"/>
+                <a:ea typeface="나눔손글씨 펜" pitchFamily="66" charset="-127"/>
+              </a:rPr>
+              <a:t>GoogLeNet</a:t>
+            </a:r>
+            <a:r>
+              <a:rPr lang="en-US" altLang="ko-KR" sz="2400" dirty="0" smtClean="0">
+                <a:latin typeface="나눔손글씨 펜" pitchFamily="66" charset="-127"/>
+                <a:ea typeface="나눔손글씨 펜" pitchFamily="66" charset="-127"/>
+              </a:rPr>
+              <a:t> </a:t>
+            </a:r>
+            <a:r>
+              <a:rPr lang="ko-KR" altLang="en-US" sz="2400" dirty="0" smtClean="0">
+                <a:latin typeface="나눔손글씨 펜" pitchFamily="66" charset="-127"/>
+                <a:ea typeface="나눔손글씨 펜" pitchFamily="66" charset="-127"/>
+              </a:rPr>
+              <a:t>모델 구현</a:t>
+            </a:r>
+            <a:endParaRPr lang="en-US" altLang="ko-KR" sz="2400" dirty="0" smtClean="0">
+              <a:latin typeface="나눔손글씨 펜" pitchFamily="66" charset="-127"/>
+              <a:ea typeface="나눔손글씨 펜" pitchFamily="66" charset="-127"/>
+            </a:endParaRPr>
+          </a:p>
+          <a:p>
+            <a:pPr marL="457200" indent="-457200">
+              <a:buAutoNum type="arabicPeriod"/>
+            </a:pPr>
+            <a:r>
+              <a:rPr lang="en-US" altLang="ko-KR" sz="2400" dirty="0" err="1" smtClean="0">
+                <a:latin typeface="나눔손글씨 펜" pitchFamily="66" charset="-127"/>
+                <a:ea typeface="나눔손글씨 펜" pitchFamily="66" charset="-127"/>
+              </a:rPr>
+              <a:t>GoogLeNet</a:t>
+            </a:r>
+            <a:r>
+              <a:rPr lang="en-US" altLang="ko-KR" sz="2400" dirty="0" smtClean="0">
+                <a:latin typeface="나눔손글씨 펜" pitchFamily="66" charset="-127"/>
+                <a:ea typeface="나눔손글씨 펜" pitchFamily="66" charset="-127"/>
+              </a:rPr>
+              <a:t> </a:t>
+            </a:r>
+            <a:r>
+              <a:rPr lang="ko-KR" altLang="en-US" sz="2400" dirty="0" smtClean="0">
+                <a:latin typeface="나눔손글씨 펜" pitchFamily="66" charset="-127"/>
+                <a:ea typeface="나눔손글씨 펜" pitchFamily="66" charset="-127"/>
+              </a:rPr>
+              <a:t>모델 학습</a:t>
+            </a:r>
+            <a:r>
+              <a:rPr lang="en-US" altLang="ko-KR" sz="2400" dirty="0" smtClean="0">
+                <a:latin typeface="나눔손글씨 펜" pitchFamily="66" charset="-127"/>
+                <a:ea typeface="나눔손글씨 펜" pitchFamily="66" charset="-127"/>
+              </a:rPr>
+              <a:t/>
+            </a:r>
+            <a:br>
+              <a:rPr lang="en-US" altLang="ko-KR" sz="2400" dirty="0" smtClean="0">
+                <a:latin typeface="나눔손글씨 펜" pitchFamily="66" charset="-127"/>
+                <a:ea typeface="나눔손글씨 펜" pitchFamily="66" charset="-127"/>
+              </a:rPr>
+            </a:br>
+            <a:r>
+              <a:rPr lang="en-US" altLang="ko-KR" sz="2400" dirty="0" smtClean="0">
+                <a:latin typeface="나눔손글씨 펜" pitchFamily="66" charset="-127"/>
+                <a:ea typeface="나눔손글씨 펜" pitchFamily="66" charset="-127"/>
+              </a:rPr>
+              <a:t>	</a:t>
+            </a:r>
+            <a:r>
+              <a:rPr lang="en-US" altLang="ko-KR" sz="2400" dirty="0" smtClean="0">
+                <a:solidFill>
+                  <a:schemeClr val="tx1">
+                    <a:lumMod val="50000"/>
+                    <a:lumOff val="50000"/>
+                  </a:schemeClr>
+                </a:solidFill>
+                <a:latin typeface="나눔손글씨 펜" pitchFamily="66" charset="-127"/>
+                <a:ea typeface="나눔손글씨 펜" pitchFamily="66" charset="-127"/>
+              </a:rPr>
+              <a:t>&gt; Single-Object Detection Accuracy-86% </a:t>
+            </a:r>
+          </a:p>
+          <a:p>
+            <a:pPr marL="457200" indent="-457200">
+              <a:buAutoNum type="arabicPeriod"/>
+            </a:pPr>
+            <a:r>
+              <a:rPr lang="ko-KR" altLang="en-US" sz="2400" dirty="0" smtClean="0">
+                <a:latin typeface="나눔손글씨 펜" pitchFamily="66" charset="-127"/>
+                <a:ea typeface="나눔손글씨 펜" pitchFamily="66" charset="-127"/>
+              </a:rPr>
+              <a:t>목표 </a:t>
+            </a:r>
+            <a:r>
+              <a:rPr lang="en-US" altLang="ko-KR" sz="2400" dirty="0" smtClean="0">
+                <a:latin typeface="나눔손글씨 펜" pitchFamily="66" charset="-127"/>
+                <a:ea typeface="나눔손글씨 펜" pitchFamily="66" charset="-127"/>
+              </a:rPr>
+              <a:t>Accuracy </a:t>
+            </a:r>
+            <a:r>
+              <a:rPr lang="ko-KR" altLang="en-US" sz="2400" dirty="0" smtClean="0">
+                <a:latin typeface="나눔손글씨 펜" pitchFamily="66" charset="-127"/>
+                <a:ea typeface="나눔손글씨 펜" pitchFamily="66" charset="-127"/>
+              </a:rPr>
+              <a:t>달성 및 분류 결과 분석</a:t>
+            </a:r>
+            <a:endParaRPr lang="en-US" altLang="ko-KR" sz="2400" dirty="0" smtClean="0">
+              <a:latin typeface="나눔손글씨 펜" pitchFamily="66" charset="-127"/>
+              <a:ea typeface="나눔손글씨 펜" pitchFamily="66" charset="-127"/>
+            </a:endParaRPr>
+          </a:p>
+          <a:p>
+            <a:pPr marL="457200" indent="-457200">
+              <a:buAutoNum type="arabicPeriod"/>
+            </a:pPr>
+            <a:r>
+              <a:rPr lang="en-US" altLang="ko-KR" sz="2400" dirty="0" smtClean="0">
+                <a:latin typeface="나눔손글씨 펜" pitchFamily="66" charset="-127"/>
+                <a:ea typeface="나눔손글씨 펜" pitchFamily="66" charset="-127"/>
+              </a:rPr>
+              <a:t>Data </a:t>
+            </a:r>
+            <a:r>
+              <a:rPr lang="ko-KR" altLang="en-US" sz="2400" dirty="0" smtClean="0">
+                <a:latin typeface="나눔손글씨 펜" pitchFamily="66" charset="-127"/>
+                <a:ea typeface="나눔손글씨 펜" pitchFamily="66" charset="-127"/>
+              </a:rPr>
+              <a:t>양 늘리기</a:t>
+            </a:r>
+            <a:r>
+              <a:rPr lang="en-US" altLang="ko-KR" sz="2400" dirty="0" smtClean="0">
+                <a:latin typeface="나눔손글씨 펜" pitchFamily="66" charset="-127"/>
+                <a:ea typeface="나눔손글씨 펜" pitchFamily="66" charset="-127"/>
+              </a:rPr>
+              <a:t/>
+            </a:r>
+            <a:br>
+              <a:rPr lang="en-US" altLang="ko-KR" sz="2400" dirty="0" smtClean="0">
+                <a:latin typeface="나눔손글씨 펜" pitchFamily="66" charset="-127"/>
+                <a:ea typeface="나눔손글씨 펜" pitchFamily="66" charset="-127"/>
+              </a:rPr>
+            </a:br>
+            <a:endParaRPr lang="en-US" altLang="ko-KR" sz="2400" dirty="0" smtClean="0">
+              <a:latin typeface="나눔손글씨 펜" pitchFamily="66" charset="-127"/>
+              <a:ea typeface="나눔손글씨 펜" pitchFamily="66" charset="-127"/>
+            </a:endParaRPr>
+          </a:p>
+          <a:p>
+            <a:pPr marL="0" indent="0">
+              <a:buNone/>
+            </a:pPr>
+            <a:r>
+              <a:rPr lang="en-US" altLang="ko-KR" sz="2400" b="1" dirty="0" smtClean="0">
+                <a:latin typeface="나눔손글씨 펜" pitchFamily="66" charset="-127"/>
+                <a:ea typeface="나눔손글씨 펜" pitchFamily="66" charset="-127"/>
+              </a:rPr>
+              <a:t>&lt;Multi Object Detection&gt;</a:t>
+            </a:r>
+            <a:endParaRPr lang="en-US" altLang="ko-KR" sz="2400" b="1" dirty="0" smtClean="0">
+              <a:latin typeface="나눔손글씨 펜" pitchFamily="66" charset="-127"/>
+              <a:ea typeface="나눔손글씨 펜" pitchFamily="66" charset="-127"/>
+            </a:endParaRPr>
+          </a:p>
+          <a:p>
+            <a:pPr marL="457200" indent="-457200">
+              <a:buAutoNum type="arabicPeriod"/>
+            </a:pPr>
+            <a:r>
+              <a:rPr lang="en-US" altLang="ko-KR" sz="2400" dirty="0" smtClean="0">
+                <a:latin typeface="나눔손글씨 펜" pitchFamily="66" charset="-127"/>
+                <a:ea typeface="나눔손글씨 펜" pitchFamily="66" charset="-127"/>
+              </a:rPr>
+              <a:t>Multi-Object Detection</a:t>
+            </a:r>
+            <a:r>
+              <a:rPr lang="ko-KR" altLang="en-US" sz="2400" dirty="0">
+                <a:latin typeface="나눔손글씨 펜" pitchFamily="66" charset="-127"/>
+                <a:ea typeface="나눔손글씨 펜" pitchFamily="66" charset="-127"/>
+              </a:rPr>
+              <a:t> </a:t>
+            </a:r>
+            <a:r>
+              <a:rPr lang="ko-KR" altLang="en-US" sz="2400" dirty="0" smtClean="0">
+                <a:latin typeface="나눔손글씨 펜" pitchFamily="66" charset="-127"/>
+                <a:ea typeface="나눔손글씨 펜" pitchFamily="66" charset="-127"/>
+              </a:rPr>
+              <a:t>테스트</a:t>
+            </a:r>
+            <a:endParaRPr lang="en-US" altLang="ko-KR" sz="2400" dirty="0" smtClean="0">
+              <a:latin typeface="나눔손글씨 펜" pitchFamily="66" charset="-127"/>
+              <a:ea typeface="나눔손글씨 펜" pitchFamily="66" charset="-127"/>
+            </a:endParaRPr>
+          </a:p>
+        </p:txBody>
+      </p:sp>
+      <p:pic>
+        <p:nvPicPr>
+          <p:cNvPr id="1027" name="Picture 3" descr="C:\Users\student\Ai-KEA\img\predict_01.png"/>
+          <p:cNvPicPr>
+            <a:picLocks noChangeAspect="1" noChangeArrowheads="1"/>
+          </p:cNvPicPr>
+          <p:nvPr/>
+        </p:nvPicPr>
+        <p:blipFill>
+          <a:blip r:embed="rId2">
+            <a:extLst>
+              <a:ext uri="{28A0092B-C50C-407E-A947-70E740481C1C}">
+                <a14:useLocalDpi xmlns:a14="http://schemas.microsoft.com/office/drawing/2010/main" val="0"/>
+              </a:ext>
+            </a:extLst>
+          </a:blip>
+          <a:srcRect/>
+          <a:stretch>
+            <a:fillRect/>
+          </a:stretch>
+        </p:blipFill>
+        <p:spPr bwMode="auto">
+          <a:xfrm>
+            <a:off x="6382544" y="1371700"/>
+            <a:ext cx="2304256" cy="2259427"/>
+          </a:xfrm>
+          <a:prstGeom prst="rect">
+            <a:avLst/>
+          </a:prstGeom>
+          <a:noFill/>
+          <a:extLst>
+            <a:ext uri="{909E8E84-426E-40DD-AFC4-6F175D3DCCD1}">
+              <a14:hiddenFill xmlns:a14="http://schemas.microsoft.com/office/drawing/2010/main">
+                <a:solidFill>
+                  <a:srgbClr val="FFFFFF"/>
+                </a:solidFill>
+              </a14:hiddenFill>
+            </a:ext>
+          </a:extLst>
+        </p:spPr>
+      </p:pic>
+    </p:spTree>
+    <p:extLst>
+      <p:ext uri="{BB962C8B-B14F-4D97-AF65-F5344CB8AC3E}">
+        <p14:creationId xmlns:p14="http://schemas.microsoft.com/office/powerpoint/2010/main" val="1415371323"/>
+      </p:ext>
+    </p:extLst>
+  </p:cSld>
+  <p:clrMapOvr>
+    <a:masterClrMapping/>
+  </p:clrMapOvr>
+  <p:timing>
+    <p:tnLst>
+      <p:par>
+        <p:cTn id="1" dur="indefinite" restart="never" nodeType="tmRoot"/>
+      </p:par>
+    </p:tnLst>
+  </p:timing>
+</p:sld>
+</file>
+
+<file path=ppt/slides/slide3.xml><?xml version="1.0" encoding="utf-8"?>
+<p:sld xmlns:a="http://schemas.openxmlformats.org/drawingml/2006/main" xmlns:r="http://schemas.openxmlformats.org/officeDocument/2006/relationships" xmlns:p="http://schemas.openxmlformats.org/presentationml/2006/main">
+  <p:cSld>
+    <p:spTree>
+      <p:nvGrpSpPr>
+        <p:cNvPr id="1" name=""/>
+        <p:cNvGrpSpPr/>
+        <p:nvPr/>
+      </p:nvGrpSpPr>
+      <p:grpSpPr>
+        <a:xfrm>
+          <a:off x="0" y="0"/>
+          <a:ext cx="0" cy="0"/>
+          <a:chOff x="0" y="0"/>
+          <a:chExt cx="0" cy="0"/>
+        </a:xfrm>
+      </p:grpSpPr>
+      <p:sp>
+        <p:nvSpPr>
+          <p:cNvPr id="4" name="제목 1"/>
+          <p:cNvSpPr>
+            <a:spLocks noGrp="1"/>
+          </p:cNvSpPr>
+          <p:nvPr/>
+        </p:nvSpPr>
+        <p:spPr>
+          <a:xfrm>
+            <a:off x="457200" y="377428"/>
+            <a:ext cx="8229600" cy="857250"/>
+          </a:xfrm>
+          <a:prstGeom prst="rect">
+            <a:avLst/>
+          </a:prstGeom>
+        </p:spPr>
+        <p:txBody>
+          <a:bodyPr vert="horz" lIns="91440" tIns="45720" rIns="91440" bIns="45720" rtlCol="0" anchor="ctr">
+            <a:normAutofit/>
+          </a:bodyPr>
+          <a:lstStyle>
+            <a:lvl1pPr algn="ctr" defTabSz="914400" rtl="0" eaLnBrk="1" latinLnBrk="1" hangingPunct="1">
+              <a:spcBef>
+                <a:spcPct val="0"/>
+              </a:spcBef>
+              <a:buNone/>
+              <a:defRPr sz="4400" kern="1200">
+                <a:solidFill>
+                  <a:schemeClr val="tx1"/>
+                </a:solidFill>
+                <a:latin typeface="+mj-lt"/>
+                <a:ea typeface="+mj-ea"/>
+                <a:cs typeface="+mj-cs"/>
+              </a:defRPr>
+            </a:lvl1pPr>
+          </a:lstStyle>
+          <a:p>
+            <a:r>
+              <a:rPr lang="en-US" altLang="ko-KR" sz="4800" dirty="0" smtClean="0">
+                <a:effectLst>
+                  <a:outerShdw blurRad="38100" dist="38100" dir="2700000" algn="tl">
+                    <a:srgbClr val="000000">
+                      <a:alpha val="43137"/>
+                    </a:srgbClr>
+                  </a:outerShdw>
+                </a:effectLst>
+                <a:latin typeface="나눔손글씨 펜" pitchFamily="66" charset="-127"/>
+                <a:ea typeface="나눔손글씨 펜" pitchFamily="66" charset="-127"/>
+              </a:rPr>
+              <a:t>Model </a:t>
+            </a:r>
+            <a:r>
+              <a:rPr lang="ko-KR" altLang="en-US" sz="4800" dirty="0" smtClean="0">
+                <a:effectLst>
+                  <a:outerShdw blurRad="38100" dist="38100" dir="2700000" algn="tl">
+                    <a:srgbClr val="000000">
+                      <a:alpha val="43137"/>
+                    </a:srgbClr>
+                  </a:outerShdw>
+                </a:effectLst>
+                <a:latin typeface="나눔손글씨 펜" pitchFamily="66" charset="-127"/>
+                <a:ea typeface="나눔손글씨 펜" pitchFamily="66" charset="-127"/>
+              </a:rPr>
+              <a:t>수정</a:t>
+            </a:r>
+            <a:endParaRPr lang="ko-KR" altLang="en-US" sz="4800" dirty="0">
+              <a:effectLst>
+                <a:outerShdw blurRad="38100" dist="38100" dir="2700000" algn="tl">
+                  <a:srgbClr val="000000">
+                    <a:alpha val="43137"/>
+                  </a:srgbClr>
+                </a:outerShdw>
+              </a:effectLst>
+              <a:latin typeface="나눔손글씨 펜" pitchFamily="66" charset="-127"/>
+              <a:ea typeface="나눔손글씨 펜" pitchFamily="66" charset="-127"/>
+            </a:endParaRPr>
+          </a:p>
+        </p:txBody>
+      </p:sp>
+      <p:sp>
+        <p:nvSpPr>
+          <p:cNvPr id="5" name="내용 개체 틀 2"/>
+          <p:cNvSpPr>
+            <a:spLocks noGrp="1"/>
+          </p:cNvSpPr>
+          <p:nvPr/>
+        </p:nvSpPr>
+        <p:spPr>
+          <a:xfrm>
+            <a:off x="457200" y="1371600"/>
+            <a:ext cx="8229600" cy="3394472"/>
+          </a:xfrm>
+          <a:prstGeom prst="rect">
+            <a:avLst/>
+          </a:prstGeom>
+        </p:spPr>
+        <p:txBody>
+          <a:bodyPr vert="horz" lIns="91440" tIns="45720" rIns="91440" bIns="45720" rtlCol="0">
+            <a:normAutofit fontScale="92500" lnSpcReduction="10000"/>
+          </a:bodyPr>
+          <a:lstStyle>
+            <a:lvl1pPr marL="342900" indent="-342900" algn="l" defTabSz="914400" rtl="0" eaLnBrk="1" latinLnBrk="1" hangingPunct="1">
+              <a:spcBef>
+                <a:spcPct val="20000"/>
+              </a:spcBef>
+              <a:buFont typeface="Arial" pitchFamily="34" charset="0"/>
+              <a:buChar char="•"/>
+              <a:defRPr sz="3200" kern="1200">
+                <a:solidFill>
+                  <a:schemeClr val="tx1"/>
+                </a:solidFill>
+                <a:latin typeface="+mn-lt"/>
+                <a:ea typeface="+mn-ea"/>
+                <a:cs typeface="+mn-cs"/>
+              </a:defRPr>
+            </a:lvl1pPr>
+            <a:lvl2pPr marL="742950" indent="-285750" algn="l" defTabSz="914400" rtl="0" eaLnBrk="1" latinLnBrk="1" hangingPunct="1">
+              <a:spcBef>
+                <a:spcPct val="20000"/>
+              </a:spcBef>
+              <a:buFont typeface="Arial" pitchFamily="34" charset="0"/>
+              <a:buChar char="–"/>
+              <a:defRPr sz="2800" kern="1200">
+                <a:solidFill>
+                  <a:schemeClr val="tx1"/>
+                </a:solidFill>
+                <a:latin typeface="+mn-lt"/>
+                <a:ea typeface="+mn-ea"/>
+                <a:cs typeface="+mn-cs"/>
+              </a:defRPr>
+            </a:lvl2pPr>
+            <a:lvl3pPr marL="1143000" indent="-228600" algn="l" defTabSz="914400" rtl="0" eaLnBrk="1" latinLnBrk="1" hangingPunct="1">
+              <a:spcBef>
+                <a:spcPct val="20000"/>
+              </a:spcBef>
+              <a:buFont typeface="Arial" pitchFamily="34" charset="0"/>
+              <a:buChar char="•"/>
+              <a:defRPr sz="2400" kern="1200">
+                <a:solidFill>
+                  <a:schemeClr val="tx1"/>
+                </a:solidFill>
+                <a:latin typeface="+mn-lt"/>
+                <a:ea typeface="+mn-ea"/>
+                <a:cs typeface="+mn-cs"/>
+              </a:defRPr>
+            </a:lvl3pPr>
+            <a:lvl4pPr marL="1600200" indent="-228600" algn="l" defTabSz="914400" rtl="0" eaLnBrk="1" latinLnBrk="1" hangingPunct="1">
+              <a:spcBef>
+                <a:spcPct val="20000"/>
+              </a:spcBef>
+              <a:buFont typeface="Arial" pitchFamily="34" charset="0"/>
+              <a:buChar char="–"/>
+              <a:defRPr sz="2000" kern="1200">
+                <a:solidFill>
+                  <a:schemeClr val="tx1"/>
+                </a:solidFill>
+                <a:latin typeface="+mn-lt"/>
+                <a:ea typeface="+mn-ea"/>
+                <a:cs typeface="+mn-cs"/>
+              </a:defRPr>
+            </a:lvl4pPr>
+            <a:lvl5pPr marL="2057400" indent="-228600" algn="l" defTabSz="914400" rtl="0" eaLnBrk="1" latinLnBrk="1" hangingPunct="1">
+              <a:spcBef>
+                <a:spcPct val="20000"/>
+              </a:spcBef>
+              <a:buFont typeface="Arial" pitchFamily="34" charset="0"/>
+              <a:buChar char="»"/>
+              <a:defRPr sz="2000" kern="1200">
+                <a:solidFill>
+                  <a:schemeClr val="tx1"/>
+                </a:solidFill>
+                <a:latin typeface="+mn-lt"/>
+                <a:ea typeface="+mn-ea"/>
+                <a:cs typeface="+mn-cs"/>
+              </a:defRPr>
+            </a:lvl5pPr>
+            <a:lvl6pPr marL="2514600" indent="-228600" algn="l" defTabSz="914400" rtl="0" eaLnBrk="1" latinLnBrk="1" hangingPunct="1">
+              <a:spcBef>
+                <a:spcPct val="20000"/>
+              </a:spcBef>
+              <a:buFont typeface="Arial" pitchFamily="34" charset="0"/>
+              <a:buChar char="•"/>
+              <a:defRPr sz="2000" kern="1200">
+                <a:solidFill>
+                  <a:schemeClr val="tx1"/>
+                </a:solidFill>
+                <a:latin typeface="+mn-lt"/>
+                <a:ea typeface="+mn-ea"/>
+                <a:cs typeface="+mn-cs"/>
+              </a:defRPr>
+            </a:lvl6pPr>
+            <a:lvl7pPr marL="2971800" indent="-228600" algn="l" defTabSz="914400" rtl="0" eaLnBrk="1" latinLnBrk="1" hangingPunct="1">
+              <a:spcBef>
+                <a:spcPct val="20000"/>
+              </a:spcBef>
+              <a:buFont typeface="Arial" pitchFamily="34" charset="0"/>
+              <a:buChar char="•"/>
+              <a:defRPr sz="2000" kern="1200">
+                <a:solidFill>
+                  <a:schemeClr val="tx1"/>
+                </a:solidFill>
+                <a:latin typeface="+mn-lt"/>
+                <a:ea typeface="+mn-ea"/>
+                <a:cs typeface="+mn-cs"/>
+              </a:defRPr>
+            </a:lvl7pPr>
+            <a:lvl8pPr marL="3429000" indent="-228600" algn="l" defTabSz="914400" rtl="0" eaLnBrk="1" latinLnBrk="1" hangingPunct="1">
+              <a:spcBef>
+                <a:spcPct val="20000"/>
+              </a:spcBef>
+              <a:buFont typeface="Arial" pitchFamily="34" charset="0"/>
+              <a:buChar char="•"/>
+              <a:defRPr sz="2000" kern="1200">
+                <a:solidFill>
+                  <a:schemeClr val="tx1"/>
+                </a:solidFill>
+                <a:latin typeface="+mn-lt"/>
+                <a:ea typeface="+mn-ea"/>
+                <a:cs typeface="+mn-cs"/>
+              </a:defRPr>
+            </a:lvl8pPr>
+            <a:lvl9pPr marL="3886200" indent="-228600" algn="l" defTabSz="914400" rtl="0" eaLnBrk="1" latinLnBrk="1" hangingPunct="1">
+              <a:spcBef>
+                <a:spcPct val="20000"/>
+              </a:spcBef>
+              <a:buFont typeface="Arial" pitchFamily="34" charset="0"/>
+              <a:buChar char="•"/>
+              <a:defRPr sz="2000" kern="1200">
+                <a:solidFill>
+                  <a:schemeClr val="tx1"/>
+                </a:solidFill>
+                <a:latin typeface="+mn-lt"/>
+                <a:ea typeface="+mn-ea"/>
+                <a:cs typeface="+mn-cs"/>
+              </a:defRPr>
+            </a:lvl9pPr>
+          </a:lstStyle>
+          <a:p>
+            <a:pPr marL="457200" indent="-457200">
+              <a:buAutoNum type="arabicPeriod"/>
+            </a:pPr>
+            <a:r>
+              <a:rPr lang="ko-KR" altLang="en-US" sz="2000" dirty="0" smtClean="0">
+                <a:latin typeface="나눔손글씨 펜" pitchFamily="66" charset="-127"/>
+                <a:ea typeface="나눔손글씨 펜" pitchFamily="66" charset="-127"/>
+              </a:rPr>
+              <a:t>기존 </a:t>
+            </a:r>
+            <a:r>
+              <a:rPr lang="en-US" altLang="ko-KR" sz="2000" dirty="0" smtClean="0">
+                <a:latin typeface="나눔손글씨 펜" pitchFamily="66" charset="-127"/>
+                <a:ea typeface="나눔손글씨 펜" pitchFamily="66" charset="-127"/>
+              </a:rPr>
+              <a:t>Library Model</a:t>
+            </a:r>
+            <a:r>
+              <a:rPr lang="ko-KR" altLang="en-US" sz="2000" dirty="0" smtClean="0">
+                <a:latin typeface="나눔손글씨 펜" pitchFamily="66" charset="-127"/>
+                <a:ea typeface="나눔손글씨 펜" pitchFamily="66" charset="-127"/>
+              </a:rPr>
+              <a:t>로 </a:t>
+            </a:r>
+            <a:r>
+              <a:rPr lang="en-US" altLang="ko-KR" sz="2000" dirty="0" smtClean="0">
+                <a:latin typeface="나눔손글씨 펜" pitchFamily="66" charset="-127"/>
+                <a:ea typeface="나눔손글씨 펜" pitchFamily="66" charset="-127"/>
+              </a:rPr>
+              <a:t>CAM </a:t>
+            </a:r>
+            <a:r>
+              <a:rPr lang="ko-KR" altLang="en-US" sz="2000" dirty="0" smtClean="0">
+                <a:latin typeface="나눔손글씨 펜" pitchFamily="66" charset="-127"/>
+                <a:ea typeface="나눔손글씨 펜" pitchFamily="66" charset="-127"/>
+              </a:rPr>
+              <a:t>사용 불가</a:t>
+            </a:r>
+            <a:r>
+              <a:rPr lang="en-US" altLang="ko-KR" sz="2000" dirty="0" smtClean="0">
+                <a:latin typeface="나눔손글씨 펜" pitchFamily="66" charset="-127"/>
+                <a:ea typeface="나눔손글씨 펜" pitchFamily="66" charset="-127"/>
+              </a:rPr>
+              <a:t/>
+            </a:r>
+            <a:br>
+              <a:rPr lang="en-US" altLang="ko-KR" sz="2000" dirty="0" smtClean="0">
+                <a:latin typeface="나눔손글씨 펜" pitchFamily="66" charset="-127"/>
+                <a:ea typeface="나눔손글씨 펜" pitchFamily="66" charset="-127"/>
+              </a:rPr>
+            </a:br>
+            <a:r>
+              <a:rPr lang="en-US" altLang="ko-KR" sz="2000" dirty="0" smtClean="0">
+                <a:latin typeface="나눔손글씨 펜" pitchFamily="66" charset="-127"/>
+                <a:ea typeface="나눔손글씨 펜" pitchFamily="66" charset="-127"/>
+              </a:rPr>
+              <a:t>	&gt; </a:t>
+            </a:r>
+            <a:r>
+              <a:rPr lang="en-US" altLang="ko-KR" sz="2000" dirty="0" smtClean="0">
+                <a:latin typeface="나눔손글씨 펜" pitchFamily="66" charset="-127"/>
+                <a:ea typeface="나눔손글씨 펜" pitchFamily="66" charset="-127"/>
+              </a:rPr>
+              <a:t>Library Model </a:t>
+            </a:r>
+            <a:r>
+              <a:rPr lang="ko-KR" altLang="en-US" sz="2000" dirty="0" smtClean="0">
+                <a:latin typeface="나눔손글씨 펜" pitchFamily="66" charset="-127"/>
+                <a:ea typeface="나눔손글씨 펜" pitchFamily="66" charset="-127"/>
+              </a:rPr>
+              <a:t>기반으로 새로운 모델 구현</a:t>
+            </a:r>
+            <a:endParaRPr lang="en-US" altLang="ko-KR" sz="2000" dirty="0" smtClean="0">
+              <a:latin typeface="나눔손글씨 펜" pitchFamily="66" charset="-127"/>
+              <a:ea typeface="나눔손글씨 펜" pitchFamily="66" charset="-127"/>
+            </a:endParaRPr>
+          </a:p>
+          <a:p>
+            <a:pPr marL="457200" indent="-457200">
+              <a:buAutoNum type="arabicPeriod"/>
+            </a:pPr>
+            <a:endParaRPr lang="en-US" altLang="ko-KR" sz="2000" dirty="0">
+              <a:latin typeface="나눔손글씨 펜" pitchFamily="66" charset="-127"/>
+              <a:ea typeface="나눔손글씨 펜" pitchFamily="66" charset="-127"/>
+            </a:endParaRPr>
+          </a:p>
+          <a:p>
+            <a:pPr marL="457200" indent="-457200">
+              <a:buAutoNum type="arabicPeriod"/>
+            </a:pPr>
+            <a:r>
+              <a:rPr lang="en-US" altLang="ko-KR" sz="2000" dirty="0" smtClean="0">
+                <a:latin typeface="나눔손글씨 펜" pitchFamily="66" charset="-127"/>
+                <a:ea typeface="나눔손글씨 펜" pitchFamily="66" charset="-127"/>
+              </a:rPr>
+              <a:t>VGG16</a:t>
+            </a:r>
+            <a:r>
+              <a:rPr lang="en-US" altLang="ko-KR" sz="2000" dirty="0" smtClean="0">
+                <a:latin typeface="나눔손글씨 펜" pitchFamily="66" charset="-127"/>
+                <a:ea typeface="나눔손글씨 펜" pitchFamily="66" charset="-127"/>
+              </a:rPr>
+              <a:t/>
+            </a:r>
+            <a:br>
+              <a:rPr lang="en-US" altLang="ko-KR" sz="2000" dirty="0" smtClean="0">
+                <a:latin typeface="나눔손글씨 펜" pitchFamily="66" charset="-127"/>
+                <a:ea typeface="나눔손글씨 펜" pitchFamily="66" charset="-127"/>
+              </a:rPr>
+            </a:br>
+            <a:r>
+              <a:rPr lang="en-US" altLang="ko-KR" sz="2000" dirty="0" smtClean="0">
+                <a:latin typeface="나눔손글씨 펜" pitchFamily="66" charset="-127"/>
+                <a:ea typeface="나눔손글씨 펜" pitchFamily="66" charset="-127"/>
+              </a:rPr>
+              <a:t>	&gt; </a:t>
+            </a:r>
+            <a:r>
+              <a:rPr lang="en-US" altLang="ko-KR" sz="2000" dirty="0" smtClean="0">
+                <a:latin typeface="나눔손글씨 펜" pitchFamily="66" charset="-127"/>
+                <a:ea typeface="나눔손글씨 펜" pitchFamily="66" charset="-127"/>
+              </a:rPr>
+              <a:t>Accuracy : 81%</a:t>
+            </a:r>
+            <a:r>
+              <a:rPr lang="en-US" altLang="ko-KR" sz="2000" dirty="0" smtClean="0">
+                <a:latin typeface="나눔손글씨 펜" pitchFamily="66" charset="-127"/>
+                <a:ea typeface="나눔손글씨 펜" pitchFamily="66" charset="-127"/>
+              </a:rPr>
+              <a:t/>
+            </a:r>
+            <a:br>
+              <a:rPr lang="en-US" altLang="ko-KR" sz="2000" dirty="0" smtClean="0">
+                <a:latin typeface="나눔손글씨 펜" pitchFamily="66" charset="-127"/>
+                <a:ea typeface="나눔손글씨 펜" pitchFamily="66" charset="-127"/>
+              </a:rPr>
+            </a:br>
+            <a:r>
+              <a:rPr lang="en-US" altLang="ko-KR" sz="2000" dirty="0" smtClean="0">
+                <a:latin typeface="나눔손글씨 펜" pitchFamily="66" charset="-127"/>
+                <a:ea typeface="나눔손글씨 펜" pitchFamily="66" charset="-127"/>
+              </a:rPr>
+              <a:t>	&gt; </a:t>
+            </a:r>
+            <a:r>
+              <a:rPr lang="ko-KR" altLang="en-US" sz="2000" dirty="0" smtClean="0">
+                <a:latin typeface="나눔손글씨 펜" pitchFamily="66" charset="-127"/>
+                <a:ea typeface="나눔손글씨 펜" pitchFamily="66" charset="-127"/>
+              </a:rPr>
+              <a:t>안정적인 </a:t>
+            </a:r>
+            <a:r>
+              <a:rPr lang="ko-KR" altLang="en-US" sz="2000" dirty="0" smtClean="0">
+                <a:latin typeface="나눔손글씨 펜" pitchFamily="66" charset="-127"/>
+                <a:ea typeface="나눔손글씨 펜" pitchFamily="66" charset="-127"/>
+              </a:rPr>
+              <a:t>학습 진행</a:t>
+            </a:r>
+            <a:r>
+              <a:rPr lang="en-US" altLang="ko-KR" sz="2000" dirty="0" smtClean="0">
+                <a:latin typeface="나눔손글씨 펜" pitchFamily="66" charset="-127"/>
+                <a:ea typeface="나눔손글씨 펜" pitchFamily="66" charset="-127"/>
+              </a:rPr>
+              <a:t>, </a:t>
+            </a:r>
+            <a:r>
+              <a:rPr lang="en-US" altLang="ko-KR" sz="2000" dirty="0" err="1" smtClean="0">
+                <a:latin typeface="나눔손글씨 펜" pitchFamily="66" charset="-127"/>
+                <a:ea typeface="나눔손글씨 펜" pitchFamily="66" charset="-127"/>
+              </a:rPr>
+              <a:t>BackPropagation</a:t>
+            </a:r>
+            <a:r>
+              <a:rPr lang="ko-KR" altLang="en-US" sz="2000" dirty="0" smtClean="0">
+                <a:latin typeface="나눔손글씨 펜" pitchFamily="66" charset="-127"/>
+                <a:ea typeface="나눔손글씨 펜" pitchFamily="66" charset="-127"/>
+              </a:rPr>
+              <a:t>으로 훈련이 제대로 되지 않는 </a:t>
+            </a:r>
+            <a:r>
+              <a:rPr lang="ko-KR" altLang="en-US" sz="2000" dirty="0" err="1" smtClean="0">
+                <a:latin typeface="나눔손글씨 펜" pitchFamily="66" charset="-127"/>
+                <a:ea typeface="나눔손글씨 펜" pitchFamily="66" charset="-127"/>
+              </a:rPr>
+              <a:t>출력층</a:t>
+            </a:r>
+            <a:r>
+              <a:rPr lang="ko-KR" altLang="en-US" sz="2000" dirty="0" smtClean="0">
+                <a:latin typeface="나눔손글씨 펜" pitchFamily="66" charset="-127"/>
+                <a:ea typeface="나눔손글씨 펜" pitchFamily="66" charset="-127"/>
+              </a:rPr>
+              <a:t> 존재</a:t>
+            </a:r>
+            <a:r>
+              <a:rPr lang="en-US" altLang="ko-KR" sz="2000" dirty="0" smtClean="0">
+                <a:latin typeface="나눔손글씨 펜" pitchFamily="66" charset="-127"/>
+                <a:ea typeface="나눔손글씨 펜" pitchFamily="66" charset="-127"/>
+              </a:rPr>
+              <a:t/>
+            </a:r>
+            <a:br>
+              <a:rPr lang="en-US" altLang="ko-KR" sz="2000" dirty="0" smtClean="0">
+                <a:latin typeface="나눔손글씨 펜" pitchFamily="66" charset="-127"/>
+                <a:ea typeface="나눔손글씨 펜" pitchFamily="66" charset="-127"/>
+              </a:rPr>
+            </a:br>
+            <a:r>
+              <a:rPr lang="en-US" altLang="ko-KR" sz="2000" dirty="0">
+                <a:latin typeface="나눔손글씨 펜" pitchFamily="66" charset="-127"/>
+                <a:ea typeface="나눔손글씨 펜" pitchFamily="66" charset="-127"/>
+              </a:rPr>
+              <a:t>	</a:t>
+            </a:r>
+            <a:r>
+              <a:rPr lang="en-US" altLang="ko-KR" sz="2000" dirty="0" smtClean="0">
+                <a:latin typeface="나눔손글씨 펜" pitchFamily="66" charset="-127"/>
+                <a:ea typeface="나눔손글씨 펜" pitchFamily="66" charset="-127"/>
+              </a:rPr>
+              <a:t>&gt; CAM </a:t>
+            </a:r>
+            <a:r>
+              <a:rPr lang="ko-KR" altLang="en-US" sz="2000" dirty="0" err="1" smtClean="0">
+                <a:latin typeface="나눔손글씨 펜" pitchFamily="66" charset="-127"/>
+                <a:ea typeface="나눔손글씨 펜" pitchFamily="66" charset="-127"/>
+              </a:rPr>
+              <a:t>출력시</a:t>
+            </a:r>
+            <a:r>
+              <a:rPr lang="ko-KR" altLang="en-US" sz="2000" dirty="0" smtClean="0">
+                <a:latin typeface="나눔손글씨 펜" pitchFamily="66" charset="-127"/>
+                <a:ea typeface="나눔손글씨 펜" pitchFamily="66" charset="-127"/>
+              </a:rPr>
+              <a:t> </a:t>
+            </a:r>
+            <a:r>
+              <a:rPr lang="en-US" altLang="ko-KR" sz="2000" dirty="0" err="1" smtClean="0">
+                <a:latin typeface="나눔손글씨 펜" pitchFamily="66" charset="-127"/>
+                <a:ea typeface="나눔손글씨 펜" pitchFamily="66" charset="-127"/>
+              </a:rPr>
+              <a:t>GoogLeNet</a:t>
+            </a:r>
+            <a:r>
+              <a:rPr lang="en-US" altLang="ko-KR" sz="2000" dirty="0" smtClean="0">
+                <a:latin typeface="나눔손글씨 펜" pitchFamily="66" charset="-127"/>
+                <a:ea typeface="나눔손글씨 펜" pitchFamily="66" charset="-127"/>
+              </a:rPr>
+              <a:t> </a:t>
+            </a:r>
+            <a:r>
+              <a:rPr lang="ko-KR" altLang="en-US" sz="2000" dirty="0" smtClean="0">
+                <a:latin typeface="나눔손글씨 펜" pitchFamily="66" charset="-127"/>
+                <a:ea typeface="나눔손글씨 펜" pitchFamily="66" charset="-127"/>
+              </a:rPr>
+              <a:t>보다 예측 정확도 떨어짐</a:t>
+            </a:r>
+            <a:r>
+              <a:rPr lang="en-US" altLang="ko-KR" sz="2000" dirty="0" smtClean="0">
+                <a:latin typeface="나눔손글씨 펜" pitchFamily="66" charset="-127"/>
+                <a:ea typeface="나눔손글씨 펜" pitchFamily="66" charset="-127"/>
+              </a:rPr>
+              <a:t/>
+            </a:r>
+            <a:br>
+              <a:rPr lang="en-US" altLang="ko-KR" sz="2000" dirty="0" smtClean="0">
+                <a:latin typeface="나눔손글씨 펜" pitchFamily="66" charset="-127"/>
+                <a:ea typeface="나눔손글씨 펜" pitchFamily="66" charset="-127"/>
+              </a:rPr>
+            </a:br>
+            <a:endParaRPr lang="en-US" altLang="ko-KR" sz="2000" dirty="0">
+              <a:latin typeface="나눔손글씨 펜" pitchFamily="66" charset="-127"/>
+              <a:ea typeface="나눔손글씨 펜" pitchFamily="66" charset="-127"/>
+            </a:endParaRPr>
+          </a:p>
+          <a:p>
+            <a:pPr marL="457200" indent="-457200">
+              <a:buAutoNum type="arabicPeriod"/>
+            </a:pPr>
+            <a:r>
+              <a:rPr lang="en-US" altLang="ko-KR" sz="2000" dirty="0" err="1" smtClean="0">
+                <a:latin typeface="나눔손글씨 펜" pitchFamily="66" charset="-127"/>
+                <a:ea typeface="나눔손글씨 펜" pitchFamily="66" charset="-127"/>
+              </a:rPr>
+              <a:t>SayNet</a:t>
+            </a:r>
+            <a:r>
+              <a:rPr lang="en-US" altLang="ko-KR" sz="2000" dirty="0" smtClean="0">
+                <a:latin typeface="나눔손글씨 펜" pitchFamily="66" charset="-127"/>
+                <a:ea typeface="나눔손글씨 펜" pitchFamily="66" charset="-127"/>
+              </a:rPr>
+              <a:t/>
+            </a:r>
+            <a:br>
+              <a:rPr lang="en-US" altLang="ko-KR" sz="2000" dirty="0" smtClean="0">
+                <a:latin typeface="나눔손글씨 펜" pitchFamily="66" charset="-127"/>
+                <a:ea typeface="나눔손글씨 펜" pitchFamily="66" charset="-127"/>
+              </a:rPr>
+            </a:br>
+            <a:r>
+              <a:rPr lang="en-US" altLang="ko-KR" sz="2000" dirty="0" smtClean="0">
+                <a:latin typeface="나눔손글씨 펜" pitchFamily="66" charset="-127"/>
+                <a:ea typeface="나눔손글씨 펜" pitchFamily="66" charset="-127"/>
+              </a:rPr>
+              <a:t>	&gt; </a:t>
+            </a:r>
+            <a:r>
+              <a:rPr lang="en-US" altLang="ko-KR" sz="2000" dirty="0" smtClean="0">
+                <a:latin typeface="나눔손글씨 펜" pitchFamily="66" charset="-127"/>
+                <a:ea typeface="나눔손글씨 펜" pitchFamily="66" charset="-127"/>
+              </a:rPr>
+              <a:t>Accuracy : 72%</a:t>
+            </a:r>
+            <a:r>
+              <a:rPr lang="en-US" altLang="ko-KR" sz="2000" dirty="0" smtClean="0">
+                <a:latin typeface="나눔손글씨 펜" pitchFamily="66" charset="-127"/>
+                <a:ea typeface="나눔손글씨 펜" pitchFamily="66" charset="-127"/>
+              </a:rPr>
+              <a:t/>
+            </a:r>
+            <a:br>
+              <a:rPr lang="en-US" altLang="ko-KR" sz="2000" dirty="0" smtClean="0">
+                <a:latin typeface="나눔손글씨 펜" pitchFamily="66" charset="-127"/>
+                <a:ea typeface="나눔손글씨 펜" pitchFamily="66" charset="-127"/>
+              </a:rPr>
+            </a:br>
+            <a:r>
+              <a:rPr lang="en-US" altLang="ko-KR" sz="2000" dirty="0" smtClean="0">
+                <a:latin typeface="나눔손글씨 펜" pitchFamily="66" charset="-127"/>
+                <a:ea typeface="나눔손글씨 펜" pitchFamily="66" charset="-127"/>
+              </a:rPr>
+              <a:t>	&gt; </a:t>
+            </a:r>
+            <a:r>
+              <a:rPr lang="ko-KR" altLang="en-US" sz="2000" dirty="0" smtClean="0">
+                <a:latin typeface="나눔손글씨 펜" pitchFamily="66" charset="-127"/>
+                <a:ea typeface="나눔손글씨 펜" pitchFamily="66" charset="-127"/>
+              </a:rPr>
+              <a:t>안정적인 학습 진행</a:t>
+            </a:r>
+            <a:r>
+              <a:rPr lang="en-US" altLang="ko-KR" sz="2000" dirty="0" smtClean="0">
+                <a:latin typeface="나눔손글씨 펜" pitchFamily="66" charset="-127"/>
+                <a:ea typeface="나눔손글씨 펜" pitchFamily="66" charset="-127"/>
+              </a:rPr>
+              <a:t/>
+            </a:r>
+            <a:br>
+              <a:rPr lang="en-US" altLang="ko-KR" sz="2000" dirty="0" smtClean="0">
+                <a:latin typeface="나눔손글씨 펜" pitchFamily="66" charset="-127"/>
+                <a:ea typeface="나눔손글씨 펜" pitchFamily="66" charset="-127"/>
+              </a:rPr>
+            </a:br>
+            <a:r>
+              <a:rPr lang="en-US" altLang="ko-KR" sz="2000" dirty="0" smtClean="0">
+                <a:latin typeface="나눔손글씨 펜" pitchFamily="66" charset="-127"/>
+                <a:ea typeface="나눔손글씨 펜" pitchFamily="66" charset="-127"/>
+              </a:rPr>
+              <a:t>	&gt; </a:t>
+            </a:r>
+            <a:r>
+              <a:rPr lang="en-US" altLang="ko-KR" sz="2000" dirty="0" smtClean="0">
+                <a:latin typeface="나눔손글씨 펜" pitchFamily="66" charset="-127"/>
+                <a:ea typeface="나눔손글씨 펜" pitchFamily="66" charset="-127"/>
+              </a:rPr>
+              <a:t>Accuracy</a:t>
+            </a:r>
+            <a:r>
+              <a:rPr lang="ko-KR" altLang="en-US" sz="2000" dirty="0" smtClean="0">
+                <a:latin typeface="나눔손글씨 펜" pitchFamily="66" charset="-127"/>
+                <a:ea typeface="나눔손글씨 펜" pitchFamily="66" charset="-127"/>
+              </a:rPr>
+              <a:t>가 어느 정도 이상 향상되지 않음 </a:t>
+            </a:r>
+            <a:r>
+              <a:rPr lang="en-US" altLang="ko-KR" sz="2000" dirty="0" smtClean="0">
+                <a:latin typeface="나눔손글씨 펜" pitchFamily="66" charset="-127"/>
+                <a:ea typeface="나눔손글씨 펜" pitchFamily="66" charset="-127"/>
+              </a:rPr>
+              <a:t>&gt; </a:t>
+            </a:r>
+            <a:r>
+              <a:rPr lang="ko-KR" altLang="en-US" sz="2000" dirty="0" smtClean="0">
+                <a:latin typeface="나눔손글씨 펜" pitchFamily="66" charset="-127"/>
+                <a:ea typeface="나눔손글씨 펜" pitchFamily="66" charset="-127"/>
+              </a:rPr>
+              <a:t>좀 더 깊고 다층적인 특징 학습 필요</a:t>
+            </a:r>
+            <a:endParaRPr lang="en-US" altLang="ko-KR" sz="2000" dirty="0" smtClean="0">
+              <a:latin typeface="나눔손글씨 펜" pitchFamily="66" charset="-127"/>
+              <a:ea typeface="나눔손글씨 펜" pitchFamily="66" charset="-127"/>
+            </a:endParaRPr>
+          </a:p>
+          <a:p>
+            <a:pPr marL="457200" indent="-457200">
+              <a:buAutoNum type="arabicPeriod"/>
+            </a:pPr>
+            <a:endParaRPr lang="en-US" altLang="ko-KR" sz="2000" dirty="0">
+              <a:latin typeface="나눔손글씨 펜" pitchFamily="66" charset="-127"/>
+              <a:ea typeface="나눔손글씨 펜" pitchFamily="66" charset="-127"/>
+            </a:endParaRPr>
+          </a:p>
+          <a:p>
+            <a:pPr marL="0" indent="0">
+              <a:buNone/>
+            </a:pPr>
+            <a:endParaRPr lang="ko-KR" altLang="en-US" sz="2000" dirty="0">
+              <a:latin typeface="나눔손글씨 펜" pitchFamily="66" charset="-127"/>
+              <a:ea typeface="나눔손글씨 펜" pitchFamily="66" charset="-127"/>
+            </a:endParaRPr>
+          </a:p>
+        </p:txBody>
+      </p:sp>
+    </p:spTree>
+    <p:extLst>
+      <p:ext uri="{BB962C8B-B14F-4D97-AF65-F5344CB8AC3E}">
+        <p14:creationId xmlns:p14="http://schemas.microsoft.com/office/powerpoint/2010/main" val="3496968513"/>
+      </p:ext>
+    </p:extLst>
+  </p:cSld>
+  <p:clrMapOvr>
+    <a:masterClrMapping/>
+  </p:clrMapOvr>
+  <p:timing>
+    <p:tnLst>
+      <p:par>
+        <p:cTn id="1" dur="indefinite" restart="never" nodeType="tmRoot"/>
+      </p:par>
+    </p:tnLst>
+  </p:timing>
+</p:sld>
+</file>
+
+<file path=ppt/slides/slide4.xml><?xml version="1.0" encoding="utf-8"?>
+<p:sld xmlns:a="http://schemas.openxmlformats.org/drawingml/2006/main" xmlns:r="http://schemas.openxmlformats.org/officeDocument/2006/relationships" xmlns:p="http://schemas.openxmlformats.org/presentationml/2006/main">
+  <p:cSld>
+    <p:spTree>
+      <p:nvGrpSpPr>
+        <p:cNvPr id="1" name=""/>
+        <p:cNvGrpSpPr/>
+        <p:nvPr/>
+      </p:nvGrpSpPr>
+      <p:grpSpPr>
+        <a:xfrm>
+          <a:off x="0" y="0"/>
+          <a:ext cx="0" cy="0"/>
+          <a:chOff x="0" y="0"/>
+          <a:chExt cx="0" cy="0"/>
+        </a:xfrm>
+      </p:grpSpPr>
+      <p:sp>
+        <p:nvSpPr>
+          <p:cNvPr id="4" name="제목 1"/>
+          <p:cNvSpPr>
+            <a:spLocks noGrp="1"/>
+          </p:cNvSpPr>
+          <p:nvPr/>
+        </p:nvSpPr>
+        <p:spPr>
+          <a:xfrm>
+            <a:off x="457200" y="377428"/>
+            <a:ext cx="8229600" cy="857250"/>
+          </a:xfrm>
+          <a:prstGeom prst="rect">
+            <a:avLst/>
+          </a:prstGeom>
+        </p:spPr>
+        <p:txBody>
+          <a:bodyPr vert="horz" lIns="91440" tIns="45720" rIns="91440" bIns="45720" rtlCol="0" anchor="ctr">
+            <a:normAutofit/>
+          </a:bodyPr>
+          <a:lstStyle>
+            <a:lvl1pPr algn="ctr" defTabSz="914400" rtl="0" eaLnBrk="1" latinLnBrk="1" hangingPunct="1">
+              <a:spcBef>
+                <a:spcPct val="0"/>
+              </a:spcBef>
+              <a:buNone/>
+              <a:defRPr sz="4400" kern="1200">
+                <a:solidFill>
+                  <a:schemeClr val="tx1"/>
+                </a:solidFill>
+                <a:latin typeface="+mj-lt"/>
+                <a:ea typeface="+mj-ea"/>
+                <a:cs typeface="+mj-cs"/>
+              </a:defRPr>
+            </a:lvl1pPr>
+          </a:lstStyle>
+          <a:p>
+            <a:r>
+              <a:rPr lang="en-US" altLang="ko-KR" sz="4800" dirty="0" err="1" smtClean="0">
+                <a:effectLst>
+                  <a:outerShdw blurRad="38100" dist="38100" dir="2700000" algn="tl">
+                    <a:srgbClr val="000000">
+                      <a:alpha val="43137"/>
+                    </a:srgbClr>
+                  </a:outerShdw>
+                </a:effectLst>
+                <a:latin typeface="나눔손글씨 펜" pitchFamily="66" charset="-127"/>
+                <a:ea typeface="나눔손글씨 펜" pitchFamily="66" charset="-127"/>
+              </a:rPr>
+              <a:t>GoogLeNet</a:t>
+            </a:r>
+            <a:r>
+              <a:rPr lang="en-US" altLang="ko-KR" sz="4800" dirty="0" smtClean="0">
+                <a:effectLst>
+                  <a:outerShdw blurRad="38100" dist="38100" dir="2700000" algn="tl">
+                    <a:srgbClr val="000000">
+                      <a:alpha val="43137"/>
+                    </a:srgbClr>
+                  </a:outerShdw>
+                </a:effectLst>
+                <a:latin typeface="나눔손글씨 펜" pitchFamily="66" charset="-127"/>
+                <a:ea typeface="나눔손글씨 펜" pitchFamily="66" charset="-127"/>
+              </a:rPr>
+              <a:t> Model </a:t>
+            </a:r>
+            <a:r>
+              <a:rPr lang="ko-KR" altLang="en-US" sz="4800" dirty="0" smtClean="0">
+                <a:effectLst>
+                  <a:outerShdw blurRad="38100" dist="38100" dir="2700000" algn="tl">
+                    <a:srgbClr val="000000">
+                      <a:alpha val="43137"/>
+                    </a:srgbClr>
+                  </a:outerShdw>
+                </a:effectLst>
+                <a:latin typeface="나눔손글씨 펜" pitchFamily="66" charset="-127"/>
+                <a:ea typeface="나눔손글씨 펜" pitchFamily="66" charset="-127"/>
+              </a:rPr>
+              <a:t>수정</a:t>
             </a:r>
             <a:endParaRPr lang="ko-KR" altLang="en-US" sz="4800" dirty="0">
               <a:effectLst>
@@ -3600,213 +4854,305 @@
               <a:buAutoNum type="arabicPeriod"/>
             </a:pPr>
             <a:r>
-              <a:rPr lang="en-US" altLang="ko-KR" sz="2400" dirty="0" smtClean="0">
+              <a:rPr lang="ko-KR" altLang="en-US" sz="2000" dirty="0" smtClean="0">
                 <a:latin typeface="나눔손글씨 펜" pitchFamily="66" charset="-127"/>
                 <a:ea typeface="나눔손글씨 펜" pitchFamily="66" charset="-127"/>
               </a:rPr>
-              <a:t>1</a:t>
-            </a:r>
-            <a:r>
-              <a:rPr lang="ko-KR" altLang="en-US" sz="2400" dirty="0" smtClean="0">
+              <a:t>모</a:t>
+            </a:r>
+            <a:r>
+              <a:rPr lang="ko-KR" altLang="en-US" sz="2000" dirty="0">
                 <a:latin typeface="나눔손글씨 펜" pitchFamily="66" charset="-127"/>
                 <a:ea typeface="나눔손글씨 펜" pitchFamily="66" charset="-127"/>
               </a:rPr>
-              <a:t>단계 학습 데이터</a:t>
-            </a:r>
-            <a:r>
-              <a:rPr lang="en-US" altLang="ko-KR" sz="2400" dirty="0" smtClean="0">
+              <a:t>델</a:t>
+            </a:r>
+            <a:r>
+              <a:rPr lang="ko-KR" altLang="en-US" sz="2000" dirty="0" smtClean="0">
                 <a:latin typeface="나눔손글씨 펜" pitchFamily="66" charset="-127"/>
                 <a:ea typeface="나눔손글씨 펜" pitchFamily="66" charset="-127"/>
               </a:rPr>
-              <a:t>(Single Object Detection)</a:t>
-            </a:r>
-            <a:r>
-              <a:rPr lang="ko-KR" altLang="en-US" sz="2400" dirty="0" smtClean="0">
-                <a:latin typeface="나눔손글씨 펜" pitchFamily="66" charset="-127"/>
-                <a:ea typeface="나눔손글씨 펜" pitchFamily="66" charset="-127"/>
-              </a:rPr>
-              <a:t>에 적절한 데이터만 골라내기</a:t>
-            </a:r>
-            <a:r>
-              <a:rPr lang="en-US" altLang="ko-KR" sz="2400" dirty="0" smtClean="0">
+              <a:t> 수정 개요</a:t>
+            </a:r>
+            <a:r>
+              <a:rPr lang="en-US" altLang="ko-KR" sz="2000" dirty="0" smtClean="0">
                 <a:latin typeface="나눔손글씨 펜" pitchFamily="66" charset="-127"/>
                 <a:ea typeface="나눔손글씨 펜" pitchFamily="66" charset="-127"/>
               </a:rPr>
               <a:t/>
             </a:r>
             <a:br>
-              <a:rPr lang="en-US" altLang="ko-KR" sz="2400" dirty="0" smtClean="0">
+              <a:rPr lang="en-US" altLang="ko-KR" sz="2000" dirty="0" smtClean="0">
                 <a:latin typeface="나눔손글씨 펜" pitchFamily="66" charset="-127"/>
                 <a:ea typeface="나눔손글씨 펜" pitchFamily="66" charset="-127"/>
               </a:rPr>
             </a:br>
             <a:r>
-              <a:rPr lang="en-US" altLang="ko-KR" sz="2400" dirty="0" smtClean="0">
+              <a:rPr lang="en-US" altLang="ko-KR" sz="2000" dirty="0" smtClean="0">
                 <a:latin typeface="나눔손글씨 펜" pitchFamily="66" charset="-127"/>
                 <a:ea typeface="나눔손글씨 펜" pitchFamily="66" charset="-127"/>
               </a:rPr>
               <a:t>	&gt; </a:t>
             </a:r>
             <a:r>
-              <a:rPr lang="ko-KR" altLang="en-US" sz="2400" dirty="0" smtClean="0">
+              <a:rPr lang="en-US" altLang="ko-KR" sz="2000" dirty="0" smtClean="0">
                 <a:latin typeface="나눔손글씨 펜" pitchFamily="66" charset="-127"/>
                 <a:ea typeface="나눔손글씨 펜" pitchFamily="66" charset="-127"/>
               </a:rPr>
-              <a:t>수작</a:t>
-            </a:r>
-            <a:r>
-              <a:rPr lang="ko-KR" altLang="en-US" sz="2400" dirty="0">
+              <a:t>Accuracy : 84-86%</a:t>
+            </a:r>
+            <a:br>
+              <a:rPr lang="en-US" altLang="ko-KR" sz="2000" dirty="0" smtClean="0">
                 <a:latin typeface="나눔손글씨 펜" pitchFamily="66" charset="-127"/>
                 <a:ea typeface="나눔손글씨 펜" pitchFamily="66" charset="-127"/>
               </a:rPr>
-              <a:t>업</a:t>
-            </a:r>
-            <a:endParaRPr lang="en-US" altLang="ko-KR" sz="2400" dirty="0" smtClean="0">
+            </a:br>
+            <a:r>
+              <a:rPr lang="en-US" altLang="ko-KR" sz="2000" dirty="0" smtClean="0">
+                <a:latin typeface="나눔손글씨 펜" pitchFamily="66" charset="-127"/>
+                <a:ea typeface="나눔손글씨 펜" pitchFamily="66" charset="-127"/>
+              </a:rPr>
+              <a:t>	&gt; ‘mixed 0-7’</a:t>
+            </a:r>
+            <a:r>
+              <a:rPr lang="ko-KR" altLang="en-US" sz="2000" dirty="0" smtClean="0">
+                <a:latin typeface="나눔손글씨 펜" pitchFamily="66" charset="-127"/>
+                <a:ea typeface="나눔손글씨 펜" pitchFamily="66" charset="-127"/>
+              </a:rPr>
+              <a:t>층까지 </a:t>
+            </a:r>
+            <a:r>
+              <a:rPr lang="en-US" altLang="ko-KR" sz="2000" dirty="0" err="1" smtClean="0">
+                <a:latin typeface="나눔손글씨 펜" pitchFamily="66" charset="-127"/>
+                <a:ea typeface="나눔손글씨 펜" pitchFamily="66" charset="-127"/>
+              </a:rPr>
+              <a:t>imagenet</a:t>
+            </a:r>
+            <a:r>
+              <a:rPr lang="en-US" altLang="ko-KR" sz="2000" dirty="0" smtClean="0">
+                <a:latin typeface="나눔손글씨 펜" pitchFamily="66" charset="-127"/>
+                <a:ea typeface="나눔손글씨 펜" pitchFamily="66" charset="-127"/>
+              </a:rPr>
+              <a:t> based Pre-Trained Model </a:t>
+            </a:r>
+            <a:r>
+              <a:rPr lang="ko-KR" altLang="en-US" sz="2000" dirty="0" smtClean="0">
+                <a:latin typeface="나눔손글씨 펜" pitchFamily="66" charset="-127"/>
+                <a:ea typeface="나눔손글씨 펜" pitchFamily="66" charset="-127"/>
+              </a:rPr>
+              <a:t>사용</a:t>
+            </a:r>
+            <a:r>
+              <a:rPr lang="en-US" altLang="ko-KR" sz="2000" dirty="0" smtClean="0">
+                <a:latin typeface="나눔손글씨 펜" pitchFamily="66" charset="-127"/>
+                <a:ea typeface="나눔손글씨 펜" pitchFamily="66" charset="-127"/>
+              </a:rPr>
+              <a:t/>
+            </a:r>
+            <a:br>
+              <a:rPr lang="en-US" altLang="ko-KR" sz="2000" dirty="0" smtClean="0">
+                <a:latin typeface="나눔손글씨 펜" pitchFamily="66" charset="-127"/>
+                <a:ea typeface="나눔손글씨 펜" pitchFamily="66" charset="-127"/>
+              </a:rPr>
+            </a:br>
+            <a:r>
+              <a:rPr lang="en-US" altLang="ko-KR" sz="2000" dirty="0" smtClean="0">
+                <a:latin typeface="나눔손글씨 펜" pitchFamily="66" charset="-127"/>
+                <a:ea typeface="나눔손글씨 펜" pitchFamily="66" charset="-127"/>
+              </a:rPr>
+              <a:t>	&gt; ‘mixed 8-10’</a:t>
+            </a:r>
+            <a:r>
+              <a:rPr lang="ko-KR" altLang="en-US" sz="2000" dirty="0" smtClean="0">
+                <a:latin typeface="나눔손글씨 펜" pitchFamily="66" charset="-127"/>
+                <a:ea typeface="나눔손글씨 펜" pitchFamily="66" charset="-127"/>
+              </a:rPr>
+              <a:t>층 구현 필요성</a:t>
+            </a:r>
+            <a:endParaRPr lang="en-US" altLang="ko-KR" sz="2000" dirty="0">
               <a:latin typeface="나눔손글씨 펜" pitchFamily="66" charset="-127"/>
               <a:ea typeface="나눔손글씨 펜" pitchFamily="66" charset="-127"/>
             </a:endParaRPr>
           </a:p>
           <a:p>
             <a:pPr marL="457200" indent="-457200">
-              <a:buFont typeface="Arial" pitchFamily="34" charset="0"/>
               <a:buAutoNum type="arabicPeriod"/>
             </a:pPr>
             <a:r>
-              <a:rPr lang="ko-KR" altLang="en-US" sz="2400" dirty="0">
+              <a:rPr lang="ko-KR" altLang="en-US" sz="2000" dirty="0" smtClean="0">
                 <a:latin typeface="나눔손글씨 펜" pitchFamily="66" charset="-127"/>
                 <a:ea typeface="나눔손글씨 펜" pitchFamily="66" charset="-127"/>
               </a:rPr>
-              <a:t>너무 큰 사이즈의 데이터 </a:t>
-            </a:r>
-            <a:r>
-              <a:rPr lang="en-US" altLang="ko-KR" sz="2400" dirty="0">
+              <a:t>방향성</a:t>
+            </a:r>
+            <a:r>
+              <a:rPr lang="en-US" altLang="ko-KR" sz="2000" dirty="0" smtClean="0">
                 <a:latin typeface="나눔손글씨 펜" pitchFamily="66" charset="-127"/>
                 <a:ea typeface="나눔손글씨 펜" pitchFamily="66" charset="-127"/>
               </a:rPr>
               <a:t/>
             </a:r>
             <a:br>
-              <a:rPr lang="en-US" altLang="ko-KR" sz="2400" dirty="0">
+              <a:rPr lang="en-US" altLang="ko-KR" sz="2000" dirty="0" smtClean="0">
                 <a:latin typeface="나눔손글씨 펜" pitchFamily="66" charset="-127"/>
                 <a:ea typeface="나눔손글씨 펜" pitchFamily="66" charset="-127"/>
               </a:rPr>
             </a:br>
             <a:r>
-              <a:rPr lang="en-US" altLang="ko-KR" sz="2400" dirty="0">
+              <a:rPr lang="en-US" altLang="ko-KR" sz="2000" dirty="0" smtClean="0">
                 <a:latin typeface="나눔손글씨 펜" pitchFamily="66" charset="-127"/>
                 <a:ea typeface="나눔손글씨 펜" pitchFamily="66" charset="-127"/>
               </a:rPr>
               <a:t>	&gt; </a:t>
             </a:r>
             <a:r>
-              <a:rPr lang="ko-KR" altLang="en-US" sz="2400" dirty="0">
+              <a:rPr lang="ko-KR" altLang="en-US" sz="2000" dirty="0" err="1" smtClean="0">
                 <a:latin typeface="나눔손글씨 펜" pitchFamily="66" charset="-127"/>
                 <a:ea typeface="나눔손글씨 펜" pitchFamily="66" charset="-127"/>
               </a:rPr>
-              <a:t>데이터 </a:t>
-            </a:r>
-            <a:r>
-              <a:rPr lang="ko-KR" altLang="en-US" sz="2400" dirty="0" err="1">
+              <a:t>어느정도</a:t>
+            </a:r>
+            <a:r>
+              <a:rPr lang="ko-KR" altLang="en-US" sz="2000" dirty="0" smtClean="0">
                 <a:latin typeface="나눔손글씨 펜" pitchFamily="66" charset="-127"/>
                 <a:ea typeface="나눔손글씨 펜" pitchFamily="66" charset="-127"/>
               </a:rPr>
-              <a:t>리사이징</a:t>
-            </a:r>
-            <a:r>
-              <a:rPr lang="ko-KR" altLang="en-US" sz="2400" dirty="0">
+              <a:t> 깊이로 층을 더 쌓았을 때</a:t>
+            </a:r>
+            <a:r>
+              <a:rPr lang="en-US" altLang="ko-KR" sz="2000" dirty="0" smtClean="0">
                 <a:latin typeface="나눔손글씨 펜" pitchFamily="66" charset="-127"/>
                 <a:ea typeface="나눔손글씨 펜" pitchFamily="66" charset="-127"/>
               </a:rPr>
-              <a:t> </a:t>
-            </a:r>
-            <a:r>
-              <a:rPr lang="en-US" altLang="ko-KR" sz="2400" dirty="0">
+              <a:t>, </a:t>
+            </a:r>
+            <a:r>
+              <a:rPr lang="ko-KR" altLang="en-US" sz="2000" dirty="0" smtClean="0">
                 <a:latin typeface="나눔손글씨 펜" pitchFamily="66" charset="-127"/>
                 <a:ea typeface="나눔손글씨 펜" pitchFamily="66" charset="-127"/>
               </a:rPr>
-              <a:t>(PIL, Image </a:t>
-            </a:r>
-            <a:r>
-              <a:rPr lang="ko-KR" altLang="en-US" sz="2400" dirty="0">
+              <a:t>기존 </a:t>
+            </a:r>
+            <a:r>
+              <a:rPr lang="en-US" altLang="ko-KR" sz="2000" dirty="0" smtClean="0">
                 <a:latin typeface="나눔손글씨 펜" pitchFamily="66" charset="-127"/>
                 <a:ea typeface="나눔손글씨 펜" pitchFamily="66" charset="-127"/>
               </a:rPr>
-              <a:t>라이브러리 사용 </a:t>
-            </a:r>
-            <a:r>
-              <a:rPr lang="en-US" altLang="ko-KR" sz="2400" dirty="0">
+              <a:t>Accuracy(86%)</a:t>
+            </a:r>
+            <a:r>
+              <a:rPr lang="ko-KR" altLang="en-US" sz="2000" dirty="0" smtClean="0">
                 <a:latin typeface="나눔손글씨 펜" pitchFamily="66" charset="-127"/>
                 <a:ea typeface="나눔손글씨 펜" pitchFamily="66" charset="-127"/>
               </a:rPr>
-              <a:t>– 500x500 </a:t>
-            </a:r>
-            <a:r>
-              <a:rPr lang="ko-KR" altLang="en-US" sz="2400" dirty="0">
+              <a:t>를 도달할 수 있을 것인가</a:t>
+            </a:r>
+            <a:r>
+              <a:rPr lang="en-US" altLang="ko-KR" sz="2000" dirty="0" smtClean="0">
                 <a:latin typeface="나눔손글씨 펜" pitchFamily="66" charset="-127"/>
                 <a:ea typeface="나눔손글씨 펜" pitchFamily="66" charset="-127"/>
               </a:rPr>
-              <a:t>이하로 낮추기</a:t>
-            </a:r>
-            <a:r>
-              <a:rPr lang="en-US" altLang="ko-KR" sz="2400" dirty="0">
+              <a:t>?</a:t>
+            </a:r>
+            <a:r>
+              <a:rPr lang="en-US" altLang="ko-KR" sz="2000" dirty="0" smtClean="0">
                 <a:latin typeface="나눔손글씨 펜" pitchFamily="66" charset="-127"/>
                 <a:ea typeface="나눔손글씨 펜" pitchFamily="66" charset="-127"/>
               </a:rPr>
-              <a:t>)</a:t>
+              <a:t/>
             </a:r>
             <a:br>
-              <a:rPr lang="en-US" altLang="ko-KR" sz="2400" dirty="0">
+              <a:rPr lang="en-US" altLang="ko-KR" sz="2000" dirty="0" smtClean="0">
                 <a:latin typeface="나눔손글씨 펜" pitchFamily="66" charset="-127"/>
                 <a:ea typeface="나눔손글씨 펜" pitchFamily="66" charset="-127"/>
               </a:rPr>
             </a:br>
             <a:r>
-              <a:rPr lang="en-US" altLang="ko-KR" sz="2400" dirty="0">
+              <a:rPr lang="en-US" altLang="ko-KR" sz="2000" dirty="0" smtClean="0">
                 <a:latin typeface="나눔손글씨 펜" pitchFamily="66" charset="-127"/>
                 <a:ea typeface="나눔손글씨 펜" pitchFamily="66" charset="-127"/>
               </a:rPr>
-              <a:t>	&gt; .jpg </a:t>
-            </a:r>
-            <a:r>
-              <a:rPr lang="ko-KR" altLang="en-US" sz="2400" dirty="0">
+              <a:t>	&gt; </a:t>
+            </a:r>
+            <a:r>
+              <a:rPr lang="ko-KR" altLang="en-US" sz="2000" dirty="0" smtClean="0">
                 <a:latin typeface="나눔손글씨 펜" pitchFamily="66" charset="-127"/>
                 <a:ea typeface="나눔손글씨 펜" pitchFamily="66" charset="-127"/>
               </a:rPr>
-              <a:t>파일만 사용</a:t>
-            </a:r>
-            <a:r>
-              <a:rPr lang="en-US" altLang="ko-KR" sz="2400" dirty="0">
+              <a:t>어떤 </a:t>
+            </a:r>
+            <a:r>
+              <a:rPr lang="en-US" altLang="ko-KR" sz="2000" dirty="0" smtClean="0">
+                <a:latin typeface="나눔손글씨 펜" pitchFamily="66" charset="-127"/>
+                <a:ea typeface="나눔손글씨 펜" pitchFamily="66" charset="-127"/>
+              </a:rPr>
+              <a:t>Hyper Parameter</a:t>
+            </a:r>
+            <a:r>
+              <a:rPr lang="ko-KR" altLang="en-US" sz="2000" dirty="0" smtClean="0">
+                <a:latin typeface="나눔손글씨 펜" pitchFamily="66" charset="-127"/>
+                <a:ea typeface="나눔손글씨 펜" pitchFamily="66" charset="-127"/>
+              </a:rPr>
+              <a:t>를 사용했을 때 학습의 정확도가 향상 될 것인가</a:t>
+            </a:r>
+            <a:r>
+              <a:rPr lang="en-US" altLang="ko-KR" sz="2000" dirty="0" smtClean="0">
+                <a:latin typeface="나눔손글씨 펜" pitchFamily="66" charset="-127"/>
+                <a:ea typeface="나눔손글씨 펜" pitchFamily="66" charset="-127"/>
+              </a:rPr>
+              <a:t>?</a:t>
+            </a:r>
+            <a:r>
+              <a:rPr lang="en-US" altLang="ko-KR" sz="2000" dirty="0" smtClean="0">
                 <a:latin typeface="나눔손글씨 펜" pitchFamily="66" charset="-127"/>
                 <a:ea typeface="나눔손글씨 펜" pitchFamily="66" charset="-127"/>
               </a:rPr>
               <a:t/>
             </a:r>
             <a:br>
-              <a:rPr lang="en-US" altLang="ko-KR" sz="2400" dirty="0">
+              <a:rPr lang="en-US" altLang="ko-KR" sz="2000" dirty="0" smtClean="0">
                 <a:latin typeface="나눔손글씨 펜" pitchFamily="66" charset="-127"/>
                 <a:ea typeface="나눔손글씨 펜" pitchFamily="66" charset="-127"/>
               </a:rPr>
             </a:br>
             <a:r>
-              <a:rPr lang="en-US" altLang="ko-KR" sz="2400" dirty="0">
+              <a:rPr lang="en-US" altLang="ko-KR" sz="2000" dirty="0">
                 <a:latin typeface="나눔손글씨 펜" pitchFamily="66" charset="-127"/>
                 <a:ea typeface="나눔손글씨 펜" pitchFamily="66" charset="-127"/>
               </a:rPr>
-              <a:t>	&gt; unzip</a:t>
-            </a:r>
-            <a:r>
-              <a:rPr lang="ko-KR" altLang="en-US" sz="2400" dirty="0">
+              <a:t>	</a:t>
+            </a:r>
+            <a:r>
+              <a:rPr lang="en-US" altLang="ko-KR" sz="2000" dirty="0" smtClean="0">
                 <a:latin typeface="나눔손글씨 펜" pitchFamily="66" charset="-127"/>
                 <a:ea typeface="나눔손글씨 펜" pitchFamily="66" charset="-127"/>
               </a:rPr>
-              <a:t>을 통해 데이터 가져오기</a:t>
-            </a:r>
+              <a:t>&gt; Data</a:t>
+            </a:r>
+            <a:r>
+              <a:rPr lang="ko-KR" altLang="en-US" sz="2000" dirty="0" smtClean="0">
+                <a:latin typeface="나눔손글씨 펜" pitchFamily="66" charset="-127"/>
+                <a:ea typeface="나눔손글씨 펜" pitchFamily="66" charset="-127"/>
+              </a:rPr>
+              <a:t>의 양과 질이 부족한 것은 아닌가</a:t>
+            </a:r>
+            <a:r>
+              <a:rPr lang="en-US" altLang="ko-KR" sz="2000" dirty="0" smtClean="0">
+                <a:latin typeface="나눔손글씨 펜" pitchFamily="66" charset="-127"/>
+                <a:ea typeface="나눔손글씨 펜" pitchFamily="66" charset="-127"/>
+              </a:rPr>
+              <a:t>?</a:t>
+            </a:r>
+            <a:endParaRPr lang="en-US" altLang="ko-KR" sz="2000" dirty="0">
+              <a:latin typeface="나눔손글씨 펜" pitchFamily="66" charset="-127"/>
+              <a:ea typeface="나눔손글씨 펜" pitchFamily="66" charset="-127"/>
+            </a:endParaRPr>
           </a:p>
           <a:p>
             <a:pPr marL="0" indent="0">
               <a:buNone/>
             </a:pPr>
-            <a:endParaRPr lang="en-US" altLang="ko-KR" sz="2400" dirty="0" smtClean="0">
+            <a:endParaRPr lang="ko-KR" altLang="en-US" sz="2000" dirty="0">
               <a:latin typeface="나눔손글씨 펜" pitchFamily="66" charset="-127"/>
               <a:ea typeface="나눔손글씨 펜" pitchFamily="66" charset="-127"/>
             </a:endParaRPr>
@@ -3816,7 +5162,7 @@
     </p:spTree>
     <p:extLst>
       <p:ext uri="{BB962C8B-B14F-4D97-AF65-F5344CB8AC3E}">
-        <p14:creationId xmlns:p14="http://schemas.microsoft.com/office/powerpoint/2010/main" val="1415371323"/>
+        <p14:creationId xmlns:p14="http://schemas.microsoft.com/office/powerpoint/2010/main" val="1959603927"/>
       </p:ext>
     </p:extLst>
   </p:cSld>
@@ -3833,7 +5179,1901 @@
 </p:sld>
 </file>
 
-<file path=ppt/slides/slide3.xml><?xml version="1.0" encoding="utf-8"?>
+<file path=ppt/slides/slide5.xml><?xml version="1.0" encoding="utf-8"?>
+<p:sld xmlns:a="http://schemas.openxmlformats.org/drawingml/2006/main" xmlns:r="http://schemas.openxmlformats.org/officeDocument/2006/relationships" xmlns:p="http://schemas.openxmlformats.org/presentationml/2006/main">
+  <p:cSld>
+    <p:spTree>
+      <p:nvGrpSpPr>
+        <p:cNvPr id="1" name=""/>
+        <p:cNvGrpSpPr/>
+        <p:nvPr/>
+      </p:nvGrpSpPr>
+      <p:grpSpPr>
+        <a:xfrm>
+          <a:off x="0" y="0"/>
+          <a:ext cx="0" cy="0"/>
+          <a:chOff x="0" y="0"/>
+          <a:chExt cx="0" cy="0"/>
+        </a:xfrm>
+      </p:grpSpPr>
+      <p:sp>
+        <p:nvSpPr>
+          <p:cNvPr id="3" name="제목 1"/>
+          <p:cNvSpPr>
+            <a:spLocks noGrp="1"/>
+          </p:cNvSpPr>
+          <p:nvPr/>
+        </p:nvSpPr>
+        <p:spPr>
+          <a:xfrm>
+            <a:off x="457200" y="377428"/>
+            <a:ext cx="8229600" cy="857250"/>
+          </a:xfrm>
+          <a:prstGeom prst="rect">
+            <a:avLst/>
+          </a:prstGeom>
+        </p:spPr>
+        <p:txBody>
+          <a:bodyPr vert="horz" lIns="91440" tIns="45720" rIns="91440" bIns="45720" rtlCol="0" anchor="ctr">
+            <a:normAutofit/>
+          </a:bodyPr>
+          <a:lstStyle>
+            <a:lvl1pPr algn="ctr" defTabSz="914400" rtl="0" eaLnBrk="1" latinLnBrk="1" hangingPunct="1">
+              <a:spcBef>
+                <a:spcPct val="0"/>
+              </a:spcBef>
+              <a:buNone/>
+              <a:defRPr sz="4400" kern="1200">
+                <a:solidFill>
+                  <a:schemeClr val="tx1"/>
+                </a:solidFill>
+                <a:latin typeface="+mj-lt"/>
+                <a:ea typeface="+mj-ea"/>
+                <a:cs typeface="+mj-cs"/>
+              </a:defRPr>
+            </a:lvl1pPr>
+          </a:lstStyle>
+          <a:p>
+            <a:r>
+              <a:rPr lang="en-US" altLang="ko-KR" sz="4800" dirty="0" smtClean="0">
+                <a:effectLst>
+                  <a:outerShdw blurRad="38100" dist="38100" dir="2700000" algn="tl">
+                    <a:srgbClr val="000000">
+                      <a:alpha val="43137"/>
+                    </a:srgbClr>
+                  </a:outerShdw>
+                </a:effectLst>
+                <a:latin typeface="나눔손글씨 펜" pitchFamily="66" charset="-127"/>
+                <a:ea typeface="나눔손글씨 펜" pitchFamily="66" charset="-127"/>
+              </a:rPr>
+              <a:t>Status – </a:t>
+            </a:r>
+            <a:r>
+              <a:rPr lang="en-US" altLang="ko-KR" sz="4800" dirty="0" err="1" smtClean="0">
+                <a:effectLst>
+                  <a:outerShdw blurRad="38100" dist="38100" dir="2700000" algn="tl">
+                    <a:srgbClr val="000000">
+                      <a:alpha val="43137"/>
+                    </a:srgbClr>
+                  </a:outerShdw>
+                </a:effectLst>
+                <a:latin typeface="나눔손글씨 펜" pitchFamily="66" charset="-127"/>
+                <a:ea typeface="나눔손글씨 펜" pitchFamily="66" charset="-127"/>
+              </a:rPr>
+              <a:t>GoogLeNet</a:t>
+            </a:r>
+            <a:endParaRPr lang="ko-KR" altLang="en-US" sz="4800" dirty="0">
+              <a:effectLst>
+                <a:outerShdw blurRad="38100" dist="38100" dir="2700000" algn="tl">
+                  <a:srgbClr val="000000">
+                    <a:alpha val="43137"/>
+                  </a:srgbClr>
+                </a:outerShdw>
+              </a:effectLst>
+              <a:latin typeface="나눔손글씨 펜" pitchFamily="66" charset="-127"/>
+              <a:ea typeface="나눔손글씨 펜" pitchFamily="66" charset="-127"/>
+            </a:endParaRPr>
+          </a:p>
+        </p:txBody>
+      </p:sp>
+      <p:graphicFrame>
+        <p:nvGraphicFramePr>
+          <p:cNvPr id="6" name="표 5"/>
+          <p:cNvGraphicFramePr>
+            <a:graphicFrameLocks noGrp="1"/>
+          </p:cNvGraphicFramePr>
+          <p:nvPr>
+            <p:extLst>
+              <p:ext uri="{D42A27DB-BD31-4B8C-83A1-F6EECF244321}">
+                <p14:modId xmlns:p14="http://schemas.microsoft.com/office/powerpoint/2010/main" val="3654361579"/>
+              </p:ext>
+            </p:extLst>
+          </p:nvPr>
+        </p:nvGraphicFramePr>
+        <p:xfrm>
+          <a:off x="683568" y="1851670"/>
+          <a:ext cx="2952328" cy="2623820"/>
+        </p:xfrm>
+        <a:graphic>
+          <a:graphicData uri="http://schemas.openxmlformats.org/drawingml/2006/table">
+            <a:tbl>
+              <a:tblPr firstRow="1" bandRow="1">
+                <a:tableStyleId>{2D5ABB26-0587-4C30-8999-92F81FD0307C}</a:tableStyleId>
+              </a:tblPr>
+              <a:tblGrid>
+                <a:gridCol w="1476164"/>
+                <a:gridCol w="1476164"/>
+              </a:tblGrid>
+              <a:tr h="370840">
+                <a:tc>
+                  <a:txBody>
+                    <a:bodyPr/>
+                    <a:lstStyle/>
+                    <a:p>
+                      <a:pPr algn="ctr" rtl="0" fontAlgn="b"/>
+                      <a:r>
+                        <a:rPr lang="en-US" sz="1200" b="0" dirty="0" err="1">
+                          <a:effectLst/>
+                          <a:latin typeface="Microsoft New Tai Lue" pitchFamily="34" charset="0"/>
+                          <a:ea typeface="나눔스퀘어" pitchFamily="50" charset="-127"/>
+                          <a:cs typeface="Microsoft New Tai Lue" pitchFamily="34" charset="0"/>
+                        </a:rPr>
+                        <a:t>img_size</a:t>
+                      </a:r>
+                      <a:endParaRPr lang="en-US" sz="1200" b="0" dirty="0">
+                        <a:effectLst/>
+                        <a:latin typeface="Microsoft New Tai Lue" pitchFamily="34" charset="0"/>
+                        <a:ea typeface="나눔스퀘어" pitchFamily="50" charset="-127"/>
+                        <a:cs typeface="Microsoft New Tai Lue" pitchFamily="34" charset="0"/>
+                      </a:endParaRPr>
+                    </a:p>
+                  </a:txBody>
+                  <a:tcPr marL="16747" marR="16747" marT="11165" marB="11165" anchor="ctr">
+                    <a:lnL w="12700" cap="flat" cmpd="sng" algn="ctr">
+                      <a:solidFill>
+                        <a:schemeClr val="bg1">
+                          <a:lumMod val="85000"/>
+                        </a:schemeClr>
+                      </a:solidFill>
+                      <a:prstDash val="solid"/>
+                      <a:round/>
+                      <a:headEnd type="none" w="med" len="med"/>
+                      <a:tailEnd type="none" w="med" len="med"/>
+                    </a:lnL>
+                    <a:lnR w="12700" cap="flat" cmpd="sng" algn="ctr">
+                      <a:solidFill>
+                        <a:schemeClr val="bg1">
+                          <a:lumMod val="85000"/>
+                        </a:schemeClr>
+                      </a:solidFill>
+                      <a:prstDash val="solid"/>
+                      <a:round/>
+                      <a:headEnd type="none" w="med" len="med"/>
+                      <a:tailEnd type="none" w="med" len="med"/>
+                    </a:lnR>
+                    <a:lnT w="12700" cap="flat" cmpd="sng" algn="ctr">
+                      <a:solidFill>
+                        <a:schemeClr val="bg1">
+                          <a:lumMod val="85000"/>
+                        </a:schemeClr>
+                      </a:solidFill>
+                      <a:prstDash val="solid"/>
+                      <a:round/>
+                      <a:headEnd type="none" w="med" len="med"/>
+                      <a:tailEnd type="none" w="med" len="med"/>
+                    </a:lnT>
+                    <a:lnB w="12700" cap="flat" cmpd="sng" algn="ctr">
+                      <a:solidFill>
+                        <a:schemeClr val="bg1">
+                          <a:lumMod val="85000"/>
+                        </a:schemeClr>
+                      </a:solidFill>
+                      <a:prstDash val="solid"/>
+                      <a:round/>
+                      <a:headEnd type="none" w="med" len="med"/>
+                      <a:tailEnd type="none" w="med" len="med"/>
+                    </a:lnB>
+                  </a:tcPr>
+                </a:tc>
+                <a:tc>
+                  <a:txBody>
+                    <a:bodyPr/>
+                    <a:lstStyle/>
+                    <a:p>
+                      <a:pPr algn="r" rtl="0" fontAlgn="b"/>
+                      <a:r>
+                        <a:rPr lang="en-US" altLang="ko-KR" sz="1200" b="0" dirty="0" smtClean="0">
+                          <a:effectLst/>
+                          <a:latin typeface="Microsoft New Tai Lue" pitchFamily="34" charset="0"/>
+                          <a:cs typeface="Microsoft New Tai Lue" pitchFamily="34" charset="0"/>
+                        </a:rPr>
+                        <a:t>224*224</a:t>
+                      </a:r>
+                      <a:endParaRPr lang="en-US" altLang="ko-KR" sz="1200" b="0" dirty="0">
+                        <a:effectLst/>
+                        <a:latin typeface="Microsoft New Tai Lue" pitchFamily="34" charset="0"/>
+                        <a:cs typeface="Microsoft New Tai Lue" pitchFamily="34" charset="0"/>
+                      </a:endParaRPr>
+                    </a:p>
+                  </a:txBody>
+                  <a:tcPr marL="28575" marR="28575" marT="19050" marB="19050" anchor="ctr">
+                    <a:lnL w="12700" cap="flat" cmpd="sng" algn="ctr">
+                      <a:solidFill>
+                        <a:schemeClr val="bg1">
+                          <a:lumMod val="85000"/>
+                        </a:schemeClr>
+                      </a:solidFill>
+                      <a:prstDash val="solid"/>
+                      <a:round/>
+                      <a:headEnd type="none" w="med" len="med"/>
+                      <a:tailEnd type="none" w="med" len="med"/>
+                    </a:lnL>
+                    <a:lnR w="12700" cap="flat" cmpd="sng" algn="ctr">
+                      <a:solidFill>
+                        <a:schemeClr val="bg1">
+                          <a:lumMod val="85000"/>
+                        </a:schemeClr>
+                      </a:solidFill>
+                      <a:prstDash val="solid"/>
+                      <a:round/>
+                      <a:headEnd type="none" w="med" len="med"/>
+                      <a:tailEnd type="none" w="med" len="med"/>
+                    </a:lnR>
+                    <a:lnT w="12700" cap="flat" cmpd="sng" algn="ctr">
+                      <a:solidFill>
+                        <a:schemeClr val="bg1">
+                          <a:lumMod val="85000"/>
+                        </a:schemeClr>
+                      </a:solidFill>
+                      <a:prstDash val="solid"/>
+                      <a:round/>
+                      <a:headEnd type="none" w="med" len="med"/>
+                      <a:tailEnd type="none" w="med" len="med"/>
+                    </a:lnT>
+                    <a:lnB w="12700" cap="flat" cmpd="sng" algn="ctr">
+                      <a:solidFill>
+                        <a:schemeClr val="bg1">
+                          <a:lumMod val="85000"/>
+                        </a:schemeClr>
+                      </a:solidFill>
+                      <a:prstDash val="solid"/>
+                      <a:round/>
+                      <a:headEnd type="none" w="med" len="med"/>
+                      <a:tailEnd type="none" w="med" len="med"/>
+                    </a:lnB>
+                  </a:tcPr>
+                </a:tc>
+              </a:tr>
+              <a:tr h="370840">
+                <a:tc>
+                  <a:txBody>
+                    <a:bodyPr/>
+                    <a:lstStyle/>
+                    <a:p>
+                      <a:pPr algn="ctr" rtl="0" fontAlgn="b"/>
+                      <a:r>
+                        <a:rPr lang="en-US" sz="1200" b="0" dirty="0" err="1">
+                          <a:effectLst/>
+                          <a:latin typeface="Microsoft New Tai Lue" pitchFamily="34" charset="0"/>
+                          <a:ea typeface="나눔스퀘어" pitchFamily="50" charset="-127"/>
+                          <a:cs typeface="Microsoft New Tai Lue" pitchFamily="34" charset="0"/>
+                        </a:rPr>
+                        <a:t>batch_size</a:t>
+                      </a:r>
+                      <a:endParaRPr lang="en-US" sz="1200" b="0" dirty="0">
+                        <a:effectLst/>
+                        <a:latin typeface="Microsoft New Tai Lue" pitchFamily="34" charset="0"/>
+                        <a:ea typeface="나눔스퀘어" pitchFamily="50" charset="-127"/>
+                        <a:cs typeface="Microsoft New Tai Lue" pitchFamily="34" charset="0"/>
+                      </a:endParaRPr>
+                    </a:p>
+                  </a:txBody>
+                  <a:tcPr marL="16747" marR="16747" marT="11165" marB="11165" anchor="ctr">
+                    <a:lnL w="12700" cap="flat" cmpd="sng" algn="ctr">
+                      <a:solidFill>
+                        <a:schemeClr val="bg1">
+                          <a:lumMod val="85000"/>
+                        </a:schemeClr>
+                      </a:solidFill>
+                      <a:prstDash val="solid"/>
+                      <a:round/>
+                      <a:headEnd type="none" w="med" len="med"/>
+                      <a:tailEnd type="none" w="med" len="med"/>
+                    </a:lnL>
+                    <a:lnR w="12700" cap="flat" cmpd="sng" algn="ctr">
+                      <a:solidFill>
+                        <a:schemeClr val="bg1">
+                          <a:lumMod val="85000"/>
+                        </a:schemeClr>
+                      </a:solidFill>
+                      <a:prstDash val="solid"/>
+                      <a:round/>
+                      <a:headEnd type="none" w="med" len="med"/>
+                      <a:tailEnd type="none" w="med" len="med"/>
+                    </a:lnR>
+                    <a:lnT w="12700" cap="flat" cmpd="sng" algn="ctr">
+                      <a:solidFill>
+                        <a:schemeClr val="bg1">
+                          <a:lumMod val="85000"/>
+                        </a:schemeClr>
+                      </a:solidFill>
+                      <a:prstDash val="solid"/>
+                      <a:round/>
+                      <a:headEnd type="none" w="med" len="med"/>
+                      <a:tailEnd type="none" w="med" len="med"/>
+                    </a:lnT>
+                    <a:lnB w="12700" cap="flat" cmpd="sng" algn="ctr">
+                      <a:solidFill>
+                        <a:schemeClr val="bg1">
+                          <a:lumMod val="85000"/>
+                        </a:schemeClr>
+                      </a:solidFill>
+                      <a:prstDash val="solid"/>
+                      <a:round/>
+                      <a:headEnd type="none" w="med" len="med"/>
+                      <a:tailEnd type="none" w="med" len="med"/>
+                    </a:lnB>
+                  </a:tcPr>
+                </a:tc>
+                <a:tc>
+                  <a:txBody>
+                    <a:bodyPr/>
+                    <a:lstStyle/>
+                    <a:p>
+                      <a:pPr algn="r" rtl="0" fontAlgn="b"/>
+                      <a:r>
+                        <a:rPr lang="en-US" altLang="ko-KR" sz="1200" b="0" dirty="0" smtClean="0">
+                          <a:effectLst/>
+                          <a:latin typeface="Microsoft New Tai Lue" pitchFamily="34" charset="0"/>
+                          <a:cs typeface="Microsoft New Tai Lue" pitchFamily="34" charset="0"/>
+                        </a:rPr>
+                        <a:t>150</a:t>
+                      </a:r>
+                      <a:endParaRPr lang="en-US" altLang="ko-KR" sz="1200" b="0" dirty="0">
+                        <a:effectLst/>
+                        <a:latin typeface="Microsoft New Tai Lue" pitchFamily="34" charset="0"/>
+                        <a:cs typeface="Microsoft New Tai Lue" pitchFamily="34" charset="0"/>
+                      </a:endParaRPr>
+                    </a:p>
+                  </a:txBody>
+                  <a:tcPr marL="28575" marR="28575" marT="19050" marB="19050" anchor="ctr">
+                    <a:lnL w="12700" cap="flat" cmpd="sng" algn="ctr">
+                      <a:solidFill>
+                        <a:schemeClr val="bg1">
+                          <a:lumMod val="85000"/>
+                        </a:schemeClr>
+                      </a:solidFill>
+                      <a:prstDash val="solid"/>
+                      <a:round/>
+                      <a:headEnd type="none" w="med" len="med"/>
+                      <a:tailEnd type="none" w="med" len="med"/>
+                    </a:lnL>
+                    <a:lnR w="12700" cap="flat" cmpd="sng" algn="ctr">
+                      <a:solidFill>
+                        <a:schemeClr val="bg1">
+                          <a:lumMod val="85000"/>
+                        </a:schemeClr>
+                      </a:solidFill>
+                      <a:prstDash val="solid"/>
+                      <a:round/>
+                      <a:headEnd type="none" w="med" len="med"/>
+                      <a:tailEnd type="none" w="med" len="med"/>
+                    </a:lnR>
+                    <a:lnT w="12700" cap="flat" cmpd="sng" algn="ctr">
+                      <a:solidFill>
+                        <a:schemeClr val="bg1">
+                          <a:lumMod val="85000"/>
+                        </a:schemeClr>
+                      </a:solidFill>
+                      <a:prstDash val="solid"/>
+                      <a:round/>
+                      <a:headEnd type="none" w="med" len="med"/>
+                      <a:tailEnd type="none" w="med" len="med"/>
+                    </a:lnT>
+                    <a:lnB w="12700" cap="flat" cmpd="sng" algn="ctr">
+                      <a:solidFill>
+                        <a:schemeClr val="bg1">
+                          <a:lumMod val="85000"/>
+                        </a:schemeClr>
+                      </a:solidFill>
+                      <a:prstDash val="solid"/>
+                      <a:round/>
+                      <a:headEnd type="none" w="med" len="med"/>
+                      <a:tailEnd type="none" w="med" len="med"/>
+                    </a:lnB>
+                  </a:tcPr>
+                </a:tc>
+              </a:tr>
+              <a:tr h="370840">
+                <a:tc>
+                  <a:txBody>
+                    <a:bodyPr/>
+                    <a:lstStyle/>
+                    <a:p>
+                      <a:pPr algn="ctr" rtl="0" fontAlgn="b"/>
+                      <a:r>
+                        <a:rPr lang="en-US" sz="1200" b="0" dirty="0">
+                          <a:effectLst/>
+                          <a:latin typeface="Microsoft New Tai Lue" pitchFamily="34" charset="0"/>
+                          <a:ea typeface="나눔스퀘어" pitchFamily="50" charset="-127"/>
+                          <a:cs typeface="Microsoft New Tai Lue" pitchFamily="34" charset="0"/>
+                        </a:rPr>
+                        <a:t>epoch</a:t>
+                      </a:r>
+                    </a:p>
+                  </a:txBody>
+                  <a:tcPr marL="16747" marR="16747" marT="11165" marB="11165" anchor="ctr">
+                    <a:lnL w="12700" cap="flat" cmpd="sng" algn="ctr">
+                      <a:solidFill>
+                        <a:schemeClr val="bg1">
+                          <a:lumMod val="85000"/>
+                        </a:schemeClr>
+                      </a:solidFill>
+                      <a:prstDash val="solid"/>
+                      <a:round/>
+                      <a:headEnd type="none" w="med" len="med"/>
+                      <a:tailEnd type="none" w="med" len="med"/>
+                    </a:lnL>
+                    <a:lnR w="12700" cap="flat" cmpd="sng" algn="ctr">
+                      <a:solidFill>
+                        <a:schemeClr val="bg1">
+                          <a:lumMod val="85000"/>
+                        </a:schemeClr>
+                      </a:solidFill>
+                      <a:prstDash val="solid"/>
+                      <a:round/>
+                      <a:headEnd type="none" w="med" len="med"/>
+                      <a:tailEnd type="none" w="med" len="med"/>
+                    </a:lnR>
+                    <a:lnT w="12700" cap="flat" cmpd="sng" algn="ctr">
+                      <a:solidFill>
+                        <a:schemeClr val="bg1">
+                          <a:lumMod val="85000"/>
+                        </a:schemeClr>
+                      </a:solidFill>
+                      <a:prstDash val="solid"/>
+                      <a:round/>
+                      <a:headEnd type="none" w="med" len="med"/>
+                      <a:tailEnd type="none" w="med" len="med"/>
+                    </a:lnT>
+                    <a:lnB w="12700" cap="flat" cmpd="sng" algn="ctr">
+                      <a:solidFill>
+                        <a:schemeClr val="bg1">
+                          <a:lumMod val="85000"/>
+                        </a:schemeClr>
+                      </a:solidFill>
+                      <a:prstDash val="solid"/>
+                      <a:round/>
+                      <a:headEnd type="none" w="med" len="med"/>
+                      <a:tailEnd type="none" w="med" len="med"/>
+                    </a:lnB>
+                  </a:tcPr>
+                </a:tc>
+                <a:tc>
+                  <a:txBody>
+                    <a:bodyPr/>
+                    <a:lstStyle/>
+                    <a:p>
+                      <a:pPr algn="r" rtl="0" fontAlgn="b"/>
+                      <a:r>
+                        <a:rPr lang="en-US" altLang="ko-KR" sz="1200" b="0" dirty="0">
+                          <a:effectLst/>
+                          <a:latin typeface="Microsoft New Tai Lue" pitchFamily="34" charset="0"/>
+                          <a:cs typeface="Microsoft New Tai Lue" pitchFamily="34" charset="0"/>
+                        </a:rPr>
+                        <a:t>100</a:t>
+                      </a:r>
+                    </a:p>
+                  </a:txBody>
+                  <a:tcPr marL="28575" marR="28575" marT="19050" marB="19050" anchor="ctr">
+                    <a:lnL w="12700" cap="flat" cmpd="sng" algn="ctr">
+                      <a:solidFill>
+                        <a:schemeClr val="bg1">
+                          <a:lumMod val="85000"/>
+                        </a:schemeClr>
+                      </a:solidFill>
+                      <a:prstDash val="solid"/>
+                      <a:round/>
+                      <a:headEnd type="none" w="med" len="med"/>
+                      <a:tailEnd type="none" w="med" len="med"/>
+                    </a:lnL>
+                    <a:lnR w="12700" cap="flat" cmpd="sng" algn="ctr">
+                      <a:solidFill>
+                        <a:schemeClr val="bg1">
+                          <a:lumMod val="85000"/>
+                        </a:schemeClr>
+                      </a:solidFill>
+                      <a:prstDash val="solid"/>
+                      <a:round/>
+                      <a:headEnd type="none" w="med" len="med"/>
+                      <a:tailEnd type="none" w="med" len="med"/>
+                    </a:lnR>
+                    <a:lnT w="12700" cap="flat" cmpd="sng" algn="ctr">
+                      <a:solidFill>
+                        <a:schemeClr val="bg1">
+                          <a:lumMod val="85000"/>
+                        </a:schemeClr>
+                      </a:solidFill>
+                      <a:prstDash val="solid"/>
+                      <a:round/>
+                      <a:headEnd type="none" w="med" len="med"/>
+                      <a:tailEnd type="none" w="med" len="med"/>
+                    </a:lnT>
+                    <a:lnB w="12700" cap="flat" cmpd="sng" algn="ctr">
+                      <a:solidFill>
+                        <a:schemeClr val="bg1">
+                          <a:lumMod val="85000"/>
+                        </a:schemeClr>
+                      </a:solidFill>
+                      <a:prstDash val="solid"/>
+                      <a:round/>
+                      <a:headEnd type="none" w="med" len="med"/>
+                      <a:tailEnd type="none" w="med" len="med"/>
+                    </a:lnB>
+                  </a:tcPr>
+                </a:tc>
+              </a:tr>
+              <a:tr h="370840">
+                <a:tc>
+                  <a:txBody>
+                    <a:bodyPr/>
+                    <a:lstStyle/>
+                    <a:p>
+                      <a:pPr algn="ctr" rtl="0" fontAlgn="b"/>
+                      <a:r>
+                        <a:rPr lang="en-US" sz="1200" b="0" dirty="0" err="1">
+                          <a:effectLst/>
+                          <a:latin typeface="Microsoft New Tai Lue" pitchFamily="34" charset="0"/>
+                          <a:ea typeface="나눔스퀘어" pitchFamily="50" charset="-127"/>
+                          <a:cs typeface="Microsoft New Tai Lue" pitchFamily="34" charset="0"/>
+                        </a:rPr>
+                        <a:t>seed_num</a:t>
+                      </a:r>
+                      <a:endParaRPr lang="en-US" sz="1200" b="0" dirty="0">
+                        <a:effectLst/>
+                        <a:latin typeface="Microsoft New Tai Lue" pitchFamily="34" charset="0"/>
+                        <a:ea typeface="나눔스퀘어" pitchFamily="50" charset="-127"/>
+                        <a:cs typeface="Microsoft New Tai Lue" pitchFamily="34" charset="0"/>
+                      </a:endParaRPr>
+                    </a:p>
+                  </a:txBody>
+                  <a:tcPr marL="16747" marR="16747" marT="11165" marB="11165" anchor="ctr">
+                    <a:lnL w="12700" cap="flat" cmpd="sng" algn="ctr">
+                      <a:solidFill>
+                        <a:schemeClr val="bg1">
+                          <a:lumMod val="85000"/>
+                        </a:schemeClr>
+                      </a:solidFill>
+                      <a:prstDash val="solid"/>
+                      <a:round/>
+                      <a:headEnd type="none" w="med" len="med"/>
+                      <a:tailEnd type="none" w="med" len="med"/>
+                    </a:lnL>
+                    <a:lnR w="12700" cap="flat" cmpd="sng" algn="ctr">
+                      <a:solidFill>
+                        <a:schemeClr val="bg1">
+                          <a:lumMod val="85000"/>
+                        </a:schemeClr>
+                      </a:solidFill>
+                      <a:prstDash val="solid"/>
+                      <a:round/>
+                      <a:headEnd type="none" w="med" len="med"/>
+                      <a:tailEnd type="none" w="med" len="med"/>
+                    </a:lnR>
+                    <a:lnT w="12700" cap="flat" cmpd="sng" algn="ctr">
+                      <a:solidFill>
+                        <a:schemeClr val="bg1">
+                          <a:lumMod val="85000"/>
+                        </a:schemeClr>
+                      </a:solidFill>
+                      <a:prstDash val="solid"/>
+                      <a:round/>
+                      <a:headEnd type="none" w="med" len="med"/>
+                      <a:tailEnd type="none" w="med" len="med"/>
+                    </a:lnT>
+                    <a:lnB w="12700" cap="flat" cmpd="sng" algn="ctr">
+                      <a:solidFill>
+                        <a:schemeClr val="bg1">
+                          <a:lumMod val="85000"/>
+                        </a:schemeClr>
+                      </a:solidFill>
+                      <a:prstDash val="solid"/>
+                      <a:round/>
+                      <a:headEnd type="none" w="med" len="med"/>
+                      <a:tailEnd type="none" w="med" len="med"/>
+                    </a:lnB>
+                  </a:tcPr>
+                </a:tc>
+                <a:tc>
+                  <a:txBody>
+                    <a:bodyPr/>
+                    <a:lstStyle/>
+                    <a:p>
+                      <a:pPr algn="r" rtl="0" fontAlgn="b"/>
+                      <a:r>
+                        <a:rPr lang="en-US" sz="1200" b="0" dirty="0">
+                          <a:effectLst/>
+                          <a:latin typeface="Microsoft New Tai Lue" pitchFamily="34" charset="0"/>
+                          <a:cs typeface="Microsoft New Tai Lue" pitchFamily="34" charset="0"/>
+                        </a:rPr>
+                        <a:t>F</a:t>
+                      </a:r>
+                    </a:p>
+                  </a:txBody>
+                  <a:tcPr marL="28575" marR="28575" marT="19050" marB="19050" anchor="ctr">
+                    <a:lnL w="12700" cap="flat" cmpd="sng" algn="ctr">
+                      <a:solidFill>
+                        <a:schemeClr val="bg1">
+                          <a:lumMod val="85000"/>
+                        </a:schemeClr>
+                      </a:solidFill>
+                      <a:prstDash val="solid"/>
+                      <a:round/>
+                      <a:headEnd type="none" w="med" len="med"/>
+                      <a:tailEnd type="none" w="med" len="med"/>
+                    </a:lnL>
+                    <a:lnR w="12700" cap="flat" cmpd="sng" algn="ctr">
+                      <a:solidFill>
+                        <a:schemeClr val="bg1">
+                          <a:lumMod val="85000"/>
+                        </a:schemeClr>
+                      </a:solidFill>
+                      <a:prstDash val="solid"/>
+                      <a:round/>
+                      <a:headEnd type="none" w="med" len="med"/>
+                      <a:tailEnd type="none" w="med" len="med"/>
+                    </a:lnR>
+                    <a:lnT w="12700" cap="flat" cmpd="sng" algn="ctr">
+                      <a:solidFill>
+                        <a:schemeClr val="bg1">
+                          <a:lumMod val="85000"/>
+                        </a:schemeClr>
+                      </a:solidFill>
+                      <a:prstDash val="solid"/>
+                      <a:round/>
+                      <a:headEnd type="none" w="med" len="med"/>
+                      <a:tailEnd type="none" w="med" len="med"/>
+                    </a:lnT>
+                    <a:lnB w="12700" cap="flat" cmpd="sng" algn="ctr">
+                      <a:solidFill>
+                        <a:schemeClr val="bg1">
+                          <a:lumMod val="85000"/>
+                        </a:schemeClr>
+                      </a:solidFill>
+                      <a:prstDash val="solid"/>
+                      <a:round/>
+                      <a:headEnd type="none" w="med" len="med"/>
+                      <a:tailEnd type="none" w="med" len="med"/>
+                    </a:lnB>
+                  </a:tcPr>
+                </a:tc>
+              </a:tr>
+              <a:tr h="370840">
+                <a:tc>
+                  <a:txBody>
+                    <a:bodyPr/>
+                    <a:lstStyle/>
+                    <a:p>
+                      <a:pPr algn="ctr" rtl="0" fontAlgn="b"/>
+                      <a:r>
+                        <a:rPr lang="en-US" sz="1200" b="0" i="0" dirty="0" err="1">
+                          <a:effectLst/>
+                          <a:latin typeface="Microsoft New Tai Lue" pitchFamily="34" charset="0"/>
+                          <a:ea typeface="나눔스퀘어" pitchFamily="50" charset="-127"/>
+                          <a:cs typeface="Microsoft New Tai Lue" pitchFamily="34" charset="0"/>
+                        </a:rPr>
+                        <a:t>Fine_Tuning</a:t>
+                      </a:r>
+                      <a:endParaRPr lang="en-US" sz="1200" b="0" dirty="0">
+                        <a:effectLst/>
+                        <a:latin typeface="Microsoft New Tai Lue" pitchFamily="34" charset="0"/>
+                        <a:ea typeface="나눔스퀘어" pitchFamily="50" charset="-127"/>
+                        <a:cs typeface="Microsoft New Tai Lue" pitchFamily="34" charset="0"/>
+                      </a:endParaRPr>
+                    </a:p>
+                  </a:txBody>
+                  <a:tcPr marL="16747" marR="16747" marT="11165" marB="11165" anchor="ctr">
+                    <a:lnL w="12700" cap="flat" cmpd="sng" algn="ctr">
+                      <a:solidFill>
+                        <a:schemeClr val="bg1">
+                          <a:lumMod val="85000"/>
+                        </a:schemeClr>
+                      </a:solidFill>
+                      <a:prstDash val="solid"/>
+                      <a:round/>
+                      <a:headEnd type="none" w="med" len="med"/>
+                      <a:tailEnd type="none" w="med" len="med"/>
+                    </a:lnL>
+                    <a:lnR w="12700" cap="flat" cmpd="sng" algn="ctr">
+                      <a:solidFill>
+                        <a:schemeClr val="bg1">
+                          <a:lumMod val="85000"/>
+                        </a:schemeClr>
+                      </a:solidFill>
+                      <a:prstDash val="solid"/>
+                      <a:round/>
+                      <a:headEnd type="none" w="med" len="med"/>
+                      <a:tailEnd type="none" w="med" len="med"/>
+                    </a:lnR>
+                    <a:lnT w="12700" cap="flat" cmpd="sng" algn="ctr">
+                      <a:solidFill>
+                        <a:schemeClr val="bg1">
+                          <a:lumMod val="85000"/>
+                        </a:schemeClr>
+                      </a:solidFill>
+                      <a:prstDash val="solid"/>
+                      <a:round/>
+                      <a:headEnd type="none" w="med" len="med"/>
+                      <a:tailEnd type="none" w="med" len="med"/>
+                    </a:lnT>
+                    <a:lnB w="12700" cap="flat" cmpd="sng" algn="ctr">
+                      <a:solidFill>
+                        <a:schemeClr val="bg1">
+                          <a:lumMod val="85000"/>
+                        </a:schemeClr>
+                      </a:solidFill>
+                      <a:prstDash val="solid"/>
+                      <a:round/>
+                      <a:headEnd type="none" w="med" len="med"/>
+                      <a:tailEnd type="none" w="med" len="med"/>
+                    </a:lnB>
+                  </a:tcPr>
+                </a:tc>
+                <a:tc>
+                  <a:txBody>
+                    <a:bodyPr/>
+                    <a:lstStyle/>
+                    <a:p>
+                      <a:pPr algn="r" rtl="0" fontAlgn="b"/>
+                      <a:r>
+                        <a:rPr lang="en-US" sz="1200" b="0" dirty="0">
+                          <a:effectLst/>
+                          <a:latin typeface="Microsoft New Tai Lue" pitchFamily="34" charset="0"/>
+                          <a:cs typeface="Microsoft New Tai Lue" pitchFamily="34" charset="0"/>
+                        </a:rPr>
+                        <a:t>all </a:t>
+                      </a:r>
+                      <a:r>
+                        <a:rPr lang="en-US" sz="1200" b="0" dirty="0" smtClean="0">
+                          <a:effectLst/>
+                          <a:latin typeface="Microsoft New Tai Lue" pitchFamily="34" charset="0"/>
+                          <a:cs typeface="Microsoft New Tai Lue" pitchFamily="34" charset="0"/>
+                        </a:rPr>
+                        <a:t>true</a:t>
+                      </a:r>
+                    </a:p>
+                    <a:p>
+                      <a:pPr algn="r" rtl="0" fontAlgn="b"/>
+                      <a:r>
+                        <a:rPr lang="en-US" sz="1200" b="0" dirty="0" err="1" smtClean="0">
+                          <a:effectLst/>
+                          <a:latin typeface="Microsoft New Tai Lue" pitchFamily="34" charset="0"/>
+                          <a:cs typeface="Microsoft New Tai Lue" pitchFamily="34" charset="0"/>
+                        </a:rPr>
+                        <a:t>Conv</a:t>
+                      </a:r>
+                      <a:r>
+                        <a:rPr lang="en-US" sz="1200" b="0" baseline="0" dirty="0" smtClean="0">
+                          <a:effectLst/>
+                          <a:latin typeface="Microsoft New Tai Lue" pitchFamily="34" charset="0"/>
+                          <a:cs typeface="Microsoft New Tai Lue" pitchFamily="34" charset="0"/>
+                        </a:rPr>
+                        <a:t> = [256-3, </a:t>
+                      </a:r>
+                      <a:r>
+                        <a:rPr lang="en-US" sz="1200" b="1" baseline="0" dirty="0" smtClean="0">
+                          <a:effectLst/>
+                          <a:latin typeface="Microsoft New Tai Lue" pitchFamily="34" charset="0"/>
+                          <a:cs typeface="Microsoft New Tai Lue" pitchFamily="34" charset="0"/>
+                        </a:rPr>
+                        <a:t>64-3</a:t>
+                      </a:r>
+                      <a:r>
+                        <a:rPr lang="en-US" sz="1200" b="0" baseline="0" dirty="0" smtClean="0">
+                          <a:effectLst/>
+                          <a:latin typeface="Microsoft New Tai Lue" pitchFamily="34" charset="0"/>
+                          <a:cs typeface="Microsoft New Tai Lue" pitchFamily="34" charset="0"/>
+                        </a:rPr>
+                        <a:t>]</a:t>
+                      </a:r>
+                      <a:r>
+                        <a:rPr lang="en-US" sz="1200" b="0" dirty="0">
+                          <a:effectLst/>
+                          <a:latin typeface="Microsoft New Tai Lue" pitchFamily="34" charset="0"/>
+                          <a:cs typeface="Microsoft New Tai Lue" pitchFamily="34" charset="0"/>
+                        </a:rPr>
+                        <a:t/>
+                      </a:r>
+                      <a:br>
+                        <a:rPr lang="en-US" sz="1200" b="0" dirty="0">
+                          <a:effectLst/>
+                          <a:latin typeface="Microsoft New Tai Lue" pitchFamily="34" charset="0"/>
+                          <a:cs typeface="Microsoft New Tai Lue" pitchFamily="34" charset="0"/>
+                        </a:rPr>
+                      </a:br>
+                      <a:r>
+                        <a:rPr lang="en-US" sz="1200" b="0" dirty="0">
+                          <a:effectLst/>
+                          <a:latin typeface="Microsoft New Tai Lue" pitchFamily="34" charset="0"/>
+                          <a:cs typeface="Microsoft New Tai Lue" pitchFamily="34" charset="0"/>
+                        </a:rPr>
+                        <a:t>dense: off </a:t>
+                      </a:r>
+                      <a:r>
+                        <a:rPr lang="en-US" sz="1200" b="0" dirty="0" smtClean="0">
+                          <a:effectLst/>
+                          <a:latin typeface="Microsoft New Tai Lue" pitchFamily="34" charset="0"/>
+                          <a:cs typeface="Microsoft New Tai Lue" pitchFamily="34" charset="0"/>
+                        </a:rPr>
+                        <a:t/>
+                      </a:r>
+                      <a:br>
+                        <a:rPr lang="en-US" sz="1200" b="0" dirty="0" smtClean="0">
+                          <a:effectLst/>
+                          <a:latin typeface="Microsoft New Tai Lue" pitchFamily="34" charset="0"/>
+                          <a:cs typeface="Microsoft New Tai Lue" pitchFamily="34" charset="0"/>
+                        </a:rPr>
+                      </a:br>
+                      <a:r>
+                        <a:rPr lang="en-US" sz="1200" b="0" dirty="0" smtClean="0">
+                          <a:effectLst/>
+                          <a:latin typeface="Microsoft New Tai Lue" pitchFamily="34" charset="0"/>
+                          <a:cs typeface="Microsoft New Tai Lue" pitchFamily="34" charset="0"/>
+                        </a:rPr>
+                        <a:t>normal</a:t>
+                      </a:r>
+                      <a:r>
+                        <a:rPr lang="en-US" sz="1200" b="0" dirty="0">
+                          <a:effectLst/>
+                          <a:latin typeface="Microsoft New Tai Lue" pitchFamily="34" charset="0"/>
+                          <a:cs typeface="Microsoft New Tai Lue" pitchFamily="34" charset="0"/>
+                        </a:rPr>
+                        <a:t>: </a:t>
+                      </a:r>
+                      <a:r>
+                        <a:rPr lang="en-US" sz="1200" b="0" dirty="0" smtClean="0">
+                          <a:effectLst/>
+                          <a:latin typeface="Microsoft New Tai Lue" pitchFamily="34" charset="0"/>
+                          <a:cs typeface="Microsoft New Tai Lue" pitchFamily="34" charset="0"/>
+                        </a:rPr>
+                        <a:t>on</a:t>
+                      </a:r>
+                      <a:endParaRPr lang="en-US" sz="1200" b="0" dirty="0">
+                        <a:effectLst/>
+                        <a:latin typeface="Microsoft New Tai Lue" pitchFamily="34" charset="0"/>
+                        <a:cs typeface="Microsoft New Tai Lue" pitchFamily="34" charset="0"/>
+                      </a:endParaRPr>
+                    </a:p>
+                  </a:txBody>
+                  <a:tcPr marL="28575" marR="28575" marT="19050" marB="19050" anchor="ctr">
+                    <a:lnL w="12700" cap="flat" cmpd="sng" algn="ctr">
+                      <a:solidFill>
+                        <a:schemeClr val="bg1">
+                          <a:lumMod val="85000"/>
+                        </a:schemeClr>
+                      </a:solidFill>
+                      <a:prstDash val="solid"/>
+                      <a:round/>
+                      <a:headEnd type="none" w="med" len="med"/>
+                      <a:tailEnd type="none" w="med" len="med"/>
+                    </a:lnL>
+                    <a:lnR w="12700" cap="flat" cmpd="sng" algn="ctr">
+                      <a:solidFill>
+                        <a:schemeClr val="bg1">
+                          <a:lumMod val="85000"/>
+                        </a:schemeClr>
+                      </a:solidFill>
+                      <a:prstDash val="solid"/>
+                      <a:round/>
+                      <a:headEnd type="none" w="med" len="med"/>
+                      <a:tailEnd type="none" w="med" len="med"/>
+                    </a:lnR>
+                    <a:lnT w="12700" cap="flat" cmpd="sng" algn="ctr">
+                      <a:solidFill>
+                        <a:schemeClr val="bg1">
+                          <a:lumMod val="85000"/>
+                        </a:schemeClr>
+                      </a:solidFill>
+                      <a:prstDash val="solid"/>
+                      <a:round/>
+                      <a:headEnd type="none" w="med" len="med"/>
+                      <a:tailEnd type="none" w="med" len="med"/>
+                    </a:lnT>
+                    <a:lnB w="12700" cap="flat" cmpd="sng" algn="ctr">
+                      <a:solidFill>
+                        <a:schemeClr val="bg1">
+                          <a:lumMod val="85000"/>
+                        </a:schemeClr>
+                      </a:solidFill>
+                      <a:prstDash val="solid"/>
+                      <a:round/>
+                      <a:headEnd type="none" w="med" len="med"/>
+                      <a:tailEnd type="none" w="med" len="med"/>
+                    </a:lnB>
+                  </a:tcPr>
+                </a:tc>
+              </a:tr>
+              <a:tr h="370840">
+                <a:tc>
+                  <a:txBody>
+                    <a:bodyPr/>
+                    <a:lstStyle/>
+                    <a:p>
+                      <a:pPr algn="ctr" rtl="0" fontAlgn="b"/>
+                      <a:r>
+                        <a:rPr lang="en-US" sz="1200" b="0" dirty="0" err="1">
+                          <a:effectLst/>
+                          <a:latin typeface="Microsoft New Tai Lue" pitchFamily="34" charset="0"/>
+                          <a:ea typeface="나눔스퀘어" pitchFamily="50" charset="-127"/>
+                          <a:cs typeface="Microsoft New Tai Lue" pitchFamily="34" charset="0"/>
+                        </a:rPr>
+                        <a:t>Learning_rate</a:t>
+                      </a:r>
+                      <a:endParaRPr lang="en-US" sz="1200" b="0" dirty="0">
+                        <a:effectLst/>
+                        <a:latin typeface="Microsoft New Tai Lue" pitchFamily="34" charset="0"/>
+                        <a:ea typeface="나눔스퀘어" pitchFamily="50" charset="-127"/>
+                        <a:cs typeface="Microsoft New Tai Lue" pitchFamily="34" charset="0"/>
+                      </a:endParaRPr>
+                    </a:p>
+                  </a:txBody>
+                  <a:tcPr marL="16747" marR="16747" marT="11165" marB="11165" anchor="ctr">
+                    <a:lnL w="12700" cap="flat" cmpd="sng" algn="ctr">
+                      <a:solidFill>
+                        <a:schemeClr val="bg1">
+                          <a:lumMod val="85000"/>
+                        </a:schemeClr>
+                      </a:solidFill>
+                      <a:prstDash val="solid"/>
+                      <a:round/>
+                      <a:headEnd type="none" w="med" len="med"/>
+                      <a:tailEnd type="none" w="med" len="med"/>
+                    </a:lnL>
+                    <a:lnR w="12700" cap="flat" cmpd="sng" algn="ctr">
+                      <a:solidFill>
+                        <a:schemeClr val="bg1">
+                          <a:lumMod val="85000"/>
+                        </a:schemeClr>
+                      </a:solidFill>
+                      <a:prstDash val="solid"/>
+                      <a:round/>
+                      <a:headEnd type="none" w="med" len="med"/>
+                      <a:tailEnd type="none" w="med" len="med"/>
+                    </a:lnR>
+                    <a:lnT w="12700" cap="flat" cmpd="sng" algn="ctr">
+                      <a:solidFill>
+                        <a:schemeClr val="bg1">
+                          <a:lumMod val="85000"/>
+                        </a:schemeClr>
+                      </a:solidFill>
+                      <a:prstDash val="solid"/>
+                      <a:round/>
+                      <a:headEnd type="none" w="med" len="med"/>
+                      <a:tailEnd type="none" w="med" len="med"/>
+                    </a:lnT>
+                    <a:lnB w="12700" cap="flat" cmpd="sng" algn="ctr">
+                      <a:solidFill>
+                        <a:schemeClr val="bg1">
+                          <a:lumMod val="85000"/>
+                        </a:schemeClr>
+                      </a:solidFill>
+                      <a:prstDash val="solid"/>
+                      <a:round/>
+                      <a:headEnd type="none" w="med" len="med"/>
+                      <a:tailEnd type="none" w="med" len="med"/>
+                    </a:lnB>
+                  </a:tcPr>
+                </a:tc>
+                <a:tc>
+                  <a:txBody>
+                    <a:bodyPr/>
+                    <a:lstStyle/>
+                    <a:p>
+                      <a:pPr algn="r" rtl="0" fontAlgn="b"/>
+                      <a:r>
+                        <a:rPr lang="en-US" sz="1200" b="0" dirty="0">
+                          <a:effectLst/>
+                          <a:latin typeface="Microsoft New Tai Lue" pitchFamily="34" charset="0"/>
+                          <a:cs typeface="Microsoft New Tai Lue" pitchFamily="34" charset="0"/>
+                        </a:rPr>
+                        <a:t>off</a:t>
+                      </a:r>
+                    </a:p>
+                  </a:txBody>
+                  <a:tcPr marL="28575" marR="28575" marT="19050" marB="19050" anchor="ctr">
+                    <a:lnL w="12700" cap="flat" cmpd="sng" algn="ctr">
+                      <a:solidFill>
+                        <a:schemeClr val="bg1">
+                          <a:lumMod val="85000"/>
+                        </a:schemeClr>
+                      </a:solidFill>
+                      <a:prstDash val="solid"/>
+                      <a:round/>
+                      <a:headEnd type="none" w="med" len="med"/>
+                      <a:tailEnd type="none" w="med" len="med"/>
+                    </a:lnL>
+                    <a:lnR w="12700" cap="flat" cmpd="sng" algn="ctr">
+                      <a:solidFill>
+                        <a:schemeClr val="bg1">
+                          <a:lumMod val="85000"/>
+                        </a:schemeClr>
+                      </a:solidFill>
+                      <a:prstDash val="solid"/>
+                      <a:round/>
+                      <a:headEnd type="none" w="med" len="med"/>
+                      <a:tailEnd type="none" w="med" len="med"/>
+                    </a:lnR>
+                    <a:lnT w="12700" cap="flat" cmpd="sng" algn="ctr">
+                      <a:solidFill>
+                        <a:schemeClr val="bg1">
+                          <a:lumMod val="85000"/>
+                        </a:schemeClr>
+                      </a:solidFill>
+                      <a:prstDash val="solid"/>
+                      <a:round/>
+                      <a:headEnd type="none" w="med" len="med"/>
+                      <a:tailEnd type="none" w="med" len="med"/>
+                    </a:lnT>
+                    <a:lnB w="12700" cap="flat" cmpd="sng" algn="ctr">
+                      <a:solidFill>
+                        <a:schemeClr val="bg1">
+                          <a:lumMod val="85000"/>
+                        </a:schemeClr>
+                      </a:solidFill>
+                      <a:prstDash val="solid"/>
+                      <a:round/>
+                      <a:headEnd type="none" w="med" len="med"/>
+                      <a:tailEnd type="none" w="med" len="med"/>
+                    </a:lnB>
+                  </a:tcPr>
+                </a:tc>
+              </a:tr>
+            </a:tbl>
+          </a:graphicData>
+        </a:graphic>
+      </p:graphicFrame>
+      <p:graphicFrame>
+        <p:nvGraphicFramePr>
+          <p:cNvPr id="7" name="표 6"/>
+          <p:cNvGraphicFramePr>
+            <a:graphicFrameLocks noGrp="1"/>
+          </p:cNvGraphicFramePr>
+          <p:nvPr>
+            <p:extLst>
+              <p:ext uri="{D42A27DB-BD31-4B8C-83A1-F6EECF244321}">
+                <p14:modId xmlns:p14="http://schemas.microsoft.com/office/powerpoint/2010/main" val="3098064963"/>
+              </p:ext>
+            </p:extLst>
+          </p:nvPr>
+        </p:nvGraphicFramePr>
+        <p:xfrm>
+          <a:off x="4860032" y="1851670"/>
+          <a:ext cx="2952328" cy="2225040"/>
+        </p:xfrm>
+        <a:graphic>
+          <a:graphicData uri="http://schemas.openxmlformats.org/drawingml/2006/table">
+            <a:tbl>
+              <a:tblPr firstRow="1" bandRow="1">
+                <a:tableStyleId>{2D5ABB26-0587-4C30-8999-92F81FD0307C}</a:tableStyleId>
+              </a:tblPr>
+              <a:tblGrid>
+                <a:gridCol w="1476164"/>
+                <a:gridCol w="1476164"/>
+              </a:tblGrid>
+              <a:tr h="370840">
+                <a:tc>
+                  <a:txBody>
+                    <a:bodyPr/>
+                    <a:lstStyle/>
+                    <a:p>
+                      <a:pPr algn="ctr" rtl="0" fontAlgn="b"/>
+                      <a:r>
+                        <a:rPr lang="en-US" sz="1200" b="0" dirty="0">
+                          <a:effectLst/>
+                          <a:latin typeface="Microsoft New Tai Lue" pitchFamily="34" charset="0"/>
+                          <a:cs typeface="Microsoft New Tai Lue" pitchFamily="34" charset="0"/>
+                        </a:rPr>
+                        <a:t>zoom</a:t>
+                      </a:r>
+                    </a:p>
+                  </a:txBody>
+                  <a:tcPr marL="28575" marR="28575" marT="19050" marB="19050" anchor="ctr">
+                    <a:lnL w="12700" cap="flat" cmpd="sng" algn="ctr">
+                      <a:solidFill>
+                        <a:schemeClr val="bg1">
+                          <a:lumMod val="85000"/>
+                        </a:schemeClr>
+                      </a:solidFill>
+                      <a:prstDash val="solid"/>
+                      <a:round/>
+                      <a:headEnd type="none" w="med" len="med"/>
+                      <a:tailEnd type="none" w="med" len="med"/>
+                    </a:lnL>
+                    <a:lnR w="12700" cap="flat" cmpd="sng" algn="ctr">
+                      <a:solidFill>
+                        <a:schemeClr val="bg1">
+                          <a:lumMod val="85000"/>
+                        </a:schemeClr>
+                      </a:solidFill>
+                      <a:prstDash val="solid"/>
+                      <a:round/>
+                      <a:headEnd type="none" w="med" len="med"/>
+                      <a:tailEnd type="none" w="med" len="med"/>
+                    </a:lnR>
+                    <a:lnT w="12700" cap="flat" cmpd="sng" algn="ctr">
+                      <a:solidFill>
+                        <a:schemeClr val="bg1">
+                          <a:lumMod val="85000"/>
+                        </a:schemeClr>
+                      </a:solidFill>
+                      <a:prstDash val="solid"/>
+                      <a:round/>
+                      <a:headEnd type="none" w="med" len="med"/>
+                      <a:tailEnd type="none" w="med" len="med"/>
+                    </a:lnT>
+                    <a:lnB w="12700" cap="flat" cmpd="sng" algn="ctr">
+                      <a:solidFill>
+                        <a:schemeClr val="bg1">
+                          <a:lumMod val="85000"/>
+                        </a:schemeClr>
+                      </a:solidFill>
+                      <a:prstDash val="solid"/>
+                      <a:round/>
+                      <a:headEnd type="none" w="med" len="med"/>
+                      <a:tailEnd type="none" w="med" len="med"/>
+                    </a:lnB>
+                  </a:tcPr>
+                </a:tc>
+                <a:tc>
+                  <a:txBody>
+                    <a:bodyPr/>
+                    <a:lstStyle/>
+                    <a:p>
+                      <a:pPr algn="r" rtl="0" fontAlgn="b"/>
+                      <a:r>
+                        <a:rPr lang="en-US" sz="1200" b="0" dirty="0" smtClean="0">
+                          <a:effectLst/>
+                          <a:latin typeface="Microsoft New Tai Lue" pitchFamily="34" charset="0"/>
+                          <a:cs typeface="Microsoft New Tai Lue" pitchFamily="34" charset="0"/>
+                        </a:rPr>
+                        <a:t>0.1</a:t>
+                      </a:r>
+                      <a:endParaRPr lang="en-US" sz="1200" b="0" dirty="0">
+                        <a:effectLst/>
+                        <a:latin typeface="Microsoft New Tai Lue" pitchFamily="34" charset="0"/>
+                        <a:cs typeface="Microsoft New Tai Lue" pitchFamily="34" charset="0"/>
+                      </a:endParaRPr>
+                    </a:p>
+                  </a:txBody>
+                  <a:tcPr marL="28575" marR="28575" marT="19050" marB="19050" anchor="ctr">
+                    <a:lnL w="12700" cap="flat" cmpd="sng" algn="ctr">
+                      <a:solidFill>
+                        <a:schemeClr val="bg1">
+                          <a:lumMod val="85000"/>
+                        </a:schemeClr>
+                      </a:solidFill>
+                      <a:prstDash val="solid"/>
+                      <a:round/>
+                      <a:headEnd type="none" w="med" len="med"/>
+                      <a:tailEnd type="none" w="med" len="med"/>
+                    </a:lnL>
+                    <a:lnR w="12700" cap="flat" cmpd="sng" algn="ctr">
+                      <a:solidFill>
+                        <a:schemeClr val="bg1">
+                          <a:lumMod val="85000"/>
+                        </a:schemeClr>
+                      </a:solidFill>
+                      <a:prstDash val="solid"/>
+                      <a:round/>
+                      <a:headEnd type="none" w="med" len="med"/>
+                      <a:tailEnd type="none" w="med" len="med"/>
+                    </a:lnR>
+                    <a:lnT w="12700" cap="flat" cmpd="sng" algn="ctr">
+                      <a:solidFill>
+                        <a:schemeClr val="bg1">
+                          <a:lumMod val="85000"/>
+                        </a:schemeClr>
+                      </a:solidFill>
+                      <a:prstDash val="solid"/>
+                      <a:round/>
+                      <a:headEnd type="none" w="med" len="med"/>
+                      <a:tailEnd type="none" w="med" len="med"/>
+                    </a:lnT>
+                    <a:lnB w="12700" cap="flat" cmpd="sng" algn="ctr">
+                      <a:solidFill>
+                        <a:schemeClr val="bg1">
+                          <a:lumMod val="85000"/>
+                        </a:schemeClr>
+                      </a:solidFill>
+                      <a:prstDash val="solid"/>
+                      <a:round/>
+                      <a:headEnd type="none" w="med" len="med"/>
+                      <a:tailEnd type="none" w="med" len="med"/>
+                    </a:lnB>
+                  </a:tcPr>
+                </a:tc>
+              </a:tr>
+              <a:tr h="370840">
+                <a:tc>
+                  <a:txBody>
+                    <a:bodyPr/>
+                    <a:lstStyle/>
+                    <a:p>
+                      <a:pPr algn="ctr" rtl="0" fontAlgn="b"/>
+                      <a:r>
+                        <a:rPr lang="en-US" sz="1200" b="0">
+                          <a:effectLst/>
+                          <a:latin typeface="Microsoft New Tai Lue" pitchFamily="34" charset="0"/>
+                          <a:cs typeface="Microsoft New Tai Lue" pitchFamily="34" charset="0"/>
+                        </a:rPr>
+                        <a:t>width</a:t>
+                      </a:r>
+                    </a:p>
+                  </a:txBody>
+                  <a:tcPr marL="28575" marR="28575" marT="19050" marB="19050" anchor="ctr">
+                    <a:lnL w="12700" cap="flat" cmpd="sng" algn="ctr">
+                      <a:solidFill>
+                        <a:schemeClr val="bg1">
+                          <a:lumMod val="85000"/>
+                        </a:schemeClr>
+                      </a:solidFill>
+                      <a:prstDash val="solid"/>
+                      <a:round/>
+                      <a:headEnd type="none" w="med" len="med"/>
+                      <a:tailEnd type="none" w="med" len="med"/>
+                    </a:lnL>
+                    <a:lnR w="12700" cap="flat" cmpd="sng" algn="ctr">
+                      <a:solidFill>
+                        <a:schemeClr val="bg1">
+                          <a:lumMod val="85000"/>
+                        </a:schemeClr>
+                      </a:solidFill>
+                      <a:prstDash val="solid"/>
+                      <a:round/>
+                      <a:headEnd type="none" w="med" len="med"/>
+                      <a:tailEnd type="none" w="med" len="med"/>
+                    </a:lnR>
+                    <a:lnT w="12700" cap="flat" cmpd="sng" algn="ctr">
+                      <a:solidFill>
+                        <a:schemeClr val="bg1">
+                          <a:lumMod val="85000"/>
+                        </a:schemeClr>
+                      </a:solidFill>
+                      <a:prstDash val="solid"/>
+                      <a:round/>
+                      <a:headEnd type="none" w="med" len="med"/>
+                      <a:tailEnd type="none" w="med" len="med"/>
+                    </a:lnT>
+                    <a:lnB w="12700" cap="flat" cmpd="sng" algn="ctr">
+                      <a:solidFill>
+                        <a:schemeClr val="bg1">
+                          <a:lumMod val="85000"/>
+                        </a:schemeClr>
+                      </a:solidFill>
+                      <a:prstDash val="solid"/>
+                      <a:round/>
+                      <a:headEnd type="none" w="med" len="med"/>
+                      <a:tailEnd type="none" w="med" len="med"/>
+                    </a:lnB>
+                  </a:tcPr>
+                </a:tc>
+                <a:tc>
+                  <a:txBody>
+                    <a:bodyPr/>
+                    <a:lstStyle/>
+                    <a:p>
+                      <a:pPr algn="r" rtl="0" fontAlgn="b"/>
+                      <a:r>
+                        <a:rPr lang="en-US" sz="1200" b="0" dirty="0">
+                          <a:effectLst/>
+                          <a:latin typeface="Microsoft New Tai Lue" pitchFamily="34" charset="0"/>
+                          <a:cs typeface="Microsoft New Tai Lue" pitchFamily="34" charset="0"/>
+                        </a:rPr>
+                        <a:t>F</a:t>
+                      </a:r>
+                    </a:p>
+                  </a:txBody>
+                  <a:tcPr marL="28575" marR="28575" marT="19050" marB="19050" anchor="ctr">
+                    <a:lnL w="12700" cap="flat" cmpd="sng" algn="ctr">
+                      <a:solidFill>
+                        <a:schemeClr val="bg1">
+                          <a:lumMod val="85000"/>
+                        </a:schemeClr>
+                      </a:solidFill>
+                      <a:prstDash val="solid"/>
+                      <a:round/>
+                      <a:headEnd type="none" w="med" len="med"/>
+                      <a:tailEnd type="none" w="med" len="med"/>
+                    </a:lnL>
+                    <a:lnR w="12700" cap="flat" cmpd="sng" algn="ctr">
+                      <a:solidFill>
+                        <a:schemeClr val="bg1">
+                          <a:lumMod val="85000"/>
+                        </a:schemeClr>
+                      </a:solidFill>
+                      <a:prstDash val="solid"/>
+                      <a:round/>
+                      <a:headEnd type="none" w="med" len="med"/>
+                      <a:tailEnd type="none" w="med" len="med"/>
+                    </a:lnR>
+                    <a:lnT w="12700" cap="flat" cmpd="sng" algn="ctr">
+                      <a:solidFill>
+                        <a:schemeClr val="bg1">
+                          <a:lumMod val="85000"/>
+                        </a:schemeClr>
+                      </a:solidFill>
+                      <a:prstDash val="solid"/>
+                      <a:round/>
+                      <a:headEnd type="none" w="med" len="med"/>
+                      <a:tailEnd type="none" w="med" len="med"/>
+                    </a:lnT>
+                    <a:lnB w="12700" cap="flat" cmpd="sng" algn="ctr">
+                      <a:solidFill>
+                        <a:schemeClr val="bg1">
+                          <a:lumMod val="85000"/>
+                        </a:schemeClr>
+                      </a:solidFill>
+                      <a:prstDash val="solid"/>
+                      <a:round/>
+                      <a:headEnd type="none" w="med" len="med"/>
+                      <a:tailEnd type="none" w="med" len="med"/>
+                    </a:lnB>
+                  </a:tcPr>
+                </a:tc>
+              </a:tr>
+              <a:tr h="370840">
+                <a:tc>
+                  <a:txBody>
+                    <a:bodyPr/>
+                    <a:lstStyle/>
+                    <a:p>
+                      <a:pPr algn="ctr" rtl="0" fontAlgn="b"/>
+                      <a:r>
+                        <a:rPr lang="en-US" sz="1200" b="0">
+                          <a:effectLst/>
+                          <a:latin typeface="Microsoft New Tai Lue" pitchFamily="34" charset="0"/>
+                          <a:cs typeface="Microsoft New Tai Lue" pitchFamily="34" charset="0"/>
+                        </a:rPr>
+                        <a:t>height</a:t>
+                      </a:r>
+                    </a:p>
+                  </a:txBody>
+                  <a:tcPr marL="28575" marR="28575" marT="19050" marB="19050" anchor="ctr">
+                    <a:lnL w="12700" cap="flat" cmpd="sng" algn="ctr">
+                      <a:solidFill>
+                        <a:schemeClr val="bg1">
+                          <a:lumMod val="85000"/>
+                        </a:schemeClr>
+                      </a:solidFill>
+                      <a:prstDash val="solid"/>
+                      <a:round/>
+                      <a:headEnd type="none" w="med" len="med"/>
+                      <a:tailEnd type="none" w="med" len="med"/>
+                    </a:lnL>
+                    <a:lnR w="12700" cap="flat" cmpd="sng" algn="ctr">
+                      <a:solidFill>
+                        <a:schemeClr val="bg1">
+                          <a:lumMod val="85000"/>
+                        </a:schemeClr>
+                      </a:solidFill>
+                      <a:prstDash val="solid"/>
+                      <a:round/>
+                      <a:headEnd type="none" w="med" len="med"/>
+                      <a:tailEnd type="none" w="med" len="med"/>
+                    </a:lnR>
+                    <a:lnT w="12700" cap="flat" cmpd="sng" algn="ctr">
+                      <a:solidFill>
+                        <a:schemeClr val="bg1">
+                          <a:lumMod val="85000"/>
+                        </a:schemeClr>
+                      </a:solidFill>
+                      <a:prstDash val="solid"/>
+                      <a:round/>
+                      <a:headEnd type="none" w="med" len="med"/>
+                      <a:tailEnd type="none" w="med" len="med"/>
+                    </a:lnT>
+                    <a:lnB w="12700" cap="flat" cmpd="sng" algn="ctr">
+                      <a:solidFill>
+                        <a:schemeClr val="bg1">
+                          <a:lumMod val="85000"/>
+                        </a:schemeClr>
+                      </a:solidFill>
+                      <a:prstDash val="solid"/>
+                      <a:round/>
+                      <a:headEnd type="none" w="med" len="med"/>
+                      <a:tailEnd type="none" w="med" len="med"/>
+                    </a:lnB>
+                  </a:tcPr>
+                </a:tc>
+                <a:tc>
+                  <a:txBody>
+                    <a:bodyPr/>
+                    <a:lstStyle/>
+                    <a:p>
+                      <a:pPr algn="r" rtl="0" fontAlgn="b"/>
+                      <a:r>
+                        <a:rPr lang="en-US" sz="1200" b="0">
+                          <a:effectLst/>
+                          <a:latin typeface="Microsoft New Tai Lue" pitchFamily="34" charset="0"/>
+                          <a:cs typeface="Microsoft New Tai Lue" pitchFamily="34" charset="0"/>
+                        </a:rPr>
+                        <a:t>F</a:t>
+                      </a:r>
+                    </a:p>
+                  </a:txBody>
+                  <a:tcPr marL="28575" marR="28575" marT="19050" marB="19050" anchor="ctr">
+                    <a:lnL w="12700" cap="flat" cmpd="sng" algn="ctr">
+                      <a:solidFill>
+                        <a:schemeClr val="bg1">
+                          <a:lumMod val="85000"/>
+                        </a:schemeClr>
+                      </a:solidFill>
+                      <a:prstDash val="solid"/>
+                      <a:round/>
+                      <a:headEnd type="none" w="med" len="med"/>
+                      <a:tailEnd type="none" w="med" len="med"/>
+                    </a:lnL>
+                    <a:lnR w="12700" cap="flat" cmpd="sng" algn="ctr">
+                      <a:solidFill>
+                        <a:schemeClr val="bg1">
+                          <a:lumMod val="85000"/>
+                        </a:schemeClr>
+                      </a:solidFill>
+                      <a:prstDash val="solid"/>
+                      <a:round/>
+                      <a:headEnd type="none" w="med" len="med"/>
+                      <a:tailEnd type="none" w="med" len="med"/>
+                    </a:lnR>
+                    <a:lnT w="12700" cap="flat" cmpd="sng" algn="ctr">
+                      <a:solidFill>
+                        <a:schemeClr val="bg1">
+                          <a:lumMod val="85000"/>
+                        </a:schemeClr>
+                      </a:solidFill>
+                      <a:prstDash val="solid"/>
+                      <a:round/>
+                      <a:headEnd type="none" w="med" len="med"/>
+                      <a:tailEnd type="none" w="med" len="med"/>
+                    </a:lnT>
+                    <a:lnB w="12700" cap="flat" cmpd="sng" algn="ctr">
+                      <a:solidFill>
+                        <a:schemeClr val="bg1">
+                          <a:lumMod val="85000"/>
+                        </a:schemeClr>
+                      </a:solidFill>
+                      <a:prstDash val="solid"/>
+                      <a:round/>
+                      <a:headEnd type="none" w="med" len="med"/>
+                      <a:tailEnd type="none" w="med" len="med"/>
+                    </a:lnB>
+                  </a:tcPr>
+                </a:tc>
+              </a:tr>
+              <a:tr h="370840">
+                <a:tc>
+                  <a:txBody>
+                    <a:bodyPr/>
+                    <a:lstStyle/>
+                    <a:p>
+                      <a:pPr algn="ctr" rtl="0" fontAlgn="b"/>
+                      <a:r>
+                        <a:rPr lang="en-US" sz="1200" b="0">
+                          <a:effectLst/>
+                          <a:latin typeface="Microsoft New Tai Lue" pitchFamily="34" charset="0"/>
+                          <a:cs typeface="Microsoft New Tai Lue" pitchFamily="34" charset="0"/>
+                        </a:rPr>
+                        <a:t>brightness</a:t>
+                      </a:r>
+                    </a:p>
+                  </a:txBody>
+                  <a:tcPr marL="28575" marR="28575" marT="19050" marB="19050" anchor="ctr">
+                    <a:lnL w="12700" cap="flat" cmpd="sng" algn="ctr">
+                      <a:solidFill>
+                        <a:schemeClr val="bg1">
+                          <a:lumMod val="85000"/>
+                        </a:schemeClr>
+                      </a:solidFill>
+                      <a:prstDash val="solid"/>
+                      <a:round/>
+                      <a:headEnd type="none" w="med" len="med"/>
+                      <a:tailEnd type="none" w="med" len="med"/>
+                    </a:lnL>
+                    <a:lnR w="12700" cap="flat" cmpd="sng" algn="ctr">
+                      <a:solidFill>
+                        <a:schemeClr val="bg1">
+                          <a:lumMod val="85000"/>
+                        </a:schemeClr>
+                      </a:solidFill>
+                      <a:prstDash val="solid"/>
+                      <a:round/>
+                      <a:headEnd type="none" w="med" len="med"/>
+                      <a:tailEnd type="none" w="med" len="med"/>
+                    </a:lnR>
+                    <a:lnT w="12700" cap="flat" cmpd="sng" algn="ctr">
+                      <a:solidFill>
+                        <a:schemeClr val="bg1">
+                          <a:lumMod val="85000"/>
+                        </a:schemeClr>
+                      </a:solidFill>
+                      <a:prstDash val="solid"/>
+                      <a:round/>
+                      <a:headEnd type="none" w="med" len="med"/>
+                      <a:tailEnd type="none" w="med" len="med"/>
+                    </a:lnT>
+                    <a:lnB w="12700" cap="flat" cmpd="sng" algn="ctr">
+                      <a:solidFill>
+                        <a:schemeClr val="bg1">
+                          <a:lumMod val="85000"/>
+                        </a:schemeClr>
+                      </a:solidFill>
+                      <a:prstDash val="solid"/>
+                      <a:round/>
+                      <a:headEnd type="none" w="med" len="med"/>
+                      <a:tailEnd type="none" w="med" len="med"/>
+                    </a:lnB>
+                  </a:tcPr>
+                </a:tc>
+                <a:tc>
+                  <a:txBody>
+                    <a:bodyPr/>
+                    <a:lstStyle/>
+                    <a:p>
+                      <a:pPr algn="r" rtl="0" fontAlgn="b"/>
+                      <a:r>
+                        <a:rPr lang="en-US" sz="1200" b="0" dirty="0" smtClean="0">
+                          <a:effectLst/>
+                          <a:latin typeface="Microsoft New Tai Lue" pitchFamily="34" charset="0"/>
+                          <a:cs typeface="Microsoft New Tai Lue" pitchFamily="34" charset="0"/>
+                        </a:rPr>
+                        <a:t>[0.8-1.2]</a:t>
+                      </a:r>
+                      <a:endParaRPr lang="en-US" sz="1200" b="0" dirty="0">
+                        <a:effectLst/>
+                        <a:latin typeface="Microsoft New Tai Lue" pitchFamily="34" charset="0"/>
+                        <a:cs typeface="Microsoft New Tai Lue" pitchFamily="34" charset="0"/>
+                      </a:endParaRPr>
+                    </a:p>
+                  </a:txBody>
+                  <a:tcPr marL="28575" marR="28575" marT="19050" marB="19050" anchor="ctr">
+                    <a:lnL w="12700" cap="flat" cmpd="sng" algn="ctr">
+                      <a:solidFill>
+                        <a:schemeClr val="bg1">
+                          <a:lumMod val="85000"/>
+                        </a:schemeClr>
+                      </a:solidFill>
+                      <a:prstDash val="solid"/>
+                      <a:round/>
+                      <a:headEnd type="none" w="med" len="med"/>
+                      <a:tailEnd type="none" w="med" len="med"/>
+                    </a:lnL>
+                    <a:lnR w="12700" cap="flat" cmpd="sng" algn="ctr">
+                      <a:solidFill>
+                        <a:schemeClr val="bg1">
+                          <a:lumMod val="85000"/>
+                        </a:schemeClr>
+                      </a:solidFill>
+                      <a:prstDash val="solid"/>
+                      <a:round/>
+                      <a:headEnd type="none" w="med" len="med"/>
+                      <a:tailEnd type="none" w="med" len="med"/>
+                    </a:lnR>
+                    <a:lnT w="12700" cap="flat" cmpd="sng" algn="ctr">
+                      <a:solidFill>
+                        <a:schemeClr val="bg1">
+                          <a:lumMod val="85000"/>
+                        </a:schemeClr>
+                      </a:solidFill>
+                      <a:prstDash val="solid"/>
+                      <a:round/>
+                      <a:headEnd type="none" w="med" len="med"/>
+                      <a:tailEnd type="none" w="med" len="med"/>
+                    </a:lnT>
+                    <a:lnB w="12700" cap="flat" cmpd="sng" algn="ctr">
+                      <a:solidFill>
+                        <a:schemeClr val="bg1">
+                          <a:lumMod val="85000"/>
+                        </a:schemeClr>
+                      </a:solidFill>
+                      <a:prstDash val="solid"/>
+                      <a:round/>
+                      <a:headEnd type="none" w="med" len="med"/>
+                      <a:tailEnd type="none" w="med" len="med"/>
+                    </a:lnB>
+                  </a:tcPr>
+                </a:tc>
+              </a:tr>
+              <a:tr h="370840">
+                <a:tc>
+                  <a:txBody>
+                    <a:bodyPr/>
+                    <a:lstStyle/>
+                    <a:p>
+                      <a:pPr algn="ctr" rtl="0" fontAlgn="b"/>
+                      <a:r>
+                        <a:rPr lang="en-US" sz="1200" b="1" dirty="0" err="1">
+                          <a:effectLst/>
+                          <a:latin typeface="Microsoft New Tai Lue" pitchFamily="34" charset="0"/>
+                          <a:cs typeface="Microsoft New Tai Lue" pitchFamily="34" charset="0"/>
+                        </a:rPr>
+                        <a:t>val_acc</a:t>
+                      </a:r>
+                      <a:r>
+                        <a:rPr lang="en-US" sz="1200" b="1" dirty="0">
+                          <a:effectLst/>
+                          <a:latin typeface="Microsoft New Tai Lue" pitchFamily="34" charset="0"/>
+                          <a:cs typeface="Microsoft New Tai Lue" pitchFamily="34" charset="0"/>
+                        </a:rPr>
+                        <a:t>(max)</a:t>
+                      </a:r>
+                    </a:p>
+                  </a:txBody>
+                  <a:tcPr marL="28575" marR="28575" marT="19050" marB="19050" anchor="ctr">
+                    <a:lnL w="12700" cap="flat" cmpd="sng" algn="ctr">
+                      <a:solidFill>
+                        <a:schemeClr val="bg1">
+                          <a:lumMod val="85000"/>
+                        </a:schemeClr>
+                      </a:solidFill>
+                      <a:prstDash val="solid"/>
+                      <a:round/>
+                      <a:headEnd type="none" w="med" len="med"/>
+                      <a:tailEnd type="none" w="med" len="med"/>
+                    </a:lnL>
+                    <a:lnR w="12700" cap="flat" cmpd="sng" algn="ctr">
+                      <a:solidFill>
+                        <a:schemeClr val="bg1">
+                          <a:lumMod val="85000"/>
+                        </a:schemeClr>
+                      </a:solidFill>
+                      <a:prstDash val="solid"/>
+                      <a:round/>
+                      <a:headEnd type="none" w="med" len="med"/>
+                      <a:tailEnd type="none" w="med" len="med"/>
+                    </a:lnR>
+                    <a:lnT w="12700" cap="flat" cmpd="sng" algn="ctr">
+                      <a:solidFill>
+                        <a:schemeClr val="bg1">
+                          <a:lumMod val="85000"/>
+                        </a:schemeClr>
+                      </a:solidFill>
+                      <a:prstDash val="solid"/>
+                      <a:round/>
+                      <a:headEnd type="none" w="med" len="med"/>
+                      <a:tailEnd type="none" w="med" len="med"/>
+                    </a:lnT>
+                    <a:lnB w="12700" cap="flat" cmpd="sng" algn="ctr">
+                      <a:solidFill>
+                        <a:schemeClr val="bg1">
+                          <a:lumMod val="85000"/>
+                        </a:schemeClr>
+                      </a:solidFill>
+                      <a:prstDash val="solid"/>
+                      <a:round/>
+                      <a:headEnd type="none" w="med" len="med"/>
+                      <a:tailEnd type="none" w="med" len="med"/>
+                    </a:lnB>
+                  </a:tcPr>
+                </a:tc>
+                <a:tc>
+                  <a:txBody>
+                    <a:bodyPr/>
+                    <a:lstStyle/>
+                    <a:p>
+                      <a:pPr algn="r" rtl="0" fontAlgn="b"/>
+                      <a:r>
+                        <a:rPr lang="en-US" altLang="ko-KR" sz="1200" b="1" dirty="0" smtClean="0">
+                          <a:effectLst/>
+                          <a:latin typeface="Microsoft New Tai Lue" pitchFamily="34" charset="0"/>
+                          <a:cs typeface="Microsoft New Tai Lue" pitchFamily="34" charset="0"/>
+                        </a:rPr>
+                        <a:t>0.8647</a:t>
+                      </a:r>
+                      <a:endParaRPr lang="en-US" altLang="ko-KR" sz="1200" b="1" dirty="0">
+                        <a:effectLst/>
+                        <a:latin typeface="Microsoft New Tai Lue" pitchFamily="34" charset="0"/>
+                        <a:cs typeface="Microsoft New Tai Lue" pitchFamily="34" charset="0"/>
+                      </a:endParaRPr>
+                    </a:p>
+                  </a:txBody>
+                  <a:tcPr marL="28575" marR="28575" marT="19050" marB="19050" anchor="ctr">
+                    <a:lnL w="12700" cap="flat" cmpd="sng" algn="ctr">
+                      <a:solidFill>
+                        <a:schemeClr val="bg1">
+                          <a:lumMod val="85000"/>
+                        </a:schemeClr>
+                      </a:solidFill>
+                      <a:prstDash val="solid"/>
+                      <a:round/>
+                      <a:headEnd type="none" w="med" len="med"/>
+                      <a:tailEnd type="none" w="med" len="med"/>
+                    </a:lnL>
+                    <a:lnR w="12700" cap="flat" cmpd="sng" algn="ctr">
+                      <a:solidFill>
+                        <a:schemeClr val="bg1">
+                          <a:lumMod val="85000"/>
+                        </a:schemeClr>
+                      </a:solidFill>
+                      <a:prstDash val="solid"/>
+                      <a:round/>
+                      <a:headEnd type="none" w="med" len="med"/>
+                      <a:tailEnd type="none" w="med" len="med"/>
+                    </a:lnR>
+                    <a:lnT w="12700" cap="flat" cmpd="sng" algn="ctr">
+                      <a:solidFill>
+                        <a:schemeClr val="bg1">
+                          <a:lumMod val="85000"/>
+                        </a:schemeClr>
+                      </a:solidFill>
+                      <a:prstDash val="solid"/>
+                      <a:round/>
+                      <a:headEnd type="none" w="med" len="med"/>
+                      <a:tailEnd type="none" w="med" len="med"/>
+                    </a:lnT>
+                    <a:lnB w="12700" cap="flat" cmpd="sng" algn="ctr">
+                      <a:solidFill>
+                        <a:schemeClr val="bg1">
+                          <a:lumMod val="85000"/>
+                        </a:schemeClr>
+                      </a:solidFill>
+                      <a:prstDash val="solid"/>
+                      <a:round/>
+                      <a:headEnd type="none" w="med" len="med"/>
+                      <a:tailEnd type="none" w="med" len="med"/>
+                    </a:lnB>
+                  </a:tcPr>
+                </a:tc>
+              </a:tr>
+              <a:tr h="370840">
+                <a:tc>
+                  <a:txBody>
+                    <a:bodyPr/>
+                    <a:lstStyle/>
+                    <a:p>
+                      <a:pPr algn="ctr" rtl="0" fontAlgn="b"/>
+                      <a:r>
+                        <a:rPr lang="en-US" sz="1200" b="1" dirty="0" err="1">
+                          <a:effectLst/>
+                          <a:latin typeface="Microsoft New Tai Lue" pitchFamily="34" charset="0"/>
+                          <a:cs typeface="Microsoft New Tai Lue" pitchFamily="34" charset="0"/>
+                        </a:rPr>
+                        <a:t>val_acc</a:t>
+                      </a:r>
+                      <a:r>
+                        <a:rPr lang="en-US" sz="1200" b="1" dirty="0">
+                          <a:effectLst/>
+                          <a:latin typeface="Microsoft New Tai Lue" pitchFamily="34" charset="0"/>
+                          <a:cs typeface="Microsoft New Tai Lue" pitchFamily="34" charset="0"/>
+                        </a:rPr>
+                        <a:t>(final)</a:t>
+                      </a:r>
+                    </a:p>
+                  </a:txBody>
+                  <a:tcPr marL="28575" marR="28575" marT="19050" marB="19050" anchor="ctr">
+                    <a:lnL w="12700" cap="flat" cmpd="sng" algn="ctr">
+                      <a:solidFill>
+                        <a:schemeClr val="bg1">
+                          <a:lumMod val="85000"/>
+                        </a:schemeClr>
+                      </a:solidFill>
+                      <a:prstDash val="solid"/>
+                      <a:round/>
+                      <a:headEnd type="none" w="med" len="med"/>
+                      <a:tailEnd type="none" w="med" len="med"/>
+                    </a:lnL>
+                    <a:lnR w="12700" cap="flat" cmpd="sng" algn="ctr">
+                      <a:solidFill>
+                        <a:schemeClr val="bg1">
+                          <a:lumMod val="85000"/>
+                        </a:schemeClr>
+                      </a:solidFill>
+                      <a:prstDash val="solid"/>
+                      <a:round/>
+                      <a:headEnd type="none" w="med" len="med"/>
+                      <a:tailEnd type="none" w="med" len="med"/>
+                    </a:lnR>
+                    <a:lnT w="12700" cap="flat" cmpd="sng" algn="ctr">
+                      <a:solidFill>
+                        <a:schemeClr val="bg1">
+                          <a:lumMod val="85000"/>
+                        </a:schemeClr>
+                      </a:solidFill>
+                      <a:prstDash val="solid"/>
+                      <a:round/>
+                      <a:headEnd type="none" w="med" len="med"/>
+                      <a:tailEnd type="none" w="med" len="med"/>
+                    </a:lnT>
+                    <a:lnB w="12700" cap="flat" cmpd="sng" algn="ctr">
+                      <a:solidFill>
+                        <a:schemeClr val="bg1">
+                          <a:lumMod val="85000"/>
+                        </a:schemeClr>
+                      </a:solidFill>
+                      <a:prstDash val="solid"/>
+                      <a:round/>
+                      <a:headEnd type="none" w="med" len="med"/>
+                      <a:tailEnd type="none" w="med" len="med"/>
+                    </a:lnB>
+                  </a:tcPr>
+                </a:tc>
+                <a:tc>
+                  <a:txBody>
+                    <a:bodyPr/>
+                    <a:lstStyle/>
+                    <a:p>
+                      <a:pPr algn="r" rtl="0" fontAlgn="b"/>
+                      <a:endParaRPr lang="ko-KR" altLang="en-US" b="1" dirty="0">
+                        <a:effectLst/>
+                        <a:latin typeface="Microsoft New Tai Lue" pitchFamily="34" charset="0"/>
+                        <a:cs typeface="Microsoft New Tai Lue" pitchFamily="34" charset="0"/>
+                      </a:endParaRPr>
+                    </a:p>
+                  </a:txBody>
+                  <a:tcPr marL="28575" marR="28575" marT="19050" marB="19050" anchor="ctr">
+                    <a:lnL w="12700" cap="flat" cmpd="sng" algn="ctr">
+                      <a:solidFill>
+                        <a:schemeClr val="bg1">
+                          <a:lumMod val="85000"/>
+                        </a:schemeClr>
+                      </a:solidFill>
+                      <a:prstDash val="solid"/>
+                      <a:round/>
+                      <a:headEnd type="none" w="med" len="med"/>
+                      <a:tailEnd type="none" w="med" len="med"/>
+                    </a:lnL>
+                    <a:lnR w="12700" cap="flat" cmpd="sng" algn="ctr">
+                      <a:solidFill>
+                        <a:schemeClr val="bg1">
+                          <a:lumMod val="85000"/>
+                        </a:schemeClr>
+                      </a:solidFill>
+                      <a:prstDash val="solid"/>
+                      <a:round/>
+                      <a:headEnd type="none" w="med" len="med"/>
+                      <a:tailEnd type="none" w="med" len="med"/>
+                    </a:lnR>
+                    <a:lnT w="12700" cap="flat" cmpd="sng" algn="ctr">
+                      <a:solidFill>
+                        <a:schemeClr val="bg1">
+                          <a:lumMod val="85000"/>
+                        </a:schemeClr>
+                      </a:solidFill>
+                      <a:prstDash val="solid"/>
+                      <a:round/>
+                      <a:headEnd type="none" w="med" len="med"/>
+                      <a:tailEnd type="none" w="med" len="med"/>
+                    </a:lnT>
+                    <a:lnB w="12700" cap="flat" cmpd="sng" algn="ctr">
+                      <a:solidFill>
+                        <a:schemeClr val="bg1">
+                          <a:lumMod val="85000"/>
+                        </a:schemeClr>
+                      </a:solidFill>
+                      <a:prstDash val="solid"/>
+                      <a:round/>
+                      <a:headEnd type="none" w="med" len="med"/>
+                      <a:tailEnd type="none" w="med" len="med"/>
+                    </a:lnB>
+                  </a:tcPr>
+                </a:tc>
+              </a:tr>
+            </a:tbl>
+          </a:graphicData>
+        </a:graphic>
+      </p:graphicFrame>
+    </p:spTree>
+    <p:extLst>
+      <p:ext uri="{BB962C8B-B14F-4D97-AF65-F5344CB8AC3E}">
+        <p14:creationId xmlns:p14="http://schemas.microsoft.com/office/powerpoint/2010/main" val="1119468884"/>
+      </p:ext>
+    </p:extLst>
+  </p:cSld>
+  <p:clrMapOvr>
+    <a:masterClrMapping/>
+  </p:clrMapOvr>
+</p:sld>
+</file>
+
+<file path=ppt/slides/slide6.xml><?xml version="1.0" encoding="utf-8"?>
 <p:sld xmlns:a="http://schemas.openxmlformats.org/drawingml/2006/main" xmlns:r="http://schemas.openxmlformats.org/officeDocument/2006/relationships" xmlns:p="http://schemas.openxmlformats.org/presentationml/2006/main">
   <p:cSld>
     <p:spTree>
@@ -3900,10 +7140,10 @@
                 <a:latin typeface="나눔손글씨 펜" pitchFamily="66" charset="-127"/>
                 <a:ea typeface="나눔손글씨 펜" pitchFamily="66" charset="-127"/>
               </a:rPr>
-              <a:t>Day 01 </a:t>
-            </a:r>
-            <a:r>
-              <a:rPr lang="ko-KR" altLang="en-US" sz="4800" dirty="0" smtClean="0">
+              <a:t>Day </a:t>
+            </a:r>
+            <a:r>
+              <a:rPr lang="en-US" altLang="ko-KR" sz="4800" dirty="0" smtClean="0">
                 <a:effectLst>
                   <a:outerShdw blurRad="38100" dist="38100" dir="2700000" algn="tl">
                     <a:srgbClr val="000000">
@@ -3914,7 +7154,21 @@
                 <a:latin typeface="나눔손글씨 펜" pitchFamily="66" charset="-127"/>
                 <a:ea typeface="나눔손글씨 펜" pitchFamily="66" charset="-127"/>
               </a:rPr>
-              <a:t>목표</a:t>
+              <a:t>03 </a:t>
+            </a:r>
+            <a:r>
+              <a:rPr lang="ko-KR" altLang="en-US" sz="4800" dirty="0" err="1" smtClean="0">
+                <a:effectLst>
+                  <a:outerShdw blurRad="38100" dist="38100" dir="2700000" algn="tl">
+                    <a:srgbClr val="000000">
+                      <a:alpha val="43137"/>
+                    </a:srgbClr>
+                  </a:outerShdw>
+                </a:effectLst>
+                <a:latin typeface="나눔손글씨 펜" pitchFamily="66" charset="-127"/>
+                <a:ea typeface="나눔손글씨 펜" pitchFamily="66" charset="-127"/>
+              </a:rPr>
+              <a:t>투두리</a:t>
             </a:r>
             <a:endParaRPr lang="ko-KR" altLang="en-US" sz="4800" dirty="0">
               <a:effectLst>
@@ -4097,7 +7351,37 @@
                 <a:latin typeface="나눔손글씨 펜" pitchFamily="66" charset="-127"/>
                 <a:ea typeface="나눔손글씨 펜" pitchFamily="66" charset="-127"/>
               </a:rPr>
-              <a:t>Single </a:t>
+              <a:t>Single -&gt; Multi Object Detection</a:t>
+            </a:r>
+            <a:r>
+              <a:rPr lang="ko-KR" altLang="en-US" sz="2400" dirty="0">
+                <a:latin typeface="나눔손글씨 펜" pitchFamily="66" charset="-127"/>
+                <a:ea typeface="나눔손글씨 펜" pitchFamily="66" charset="-127"/>
+              </a:rPr>
+              <a:t> </a:t>
+            </a:r>
+            <a:r>
+              <a:rPr lang="ko-KR" altLang="en-US" sz="2400" dirty="0" smtClean="0">
+                <a:latin typeface="나눔손글씨 펜" pitchFamily="66" charset="-127"/>
+                <a:ea typeface="나눔손글씨 펜" pitchFamily="66" charset="-127"/>
+              </a:rPr>
+              <a:t>으로 모델 변경하기</a:t>
+            </a:r>
+            <a:endParaRPr lang="en-US" altLang="ko-KR" sz="2400" dirty="0" smtClean="0">
+              <a:latin typeface="나눔손글씨 펜" pitchFamily="66" charset="-127"/>
+              <a:ea typeface="나눔손글씨 펜" pitchFamily="66" charset="-127"/>
+            </a:endParaRPr>
+          </a:p>
+          <a:p>
+            <a:pPr marL="457200" indent="-457200">
+              <a:buAutoNum type="arabicPeriod"/>
+            </a:pPr>
+            <a:r>
+              <a:rPr lang="en-US" altLang="ko-KR" sz="2400" dirty="0" smtClean="0">
+                <a:latin typeface="나눔손글씨 펜" pitchFamily="66" charset="-127"/>
+                <a:ea typeface="나눔손글씨 펜" pitchFamily="66" charset="-127"/>
+              </a:rPr>
+              <a:t>Multi </a:t>
             </a:r>
             <a:r>
               <a:rPr lang="en-US" altLang="ko-KR" sz="2400" dirty="0" smtClean="0">
@@ -4111,14 +7395,143 @@
                 <a:latin typeface="나눔손글씨 펜" pitchFamily="66" charset="-127"/>
                 <a:ea typeface="나눔손글씨 펜" pitchFamily="66" charset="-127"/>
               </a:rPr>
-              <a:t>모델 </a:t>
+              <a:t>을 위한 데이터 분석 및 적용</a:t>
+            </a:r>
+            <a:r>
+              <a:rPr lang="en-US" altLang="ko-KR" sz="2400" dirty="0" smtClean="0">
+                <a:latin typeface="나눔손글씨 펜" pitchFamily="66" charset="-127"/>
+                <a:ea typeface="나눔손글씨 펜" pitchFamily="66" charset="-127"/>
+              </a:rPr>
+              <a:t/>
+            </a:r>
+            <a:br>
+              <a:rPr lang="en-US" altLang="ko-KR" sz="2400" dirty="0" smtClean="0">
+                <a:latin typeface="나눔손글씨 펜" pitchFamily="66" charset="-127"/>
+                <a:ea typeface="나눔손글씨 펜" pitchFamily="66" charset="-127"/>
+              </a:rPr>
+            </a:br>
+            <a:r>
+              <a:rPr lang="en-US" altLang="ko-KR" sz="2400" dirty="0" smtClean="0">
+                <a:solidFill>
+                  <a:schemeClr val="tx1">
+                    <a:lumMod val="50000"/>
+                    <a:lumOff val="50000"/>
+                  </a:schemeClr>
+                </a:solidFill>
+                <a:latin typeface="나눔손글씨 펜" pitchFamily="66" charset="-127"/>
+                <a:ea typeface="나눔손글씨 펜" pitchFamily="66" charset="-127"/>
+              </a:rPr>
+              <a:t>- </a:t>
+            </a:r>
+            <a:r>
+              <a:rPr lang="ko-KR" altLang="en-US" sz="2400" dirty="0" smtClean="0">
+                <a:solidFill>
+                  <a:schemeClr val="tx1">
+                    <a:lumMod val="50000"/>
+                    <a:lumOff val="50000"/>
+                  </a:schemeClr>
+                </a:solidFill>
+                <a:latin typeface="나눔손글씨 펜" pitchFamily="66" charset="-127"/>
+                <a:ea typeface="나눔손글씨 펜" pitchFamily="66" charset="-127"/>
+              </a:rPr>
+              <a:t>어디까지를 유의미한 데이터로 사용할 것인가</a:t>
+            </a:r>
+            <a:r>
+              <a:rPr lang="en-US" altLang="ko-KR" sz="2400" dirty="0" smtClean="0">
+                <a:solidFill>
+                  <a:schemeClr val="tx1">
+                    <a:lumMod val="50000"/>
+                    <a:lumOff val="50000"/>
+                  </a:schemeClr>
+                </a:solidFill>
+                <a:latin typeface="나눔손글씨 펜" pitchFamily="66" charset="-127"/>
+                <a:ea typeface="나눔손글씨 펜" pitchFamily="66" charset="-127"/>
+              </a:rPr>
+              <a:t>?</a:t>
+            </a:r>
+            <a:endParaRPr lang="en-US" altLang="ko-KR" sz="2400" dirty="0" smtClean="0">
+              <a:solidFill>
+                <a:schemeClr val="tx1">
+                  <a:lumMod val="50000"/>
+                  <a:lumOff val="50000"/>
+                </a:schemeClr>
+              </a:solidFill>
+              <a:latin typeface="나눔손글씨 펜" pitchFamily="66" charset="-127"/>
+              <a:ea typeface="나눔손글씨 펜" pitchFamily="66" charset="-127"/>
+            </a:endParaRPr>
+          </a:p>
+          <a:p>
+            <a:pPr marL="457200" indent="-457200">
+              <a:buFont typeface="Arial" pitchFamily="34" charset="0"/>
+              <a:buAutoNum type="arabicPeriod"/>
+            </a:pPr>
+            <a:r>
+              <a:rPr lang="en-US" altLang="ko-KR" sz="2400" dirty="0" smtClean="0">
+                <a:latin typeface="나눔손글씨 펜" pitchFamily="66" charset="-127"/>
+                <a:ea typeface="나눔손글씨 펜" pitchFamily="66" charset="-127"/>
+              </a:rPr>
+              <a:t>CAM </a:t>
             </a:r>
             <a:r>
               <a:rPr lang="ko-KR" altLang="en-US" sz="2400" dirty="0" smtClean="0">
                 <a:latin typeface="나눔손글씨 펜" pitchFamily="66" charset="-127"/>
                 <a:ea typeface="나눔손글씨 펜" pitchFamily="66" charset="-127"/>
               </a:rPr>
-              <a:t>구현</a:t>
+              <a:t>결과 표현방법 결정 및 정교화</a:t>
+            </a:r>
+            <a:r>
+              <a:rPr lang="en-US" altLang="ko-KR" sz="2400" dirty="0" smtClean="0">
+                <a:latin typeface="나눔손글씨 펜" pitchFamily="66" charset="-127"/>
+                <a:ea typeface="나눔손글씨 펜" pitchFamily="66" charset="-127"/>
+              </a:rPr>
+              <a:t/>
+            </a:r>
+            <a:br>
+              <a:rPr lang="en-US" altLang="ko-KR" sz="2400" dirty="0" smtClean="0">
+                <a:latin typeface="나눔손글씨 펜" pitchFamily="66" charset="-127"/>
+                <a:ea typeface="나눔손글씨 펜" pitchFamily="66" charset="-127"/>
+              </a:rPr>
+            </a:br>
+            <a:r>
+              <a:rPr lang="en-US" altLang="ko-KR" sz="2400" dirty="0" smtClean="0">
+                <a:latin typeface="나눔손글씨 펜" pitchFamily="66" charset="-127"/>
+                <a:ea typeface="나눔손글씨 펜" pitchFamily="66" charset="-127"/>
+              </a:rPr>
+              <a:t>- </a:t>
+            </a:r>
+            <a:r>
+              <a:rPr lang="ko-KR" altLang="en-US" sz="2400" dirty="0" smtClean="0">
+                <a:latin typeface="나눔손글씨 펜" pitchFamily="66" charset="-127"/>
+                <a:ea typeface="나눔손글씨 펜" pitchFamily="66" charset="-127"/>
+              </a:rPr>
+              <a:t>사각형</a:t>
+            </a:r>
+            <a:r>
+              <a:rPr lang="en-US" altLang="ko-KR" sz="2400" dirty="0" smtClean="0">
+                <a:latin typeface="나눔손글씨 펜" pitchFamily="66" charset="-127"/>
+                <a:ea typeface="나눔손글씨 펜" pitchFamily="66" charset="-127"/>
+              </a:rPr>
+              <a:t/>
+            </a:r>
+            <a:br>
+              <a:rPr lang="en-US" altLang="ko-KR" sz="2400" dirty="0" smtClean="0">
+                <a:latin typeface="나눔손글씨 펜" pitchFamily="66" charset="-127"/>
+                <a:ea typeface="나눔손글씨 펜" pitchFamily="66" charset="-127"/>
+              </a:rPr>
+            </a:br>
+            <a:r>
+              <a:rPr lang="en-US" altLang="ko-KR" sz="2400" dirty="0" smtClean="0">
+                <a:latin typeface="나눔손글씨 펜" pitchFamily="66" charset="-127"/>
+                <a:ea typeface="나눔손글씨 펜" pitchFamily="66" charset="-127"/>
+              </a:rPr>
+              <a:t>- </a:t>
+            </a:r>
+            <a:r>
+              <a:rPr lang="en-US" altLang="ko-KR" sz="2400" dirty="0" err="1" smtClean="0">
+                <a:latin typeface="나눔손글씨 펜" pitchFamily="66" charset="-127"/>
+                <a:ea typeface="나눔손글씨 펜" pitchFamily="66" charset="-127"/>
+              </a:rPr>
+              <a:t>HeatMap</a:t>
             </a:r>
             <a:endParaRPr lang="en-US" altLang="ko-KR" sz="2400" dirty="0" smtClean="0">
               <a:latin typeface="나눔손글씨 펜" pitchFamily="66" charset="-127"/>
@@ -4131,96 +7544,12 @@
               <a:buAutoNum type="arabicPeriod"/>
             </a:pPr>
             <a:r>
-              <a:rPr lang="en-US" altLang="ko-KR" sz="2400" dirty="0" smtClean="0">
+              <a:rPr lang="ko-KR" altLang="en-US" sz="2000" dirty="0" smtClean="0">
                 <a:latin typeface="나눔손글씨 펜" pitchFamily="66" charset="-127"/>
                 <a:ea typeface="나눔손글씨 펜" pitchFamily="66" charset="-127"/>
               </a:rPr>
-              <a:t>Classification </a:t>
-            </a:r>
-            <a:r>
-              <a:rPr lang="ko-KR" altLang="en-US" sz="2400" dirty="0" smtClean="0">
-                <a:latin typeface="나눔손글씨 펜" pitchFamily="66" charset="-127"/>
-                <a:ea typeface="나눔손글씨 펜" pitchFamily="66" charset="-127"/>
-              </a:rPr>
-              <a:t>목표치 달성</a:t>
-            </a:r>
-            <a:r>
-              <a:rPr lang="en-US" altLang="ko-KR" sz="2400" dirty="0" smtClean="0">
-                <a:latin typeface="나눔손글씨 펜" pitchFamily="66" charset="-127"/>
-                <a:ea typeface="나눔손글씨 펜" pitchFamily="66" charset="-127"/>
-              </a:rPr>
-              <a:t/>
-            </a:r>
-            <a:br>
-              <a:rPr lang="en-US" altLang="ko-KR" sz="2400" dirty="0" smtClean="0">
-                <a:latin typeface="나눔손글씨 펜" pitchFamily="66" charset="-127"/>
-                <a:ea typeface="나눔손글씨 펜" pitchFamily="66" charset="-127"/>
-              </a:rPr>
-            </a:br>
-            <a:r>
-              <a:rPr lang="en-US" altLang="ko-KR" sz="2400" dirty="0" smtClean="0">
-                <a:latin typeface="나눔손글씨 펜" pitchFamily="66" charset="-127"/>
-                <a:ea typeface="나눔손글씨 펜" pitchFamily="66" charset="-127"/>
-              </a:rPr>
-              <a:t>- </a:t>
-            </a:r>
-            <a:r>
-              <a:rPr lang="ko-KR" altLang="en-US" sz="2400" dirty="0">
-                <a:latin typeface="나눔손글씨 펜" pitchFamily="66" charset="-127"/>
-                <a:ea typeface="나눔손글씨 펜" pitchFamily="66" charset="-127"/>
-              </a:rPr>
-              <a:t>목표 </a:t>
-            </a:r>
-            <a:r>
-              <a:rPr lang="en-US" altLang="ko-KR" sz="2400" dirty="0">
-                <a:latin typeface="나눔손글씨 펜" pitchFamily="66" charset="-127"/>
-                <a:ea typeface="나눔손글씨 펜" pitchFamily="66" charset="-127"/>
-              </a:rPr>
-              <a:t>Accuracy: 92% </a:t>
-            </a:r>
-            <a:r>
-              <a:rPr lang="en-US" altLang="ko-KR" sz="2400" dirty="0" smtClean="0">
-                <a:latin typeface="나눔손글씨 펜" pitchFamily="66" charset="-127"/>
-                <a:ea typeface="나눔손글씨 펜" pitchFamily="66" charset="-127"/>
-              </a:rPr>
-              <a:t/>
-            </a:r>
-            <a:br>
-              <a:rPr lang="en-US" altLang="ko-KR" sz="2400" dirty="0" smtClean="0">
-                <a:latin typeface="나눔손글씨 펜" pitchFamily="66" charset="-127"/>
-                <a:ea typeface="나눔손글씨 펜" pitchFamily="66" charset="-127"/>
-              </a:rPr>
-            </a:br>
-            <a:r>
-              <a:rPr lang="en-US" altLang="ko-KR" sz="2400" dirty="0" smtClean="0">
-                <a:latin typeface="나눔손글씨 펜" pitchFamily="66" charset="-127"/>
-                <a:ea typeface="나눔손글씨 펜" pitchFamily="66" charset="-127"/>
-              </a:rPr>
-              <a:t>- </a:t>
-            </a:r>
-            <a:r>
-              <a:rPr lang="ko-KR" altLang="en-US" sz="2400" dirty="0" smtClean="0">
-                <a:latin typeface="나눔손글씨 펜" pitchFamily="66" charset="-127"/>
-                <a:ea typeface="나눔손글씨 펜" pitchFamily="66" charset="-127"/>
-              </a:rPr>
-              <a:t>현재 </a:t>
-            </a:r>
-            <a:r>
-              <a:rPr lang="en-US" altLang="ko-KR" sz="2400" dirty="0" smtClean="0">
-                <a:latin typeface="나눔손글씨 펜" pitchFamily="66" charset="-127"/>
-                <a:ea typeface="나눔손글씨 펜" pitchFamily="66" charset="-127"/>
-              </a:rPr>
-              <a:t>Accuracy : 83.93%</a:t>
-            </a:r>
-            <a:endParaRPr lang="en-US" altLang="ko-KR" sz="2400" dirty="0" smtClean="0">
-              <a:latin typeface="나눔손글씨 펜" pitchFamily="66" charset="-127"/>
-              <a:ea typeface="나눔손글씨 펜" pitchFamily="66" charset="-127"/>
-            </a:endParaRPr>
-          </a:p>
-          <a:p>
-            <a:pPr marL="0" indent="0">
-              <a:buNone/>
-            </a:pPr>
+              <a:t>모델 발전 과정 도식화</a:t>
+            </a:r>
             <a:endParaRPr lang="en-US" altLang="ko-KR" sz="2000" dirty="0">
               <a:latin typeface="나눔손글씨 펜" pitchFamily="66" charset="-127"/>
               <a:ea typeface="나눔손글씨 펜" pitchFamily="66" charset="-127"/>
@@ -4248,630 +7577,7 @@
 </p:sld>
 </file>
 
-<file path=ppt/slides/slide4.xml><?xml version="1.0" encoding="utf-8"?>
-<p:sld xmlns:a="http://schemas.openxmlformats.org/drawingml/2006/main" xmlns:r="http://schemas.openxmlformats.org/officeDocument/2006/relationships" xmlns:p="http://schemas.openxmlformats.org/presentationml/2006/main">
-  <p:cSld>
-    <p:spTree>
-      <p:nvGrpSpPr>
-        <p:cNvPr id="1" name=""/>
-        <p:cNvGrpSpPr/>
-        <p:nvPr/>
-      </p:nvGrpSpPr>
-      <p:grpSpPr>
-        <a:xfrm>
-          <a:off x="0" y="0"/>
-          <a:ext cx="0" cy="0"/>
-          <a:chOff x="0" y="0"/>
-          <a:chExt cx="0" cy="0"/>
-        </a:xfrm>
-      </p:grpSpPr>
-      <p:sp>
-        <p:nvSpPr>
-          <p:cNvPr id="4" name="제목 1"/>
-          <p:cNvSpPr>
-            <a:spLocks noGrp="1"/>
-          </p:cNvSpPr>
-          <p:nvPr/>
-        </p:nvSpPr>
-        <p:spPr>
-          <a:xfrm>
-            <a:off x="457200" y="377428"/>
-            <a:ext cx="8229600" cy="857250"/>
-          </a:xfrm>
-          <a:prstGeom prst="rect">
-            <a:avLst/>
-          </a:prstGeom>
-        </p:spPr>
-        <p:txBody>
-          <a:bodyPr vert="horz" lIns="91440" tIns="45720" rIns="91440" bIns="45720" rtlCol="0" anchor="ctr">
-            <a:normAutofit/>
-          </a:bodyPr>
-          <a:lstStyle>
-            <a:lvl1pPr algn="ctr" defTabSz="914400" rtl="0" eaLnBrk="1" latinLnBrk="1" hangingPunct="1">
-              <a:spcBef>
-                <a:spcPct val="0"/>
-              </a:spcBef>
-              <a:buNone/>
-              <a:defRPr sz="4400" kern="1200">
-                <a:solidFill>
-                  <a:schemeClr val="tx1"/>
-                </a:solidFill>
-                <a:latin typeface="+mj-lt"/>
-                <a:ea typeface="+mj-ea"/>
-                <a:cs typeface="+mj-cs"/>
-              </a:defRPr>
-            </a:lvl1pPr>
-          </a:lstStyle>
-          <a:p>
-            <a:r>
-              <a:rPr lang="en-US" altLang="ko-KR" sz="4800" dirty="0" smtClean="0">
-                <a:effectLst>
-                  <a:outerShdw blurRad="38100" dist="38100" dir="2700000" algn="tl">
-                    <a:srgbClr val="000000">
-                      <a:alpha val="43137"/>
-                    </a:srgbClr>
-                  </a:outerShdw>
-                </a:effectLst>
-                <a:latin typeface="나눔손글씨 펜" pitchFamily="66" charset="-127"/>
-                <a:ea typeface="나눔손글씨 펜" pitchFamily="66" charset="-127"/>
-              </a:rPr>
-              <a:t>Model </a:t>
-            </a:r>
-            <a:r>
-              <a:rPr lang="ko-KR" altLang="en-US" sz="4800" dirty="0" smtClean="0">
-                <a:effectLst>
-                  <a:outerShdw blurRad="38100" dist="38100" dir="2700000" algn="tl">
-                    <a:srgbClr val="000000">
-                      <a:alpha val="43137"/>
-                    </a:srgbClr>
-                  </a:outerShdw>
-                </a:effectLst>
-                <a:latin typeface="나눔손글씨 펜" pitchFamily="66" charset="-127"/>
-                <a:ea typeface="나눔손글씨 펜" pitchFamily="66" charset="-127"/>
-              </a:rPr>
-              <a:t>수정</a:t>
-            </a:r>
-            <a:endParaRPr lang="ko-KR" altLang="en-US" sz="4800" dirty="0">
-              <a:effectLst>
-                <a:outerShdw blurRad="38100" dist="38100" dir="2700000" algn="tl">
-                  <a:srgbClr val="000000">
-                    <a:alpha val="43137"/>
-                  </a:srgbClr>
-                </a:outerShdw>
-              </a:effectLst>
-              <a:latin typeface="나눔손글씨 펜" pitchFamily="66" charset="-127"/>
-              <a:ea typeface="나눔손글씨 펜" pitchFamily="66" charset="-127"/>
-            </a:endParaRPr>
-          </a:p>
-        </p:txBody>
-      </p:sp>
-      <p:sp>
-        <p:nvSpPr>
-          <p:cNvPr id="5" name="내용 개체 틀 2"/>
-          <p:cNvSpPr>
-            <a:spLocks noGrp="1"/>
-          </p:cNvSpPr>
-          <p:nvPr/>
-        </p:nvSpPr>
-        <p:spPr>
-          <a:xfrm>
-            <a:off x="457200" y="1371600"/>
-            <a:ext cx="8229600" cy="3394472"/>
-          </a:xfrm>
-          <a:prstGeom prst="rect">
-            <a:avLst/>
-          </a:prstGeom>
-        </p:spPr>
-        <p:txBody>
-          <a:bodyPr vert="horz" lIns="91440" tIns="45720" rIns="91440" bIns="45720" rtlCol="0">
-            <a:normAutofit fontScale="92500" lnSpcReduction="20000"/>
-          </a:bodyPr>
-          <a:lstStyle>
-            <a:lvl1pPr marL="342900" indent="-342900" algn="l" defTabSz="914400" rtl="0" eaLnBrk="1" latinLnBrk="1" hangingPunct="1">
-              <a:spcBef>
-                <a:spcPct val="20000"/>
-              </a:spcBef>
-              <a:buFont typeface="Arial" pitchFamily="34" charset="0"/>
-              <a:buChar char="•"/>
-              <a:defRPr sz="3200" kern="1200">
-                <a:solidFill>
-                  <a:schemeClr val="tx1"/>
-                </a:solidFill>
-                <a:latin typeface="+mn-lt"/>
-                <a:ea typeface="+mn-ea"/>
-                <a:cs typeface="+mn-cs"/>
-              </a:defRPr>
-            </a:lvl1pPr>
-            <a:lvl2pPr marL="742950" indent="-285750" algn="l" defTabSz="914400" rtl="0" eaLnBrk="1" latinLnBrk="1" hangingPunct="1">
-              <a:spcBef>
-                <a:spcPct val="20000"/>
-              </a:spcBef>
-              <a:buFont typeface="Arial" pitchFamily="34" charset="0"/>
-              <a:buChar char="–"/>
-              <a:defRPr sz="2800" kern="1200">
-                <a:solidFill>
-                  <a:schemeClr val="tx1"/>
-                </a:solidFill>
-                <a:latin typeface="+mn-lt"/>
-                <a:ea typeface="+mn-ea"/>
-                <a:cs typeface="+mn-cs"/>
-              </a:defRPr>
-            </a:lvl2pPr>
-            <a:lvl3pPr marL="1143000" indent="-228600" algn="l" defTabSz="914400" rtl="0" eaLnBrk="1" latinLnBrk="1" hangingPunct="1">
-              <a:spcBef>
-                <a:spcPct val="20000"/>
-              </a:spcBef>
-              <a:buFont typeface="Arial" pitchFamily="34" charset="0"/>
-              <a:buChar char="•"/>
-              <a:defRPr sz="2400" kern="1200">
-                <a:solidFill>
-                  <a:schemeClr val="tx1"/>
-                </a:solidFill>
-                <a:latin typeface="+mn-lt"/>
-                <a:ea typeface="+mn-ea"/>
-                <a:cs typeface="+mn-cs"/>
-              </a:defRPr>
-            </a:lvl3pPr>
-            <a:lvl4pPr marL="1600200" indent="-228600" algn="l" defTabSz="914400" rtl="0" eaLnBrk="1" latinLnBrk="1" hangingPunct="1">
-              <a:spcBef>
-                <a:spcPct val="20000"/>
-              </a:spcBef>
-              <a:buFont typeface="Arial" pitchFamily="34" charset="0"/>
-              <a:buChar char="–"/>
-              <a:defRPr sz="2000" kern="1200">
-                <a:solidFill>
-                  <a:schemeClr val="tx1"/>
-                </a:solidFill>
-                <a:latin typeface="+mn-lt"/>
-                <a:ea typeface="+mn-ea"/>
-                <a:cs typeface="+mn-cs"/>
-              </a:defRPr>
-            </a:lvl4pPr>
-            <a:lvl5pPr marL="2057400" indent="-228600" algn="l" defTabSz="914400" rtl="0" eaLnBrk="1" latinLnBrk="1" hangingPunct="1">
-              <a:spcBef>
-                <a:spcPct val="20000"/>
-              </a:spcBef>
-              <a:buFont typeface="Arial" pitchFamily="34" charset="0"/>
-              <a:buChar char="»"/>
-              <a:defRPr sz="2000" kern="1200">
-                <a:solidFill>
-                  <a:schemeClr val="tx1"/>
-                </a:solidFill>
-                <a:latin typeface="+mn-lt"/>
-                <a:ea typeface="+mn-ea"/>
-                <a:cs typeface="+mn-cs"/>
-              </a:defRPr>
-            </a:lvl5pPr>
-            <a:lvl6pPr marL="2514600" indent="-228600" algn="l" defTabSz="914400" rtl="0" eaLnBrk="1" latinLnBrk="1" hangingPunct="1">
-              <a:spcBef>
-                <a:spcPct val="20000"/>
-              </a:spcBef>
-              <a:buFont typeface="Arial" pitchFamily="34" charset="0"/>
-              <a:buChar char="•"/>
-              <a:defRPr sz="2000" kern="1200">
-                <a:solidFill>
-                  <a:schemeClr val="tx1"/>
-                </a:solidFill>
-                <a:latin typeface="+mn-lt"/>
-                <a:ea typeface="+mn-ea"/>
-                <a:cs typeface="+mn-cs"/>
-              </a:defRPr>
-            </a:lvl6pPr>
-            <a:lvl7pPr marL="2971800" indent="-228600" algn="l" defTabSz="914400" rtl="0" eaLnBrk="1" latinLnBrk="1" hangingPunct="1">
-              <a:spcBef>
-                <a:spcPct val="20000"/>
-              </a:spcBef>
-              <a:buFont typeface="Arial" pitchFamily="34" charset="0"/>
-              <a:buChar char="•"/>
-              <a:defRPr sz="2000" kern="1200">
-                <a:solidFill>
-                  <a:schemeClr val="tx1"/>
-                </a:solidFill>
-                <a:latin typeface="+mn-lt"/>
-                <a:ea typeface="+mn-ea"/>
-                <a:cs typeface="+mn-cs"/>
-              </a:defRPr>
-            </a:lvl7pPr>
-            <a:lvl8pPr marL="3429000" indent="-228600" algn="l" defTabSz="914400" rtl="0" eaLnBrk="1" latinLnBrk="1" hangingPunct="1">
-              <a:spcBef>
-                <a:spcPct val="20000"/>
-              </a:spcBef>
-              <a:buFont typeface="Arial" pitchFamily="34" charset="0"/>
-              <a:buChar char="•"/>
-              <a:defRPr sz="2000" kern="1200">
-                <a:solidFill>
-                  <a:schemeClr val="tx1"/>
-                </a:solidFill>
-                <a:latin typeface="+mn-lt"/>
-                <a:ea typeface="+mn-ea"/>
-                <a:cs typeface="+mn-cs"/>
-              </a:defRPr>
-            </a:lvl8pPr>
-            <a:lvl9pPr marL="3886200" indent="-228600" algn="l" defTabSz="914400" rtl="0" eaLnBrk="1" latinLnBrk="1" hangingPunct="1">
-              <a:spcBef>
-                <a:spcPct val="20000"/>
-              </a:spcBef>
-              <a:buFont typeface="Arial" pitchFamily="34" charset="0"/>
-              <a:buChar char="•"/>
-              <a:defRPr sz="2000" kern="1200">
-                <a:solidFill>
-                  <a:schemeClr val="tx1"/>
-                </a:solidFill>
-                <a:latin typeface="+mn-lt"/>
-                <a:ea typeface="+mn-ea"/>
-                <a:cs typeface="+mn-cs"/>
-              </a:defRPr>
-            </a:lvl9pPr>
-          </a:lstStyle>
-          <a:p>
-            <a:pPr marL="457200" indent="-457200">
-              <a:buAutoNum type="arabicPeriod"/>
-            </a:pPr>
-            <a:r>
-              <a:rPr lang="en-US" altLang="ko-KR" sz="2000" dirty="0" err="1" smtClean="0">
-                <a:latin typeface="나눔손글씨 펜" pitchFamily="66" charset="-127"/>
-                <a:ea typeface="나눔손글씨 펜" pitchFamily="66" charset="-127"/>
-              </a:rPr>
-              <a:t>Overfitting</a:t>
-            </a:r>
-            <a:r>
-              <a:rPr lang="en-US" altLang="ko-KR" sz="2000" dirty="0" smtClean="0">
-                <a:latin typeface="나눔손글씨 펜" pitchFamily="66" charset="-127"/>
-                <a:ea typeface="나눔손글씨 펜" pitchFamily="66" charset="-127"/>
-              </a:rPr>
-              <a:t> </a:t>
-            </a:r>
-            <a:r>
-              <a:rPr lang="ko-KR" altLang="en-US" sz="2000" dirty="0" smtClean="0">
-                <a:latin typeface="나눔손글씨 펜" pitchFamily="66" charset="-127"/>
-                <a:ea typeface="나눔손글씨 펜" pitchFamily="66" charset="-127"/>
-              </a:rPr>
-              <a:t>해결하기</a:t>
-            </a:r>
-            <a:r>
-              <a:rPr lang="en-US" altLang="ko-KR" sz="2000" dirty="0" smtClean="0">
-                <a:latin typeface="나눔손글씨 펜" pitchFamily="66" charset="-127"/>
-                <a:ea typeface="나눔손글씨 펜" pitchFamily="66" charset="-127"/>
-              </a:rPr>
-              <a:t/>
-            </a:r>
-            <a:br>
-              <a:rPr lang="en-US" altLang="ko-KR" sz="2000" dirty="0" smtClean="0">
-                <a:latin typeface="나눔손글씨 펜" pitchFamily="66" charset="-127"/>
-                <a:ea typeface="나눔손글씨 펜" pitchFamily="66" charset="-127"/>
-              </a:rPr>
-            </a:br>
-            <a:r>
-              <a:rPr lang="en-US" altLang="ko-KR" sz="2000" dirty="0" smtClean="0">
-                <a:latin typeface="나눔손글씨 펜" pitchFamily="66" charset="-127"/>
-                <a:ea typeface="나눔손글씨 펜" pitchFamily="66" charset="-127"/>
-              </a:rPr>
-              <a:t>	&gt; Learning rate Decay </a:t>
-            </a:r>
-            <a:r>
-              <a:rPr lang="ko-KR" altLang="en-US" sz="2000" dirty="0" smtClean="0">
-                <a:latin typeface="나눔손글씨 펜" pitchFamily="66" charset="-127"/>
-                <a:ea typeface="나눔손글씨 펜" pitchFamily="66" charset="-127"/>
-              </a:rPr>
-              <a:t>적용하기</a:t>
-            </a:r>
-            <a:r>
-              <a:rPr lang="en-US" altLang="ko-KR" sz="2000" dirty="0" smtClean="0">
-                <a:latin typeface="나눔손글씨 펜" pitchFamily="66" charset="-127"/>
-                <a:ea typeface="나눔손글씨 펜" pitchFamily="66" charset="-127"/>
-              </a:rPr>
-              <a:t/>
-            </a:r>
-            <a:br>
-              <a:rPr lang="en-US" altLang="ko-KR" sz="2000" dirty="0" smtClean="0">
-                <a:latin typeface="나눔손글씨 펜" pitchFamily="66" charset="-127"/>
-                <a:ea typeface="나눔손글씨 펜" pitchFamily="66" charset="-127"/>
-              </a:rPr>
-            </a:br>
-            <a:r>
-              <a:rPr lang="en-US" altLang="ko-KR" sz="2000" dirty="0" smtClean="0">
-                <a:latin typeface="나눔손글씨 펜" pitchFamily="66" charset="-127"/>
-                <a:ea typeface="나눔손글씨 펜" pitchFamily="66" charset="-127"/>
-              </a:rPr>
-              <a:t>	</a:t>
-            </a:r>
-            <a:r>
-              <a:rPr lang="en-US" altLang="ko-KR" sz="2000" dirty="0">
-                <a:latin typeface="나눔손글씨 펜" pitchFamily="66" charset="-127"/>
-                <a:ea typeface="나눔손글씨 펜" pitchFamily="66" charset="-127"/>
-              </a:rPr>
-              <a:t>&gt; </a:t>
-            </a:r>
-            <a:r>
-              <a:rPr lang="en-US" altLang="ko-KR" sz="2000" b="1" dirty="0">
-                <a:latin typeface="나눔손글씨 펜" pitchFamily="66" charset="-127"/>
-                <a:ea typeface="나눔손글씨 펜" pitchFamily="66" charset="-127"/>
-              </a:rPr>
-              <a:t>Data Augmentation</a:t>
-            </a:r>
-            <a:r>
-              <a:rPr lang="en-US" altLang="ko-KR" sz="2000" dirty="0">
-                <a:latin typeface="나눔손글씨 펜" pitchFamily="66" charset="-127"/>
-                <a:ea typeface="나눔손글씨 펜" pitchFamily="66" charset="-127"/>
-              </a:rPr>
-              <a:t>: zoom, width, height, </a:t>
-            </a:r>
-            <a:r>
-              <a:rPr lang="en-US" altLang="ko-KR" sz="2000" dirty="0" smtClean="0">
-                <a:latin typeface="나눔손글씨 펜" pitchFamily="66" charset="-127"/>
-                <a:ea typeface="나눔손글씨 펜" pitchFamily="66" charset="-127"/>
-              </a:rPr>
-              <a:t>brightness</a:t>
-            </a:r>
-          </a:p>
-          <a:p>
-            <a:pPr marL="457200" indent="-457200">
-              <a:buAutoNum type="arabicPeriod"/>
-            </a:pPr>
-            <a:endParaRPr lang="en-US" altLang="ko-KR" sz="2000" dirty="0">
-              <a:latin typeface="나눔손글씨 펜" pitchFamily="66" charset="-127"/>
-              <a:ea typeface="나눔손글씨 펜" pitchFamily="66" charset="-127"/>
-            </a:endParaRPr>
-          </a:p>
-          <a:p>
-            <a:pPr marL="457200" indent="-457200">
-              <a:buAutoNum type="arabicPeriod"/>
-            </a:pPr>
-            <a:r>
-              <a:rPr lang="en-US" altLang="ko-KR" sz="2000" dirty="0" smtClean="0">
-                <a:latin typeface="나눔손글씨 펜" pitchFamily="66" charset="-127"/>
-                <a:ea typeface="나눔손글씨 펜" pitchFamily="66" charset="-127"/>
-              </a:rPr>
-              <a:t>Accuracy </a:t>
-            </a:r>
-            <a:r>
-              <a:rPr lang="ko-KR" altLang="en-US" sz="2000" dirty="0" smtClean="0">
-                <a:latin typeface="나눔손글씨 펜" pitchFamily="66" charset="-127"/>
-                <a:ea typeface="나눔손글씨 펜" pitchFamily="66" charset="-127"/>
-              </a:rPr>
-              <a:t>높이기</a:t>
-            </a:r>
-            <a:r>
-              <a:rPr lang="en-US" altLang="ko-KR" sz="2000" dirty="0" smtClean="0">
-                <a:latin typeface="나눔손글씨 펜" pitchFamily="66" charset="-127"/>
-                <a:ea typeface="나눔손글씨 펜" pitchFamily="66" charset="-127"/>
-              </a:rPr>
-              <a:t/>
-            </a:r>
-            <a:br>
-              <a:rPr lang="en-US" altLang="ko-KR" sz="2000" dirty="0" smtClean="0">
-                <a:latin typeface="나눔손글씨 펜" pitchFamily="66" charset="-127"/>
-                <a:ea typeface="나눔손글씨 펜" pitchFamily="66" charset="-127"/>
-              </a:rPr>
-            </a:br>
-            <a:r>
-              <a:rPr lang="en-US" altLang="ko-KR" sz="2000" dirty="0" smtClean="0">
-                <a:latin typeface="나눔손글씨 펜" pitchFamily="66" charset="-127"/>
-                <a:ea typeface="나눔손글씨 펜" pitchFamily="66" charset="-127"/>
-              </a:rPr>
-              <a:t>	&gt; Learning rate : Decaying </a:t>
-            </a:r>
-            <a:r>
-              <a:rPr lang="ko-KR" altLang="en-US" sz="2000" dirty="0" smtClean="0">
-                <a:latin typeface="나눔손글씨 펜" pitchFamily="66" charset="-127"/>
-                <a:ea typeface="나눔손글씨 펜" pitchFamily="66" charset="-127"/>
-              </a:rPr>
-              <a:t>비율 조절</a:t>
-            </a:r>
-            <a:r>
-              <a:rPr lang="en-US" altLang="ko-KR" sz="2000" dirty="0" smtClean="0">
-                <a:latin typeface="나눔손글씨 펜" pitchFamily="66" charset="-127"/>
-                <a:ea typeface="나눔손글씨 펜" pitchFamily="66" charset="-127"/>
-              </a:rPr>
-              <a:t/>
-            </a:r>
-            <a:br>
-              <a:rPr lang="en-US" altLang="ko-KR" sz="2000" dirty="0" smtClean="0">
-                <a:latin typeface="나눔손글씨 펜" pitchFamily="66" charset="-127"/>
-                <a:ea typeface="나눔손글씨 펜" pitchFamily="66" charset="-127"/>
-              </a:rPr>
-            </a:br>
-            <a:r>
-              <a:rPr lang="en-US" altLang="ko-KR" sz="2000" dirty="0" smtClean="0">
-                <a:latin typeface="나눔손글씨 펜" pitchFamily="66" charset="-127"/>
-                <a:ea typeface="나눔손글씨 펜" pitchFamily="66" charset="-127"/>
-              </a:rPr>
-              <a:t>	&gt; Dense Layer </a:t>
-            </a:r>
-            <a:r>
-              <a:rPr lang="ko-KR" altLang="en-US" sz="2000" dirty="0" smtClean="0">
-                <a:latin typeface="나눔손글씨 펜" pitchFamily="66" charset="-127"/>
-                <a:ea typeface="나눔손글씨 펜" pitchFamily="66" charset="-127"/>
-              </a:rPr>
-              <a:t>빼기</a:t>
-            </a:r>
-            <a:endParaRPr lang="en-US" altLang="ko-KR" sz="2000" dirty="0" smtClean="0">
-              <a:latin typeface="나눔손글씨 펜" pitchFamily="66" charset="-127"/>
-              <a:ea typeface="나눔손글씨 펜" pitchFamily="66" charset="-127"/>
-            </a:endParaRPr>
-          </a:p>
-          <a:p>
-            <a:pPr marL="457200" indent="-457200">
-              <a:buAutoNum type="arabicPeriod"/>
-            </a:pPr>
-            <a:endParaRPr lang="en-US" altLang="ko-KR" sz="2000" dirty="0">
-              <a:latin typeface="나눔손글씨 펜" pitchFamily="66" charset="-127"/>
-              <a:ea typeface="나눔손글씨 펜" pitchFamily="66" charset="-127"/>
-            </a:endParaRPr>
-          </a:p>
-          <a:p>
-            <a:pPr marL="457200" indent="-457200">
-              <a:buAutoNum type="arabicPeriod"/>
-            </a:pPr>
-            <a:r>
-              <a:rPr lang="en-US" altLang="ko-KR" sz="2000" dirty="0" smtClean="0">
-                <a:latin typeface="나눔손글씨 펜" pitchFamily="66" charset="-127"/>
-                <a:ea typeface="나눔손글씨 펜" pitchFamily="66" charset="-127"/>
-              </a:rPr>
-              <a:t>Val Accuracy </a:t>
-            </a:r>
-            <a:r>
-              <a:rPr lang="ko-KR" altLang="en-US" sz="2000" dirty="0" smtClean="0">
-                <a:latin typeface="나눔손글씨 펜" pitchFamily="66" charset="-127"/>
-                <a:ea typeface="나눔손글씨 펜" pitchFamily="66" charset="-127"/>
-              </a:rPr>
-              <a:t>높이기</a:t>
-            </a:r>
-            <a:r>
-              <a:rPr lang="en-US" altLang="ko-KR" sz="2000" dirty="0" smtClean="0">
-                <a:latin typeface="나눔손글씨 펜" pitchFamily="66" charset="-127"/>
-                <a:ea typeface="나눔손글씨 펜" pitchFamily="66" charset="-127"/>
-              </a:rPr>
-              <a:t/>
-            </a:r>
-            <a:br>
-              <a:rPr lang="en-US" altLang="ko-KR" sz="2000" dirty="0" smtClean="0">
-                <a:latin typeface="나눔손글씨 펜" pitchFamily="66" charset="-127"/>
-                <a:ea typeface="나눔손글씨 펜" pitchFamily="66" charset="-127"/>
-              </a:rPr>
-            </a:br>
-            <a:r>
-              <a:rPr lang="en-US" altLang="ko-KR" sz="2000" dirty="0" smtClean="0">
-                <a:latin typeface="나눔손글씨 펜" pitchFamily="66" charset="-127"/>
-                <a:ea typeface="나눔손글씨 펜" pitchFamily="66" charset="-127"/>
-              </a:rPr>
-              <a:t>	&gt; freeze Layer </a:t>
-            </a:r>
-            <a:r>
-              <a:rPr lang="ko-KR" altLang="en-US" sz="2000" dirty="0" smtClean="0">
-                <a:latin typeface="나눔손글씨 펜" pitchFamily="66" charset="-127"/>
-                <a:ea typeface="나눔손글씨 펜" pitchFamily="66" charset="-127"/>
-              </a:rPr>
-              <a:t>조절</a:t>
-            </a:r>
-            <a:r>
-              <a:rPr lang="en-US" altLang="ko-KR" sz="2000" dirty="0" smtClean="0">
-                <a:latin typeface="나눔손글씨 펜" pitchFamily="66" charset="-127"/>
-                <a:ea typeface="나눔손글씨 펜" pitchFamily="66" charset="-127"/>
-              </a:rPr>
-              <a:t/>
-            </a:r>
-            <a:br>
-              <a:rPr lang="en-US" altLang="ko-KR" sz="2000" dirty="0" smtClean="0">
-                <a:latin typeface="나눔손글씨 펜" pitchFamily="66" charset="-127"/>
-                <a:ea typeface="나눔손글씨 펜" pitchFamily="66" charset="-127"/>
-              </a:rPr>
-            </a:br>
-            <a:r>
-              <a:rPr lang="en-US" altLang="ko-KR" sz="2000" dirty="0" smtClean="0">
-                <a:latin typeface="나눔손글씨 펜" pitchFamily="66" charset="-127"/>
-                <a:ea typeface="나눔손글씨 펜" pitchFamily="66" charset="-127"/>
-              </a:rPr>
-              <a:t>	&gt; SDG Optimizer </a:t>
-            </a:r>
-            <a:r>
-              <a:rPr lang="ko-KR" altLang="en-US" sz="2000" dirty="0" smtClean="0">
-                <a:latin typeface="나눔손글씨 펜" pitchFamily="66" charset="-127"/>
-                <a:ea typeface="나눔손글씨 펜" pitchFamily="66" charset="-127"/>
-              </a:rPr>
-              <a:t>사용 </a:t>
-            </a:r>
-            <a:r>
-              <a:rPr lang="en-US" altLang="ko-KR" sz="2000" dirty="0" smtClean="0">
-                <a:latin typeface="나눔손글씨 펜" pitchFamily="66" charset="-127"/>
-                <a:ea typeface="나눔손글씨 펜" pitchFamily="66" charset="-127"/>
-              </a:rPr>
-              <a:t>(Learning Rate</a:t>
-            </a:r>
-            <a:r>
-              <a:rPr lang="ko-KR" altLang="en-US" sz="2000" dirty="0" smtClean="0">
-                <a:latin typeface="나눔손글씨 펜" pitchFamily="66" charset="-127"/>
-                <a:ea typeface="나눔손글씨 펜" pitchFamily="66" charset="-127"/>
-              </a:rPr>
-              <a:t>가 직관적으로 조절되는 모델</a:t>
-            </a:r>
-            <a:r>
-              <a:rPr lang="en-US" altLang="ko-KR" sz="2000" dirty="0" smtClean="0">
-                <a:latin typeface="나눔손글씨 펜" pitchFamily="66" charset="-127"/>
-                <a:ea typeface="나눔손글씨 펜" pitchFamily="66" charset="-127"/>
-              </a:rPr>
-              <a:t>)</a:t>
-            </a:r>
-            <a:br>
-              <a:rPr lang="en-US" altLang="ko-KR" sz="2000" dirty="0" smtClean="0">
-                <a:latin typeface="나눔손글씨 펜" pitchFamily="66" charset="-127"/>
-                <a:ea typeface="나눔손글씨 펜" pitchFamily="66" charset="-127"/>
-              </a:rPr>
-            </a:br>
-            <a:r>
-              <a:rPr lang="en-US" altLang="ko-KR" sz="2000" dirty="0" smtClean="0">
-                <a:latin typeface="나눔손글씨 펜" pitchFamily="66" charset="-127"/>
-                <a:ea typeface="나눔손글씨 펜" pitchFamily="66" charset="-127"/>
-              </a:rPr>
-              <a:t>	&gt; </a:t>
-            </a:r>
-            <a:r>
-              <a:rPr lang="en-US" altLang="ko-KR" sz="2000" dirty="0" err="1" smtClean="0">
-                <a:latin typeface="나눔손글씨 펜" pitchFamily="66" charset="-127"/>
-                <a:ea typeface="나눔손글씨 펜" pitchFamily="66" charset="-127"/>
-              </a:rPr>
-              <a:t>GoogLeNet</a:t>
-            </a:r>
-            <a:r>
-              <a:rPr lang="en-US" altLang="ko-KR" sz="2000" dirty="0" smtClean="0">
-                <a:latin typeface="나눔손글씨 펜" pitchFamily="66" charset="-127"/>
-                <a:ea typeface="나눔손글씨 펜" pitchFamily="66" charset="-127"/>
-              </a:rPr>
-              <a:t> </a:t>
-            </a:r>
-            <a:r>
-              <a:rPr lang="ko-KR" altLang="en-US" sz="2000" dirty="0" smtClean="0">
-                <a:latin typeface="나눔손글씨 펜" pitchFamily="66" charset="-127"/>
-                <a:ea typeface="나눔손글씨 펜" pitchFamily="66" charset="-127"/>
-              </a:rPr>
-              <a:t>모델 구축</a:t>
-            </a:r>
-            <a:endParaRPr lang="en-US" altLang="ko-KR" sz="2000" dirty="0" smtClean="0">
-              <a:latin typeface="나눔손글씨 펜" pitchFamily="66" charset="-127"/>
-              <a:ea typeface="나눔손글씨 펜" pitchFamily="66" charset="-127"/>
-            </a:endParaRPr>
-          </a:p>
-          <a:p>
-            <a:pPr marL="457200" indent="-457200">
-              <a:buAutoNum type="arabicPeriod"/>
-            </a:pPr>
-            <a:endParaRPr lang="en-US" altLang="ko-KR" sz="2000" dirty="0">
-              <a:latin typeface="나눔손글씨 펜" pitchFamily="66" charset="-127"/>
-              <a:ea typeface="나눔손글씨 펜" pitchFamily="66" charset="-127"/>
-            </a:endParaRPr>
-          </a:p>
-          <a:p>
-            <a:pPr marL="0" indent="0">
-              <a:buNone/>
-            </a:pPr>
-            <a:endParaRPr lang="ko-KR" altLang="en-US" sz="2000" dirty="0">
-              <a:latin typeface="나눔손글씨 펜" pitchFamily="66" charset="-127"/>
-              <a:ea typeface="나눔손글씨 펜" pitchFamily="66" charset="-127"/>
-            </a:endParaRPr>
-          </a:p>
-        </p:txBody>
-      </p:sp>
-    </p:spTree>
-    <p:extLst>
-      <p:ext uri="{BB962C8B-B14F-4D97-AF65-F5344CB8AC3E}">
-        <p14:creationId xmlns:p14="http://schemas.microsoft.com/office/powerpoint/2010/main" val="3496968513"/>
-      </p:ext>
-    </p:extLst>
-  </p:cSld>
-  <p:clrMapOvr>
-    <a:masterClrMapping/>
-  </p:clrMapOvr>
-  <p:timing>
-    <p:tnLst>
-      <p:par>
-        <p:cTn id="1" dur="indefinite" restart="never" nodeType="tmRoot"/>
-      </p:par>
-    </p:tnLst>
-  </p:timing>
-</p:sld>
-</file>
-
-<file path=ppt/slides/slide5.xml><?xml version="1.0" encoding="utf-8"?>
+<file path=ppt/slides/slide7.xml><?xml version="1.0" encoding="utf-8"?>
 <p:sld xmlns:a="http://schemas.openxmlformats.org/drawingml/2006/main" xmlns:r="http://schemas.openxmlformats.org/officeDocument/2006/relationships" xmlns:p="http://schemas.openxmlformats.org/presentationml/2006/main">
   <p:cSld>
     <p:spTree>
@@ -14212,1811 +16918,6 @@
       </p:par>
     </p:tnLst>
   </p:timing>
-</p:sld>
-</file>
-
-<file path=ppt/slides/slide6.xml><?xml version="1.0" encoding="utf-8"?>
-<p:sld xmlns:a="http://schemas.openxmlformats.org/drawingml/2006/main" xmlns:r="http://schemas.openxmlformats.org/officeDocument/2006/relationships" xmlns:p="http://schemas.openxmlformats.org/presentationml/2006/main">
-  <p:cSld>
-    <p:spTree>
-      <p:nvGrpSpPr>
-        <p:cNvPr id="1" name=""/>
-        <p:cNvGrpSpPr/>
-        <p:nvPr/>
-      </p:nvGrpSpPr>
-      <p:grpSpPr>
-        <a:xfrm>
-          <a:off x="0" y="0"/>
-          <a:ext cx="0" cy="0"/>
-          <a:chOff x="0" y="0"/>
-          <a:chExt cx="0" cy="0"/>
-        </a:xfrm>
-      </p:grpSpPr>
-      <p:sp>
-        <p:nvSpPr>
-          <p:cNvPr id="3" name="제목 1"/>
-          <p:cNvSpPr>
-            <a:spLocks noGrp="1"/>
-          </p:cNvSpPr>
-          <p:nvPr/>
-        </p:nvSpPr>
-        <p:spPr>
-          <a:xfrm>
-            <a:off x="457200" y="377428"/>
-            <a:ext cx="8229600" cy="857250"/>
-          </a:xfrm>
-          <a:prstGeom prst="rect">
-            <a:avLst/>
-          </a:prstGeom>
-        </p:spPr>
-        <p:txBody>
-          <a:bodyPr vert="horz" lIns="91440" tIns="45720" rIns="91440" bIns="45720" rtlCol="0" anchor="ctr">
-            <a:normAutofit/>
-          </a:bodyPr>
-          <a:lstStyle>
-            <a:lvl1pPr algn="ctr" defTabSz="914400" rtl="0" eaLnBrk="1" latinLnBrk="1" hangingPunct="1">
-              <a:spcBef>
-                <a:spcPct val="0"/>
-              </a:spcBef>
-              <a:buNone/>
-              <a:defRPr sz="4400" kern="1200">
-                <a:solidFill>
-                  <a:schemeClr val="tx1"/>
-                </a:solidFill>
-                <a:latin typeface="+mj-lt"/>
-                <a:ea typeface="+mj-ea"/>
-                <a:cs typeface="+mj-cs"/>
-              </a:defRPr>
-            </a:lvl1pPr>
-          </a:lstStyle>
-          <a:p>
-            <a:r>
-              <a:rPr lang="en-US" altLang="ko-KR" sz="4800" dirty="0" smtClean="0">
-                <a:effectLst>
-                  <a:outerShdw blurRad="38100" dist="38100" dir="2700000" algn="tl">
-                    <a:srgbClr val="000000">
-                      <a:alpha val="43137"/>
-                    </a:srgbClr>
-                  </a:outerShdw>
-                </a:effectLst>
-                <a:latin typeface="나눔손글씨 펜" pitchFamily="66" charset="-127"/>
-                <a:ea typeface="나눔손글씨 펜" pitchFamily="66" charset="-127"/>
-              </a:rPr>
-              <a:t>Status – </a:t>
-            </a:r>
-            <a:r>
-              <a:rPr lang="en-US" altLang="ko-KR" sz="4800" dirty="0" err="1" smtClean="0">
-                <a:effectLst>
-                  <a:outerShdw blurRad="38100" dist="38100" dir="2700000" algn="tl">
-                    <a:srgbClr val="000000">
-                      <a:alpha val="43137"/>
-                    </a:srgbClr>
-                  </a:outerShdw>
-                </a:effectLst>
-                <a:latin typeface="나눔손글씨 펜" pitchFamily="66" charset="-127"/>
-                <a:ea typeface="나눔손글씨 펜" pitchFamily="66" charset="-127"/>
-              </a:rPr>
-              <a:t>GoogLeNet</a:t>
-            </a:r>
-            <a:endParaRPr lang="ko-KR" altLang="en-US" sz="4800" dirty="0">
-              <a:effectLst>
-                <a:outerShdw blurRad="38100" dist="38100" dir="2700000" algn="tl">
-                  <a:srgbClr val="000000">
-                    <a:alpha val="43137"/>
-                  </a:srgbClr>
-                </a:outerShdw>
-              </a:effectLst>
-              <a:latin typeface="나눔손글씨 펜" pitchFamily="66" charset="-127"/>
-              <a:ea typeface="나눔손글씨 펜" pitchFamily="66" charset="-127"/>
-            </a:endParaRPr>
-          </a:p>
-        </p:txBody>
-      </p:sp>
-      <p:graphicFrame>
-        <p:nvGraphicFramePr>
-          <p:cNvPr id="6" name="표 5"/>
-          <p:cNvGraphicFramePr>
-            <a:graphicFrameLocks noGrp="1"/>
-          </p:cNvGraphicFramePr>
-          <p:nvPr>
-            <p:extLst>
-              <p:ext uri="{D42A27DB-BD31-4B8C-83A1-F6EECF244321}">
-                <p14:modId xmlns:p14="http://schemas.microsoft.com/office/powerpoint/2010/main" val="2948317614"/>
-              </p:ext>
-            </p:extLst>
-          </p:nvPr>
-        </p:nvGraphicFramePr>
-        <p:xfrm>
-          <a:off x="683568" y="1851670"/>
-          <a:ext cx="2952328" cy="2440940"/>
-        </p:xfrm>
-        <a:graphic>
-          <a:graphicData uri="http://schemas.openxmlformats.org/drawingml/2006/table">
-            <a:tbl>
-              <a:tblPr firstRow="1" bandRow="1">
-                <a:tableStyleId>{2D5ABB26-0587-4C30-8999-92F81FD0307C}</a:tableStyleId>
-              </a:tblPr>
-              <a:tblGrid>
-                <a:gridCol w="1476164"/>
-                <a:gridCol w="1476164"/>
-              </a:tblGrid>
-              <a:tr h="370840">
-                <a:tc>
-                  <a:txBody>
-                    <a:bodyPr/>
-                    <a:lstStyle/>
-                    <a:p>
-                      <a:pPr algn="ctr" rtl="0" fontAlgn="b"/>
-                      <a:r>
-                        <a:rPr lang="en-US" sz="1200" b="0" dirty="0" err="1">
-                          <a:effectLst/>
-                          <a:latin typeface="Microsoft New Tai Lue" pitchFamily="34" charset="0"/>
-                          <a:ea typeface="나눔스퀘어" pitchFamily="50" charset="-127"/>
-                          <a:cs typeface="Microsoft New Tai Lue" pitchFamily="34" charset="0"/>
-                        </a:rPr>
-                        <a:t>img_size</a:t>
-                      </a:r>
-                      <a:endParaRPr lang="en-US" sz="1200" b="0" dirty="0">
-                        <a:effectLst/>
-                        <a:latin typeface="Microsoft New Tai Lue" pitchFamily="34" charset="0"/>
-                        <a:ea typeface="나눔스퀘어" pitchFamily="50" charset="-127"/>
-                        <a:cs typeface="Microsoft New Tai Lue" pitchFamily="34" charset="0"/>
-                      </a:endParaRPr>
-                    </a:p>
-                  </a:txBody>
-                  <a:tcPr marL="16747" marR="16747" marT="11165" marB="11165" anchor="ctr">
-                    <a:lnL w="12700" cap="flat" cmpd="sng" algn="ctr">
-                      <a:solidFill>
-                        <a:schemeClr val="bg1">
-                          <a:lumMod val="85000"/>
-                        </a:schemeClr>
-                      </a:solidFill>
-                      <a:prstDash val="solid"/>
-                      <a:round/>
-                      <a:headEnd type="none" w="med" len="med"/>
-                      <a:tailEnd type="none" w="med" len="med"/>
-                    </a:lnL>
-                    <a:lnR w="12700" cap="flat" cmpd="sng" algn="ctr">
-                      <a:solidFill>
-                        <a:schemeClr val="bg1">
-                          <a:lumMod val="85000"/>
-                        </a:schemeClr>
-                      </a:solidFill>
-                      <a:prstDash val="solid"/>
-                      <a:round/>
-                      <a:headEnd type="none" w="med" len="med"/>
-                      <a:tailEnd type="none" w="med" len="med"/>
-                    </a:lnR>
-                    <a:lnT w="12700" cap="flat" cmpd="sng" algn="ctr">
-                      <a:solidFill>
-                        <a:schemeClr val="bg1">
-                          <a:lumMod val="85000"/>
-                        </a:schemeClr>
-                      </a:solidFill>
-                      <a:prstDash val="solid"/>
-                      <a:round/>
-                      <a:headEnd type="none" w="med" len="med"/>
-                      <a:tailEnd type="none" w="med" len="med"/>
-                    </a:lnT>
-                    <a:lnB w="12700" cap="flat" cmpd="sng" algn="ctr">
-                      <a:solidFill>
-                        <a:schemeClr val="bg1">
-                          <a:lumMod val="85000"/>
-                        </a:schemeClr>
-                      </a:solidFill>
-                      <a:prstDash val="solid"/>
-                      <a:round/>
-                      <a:headEnd type="none" w="med" len="med"/>
-                      <a:tailEnd type="none" w="med" len="med"/>
-                    </a:lnB>
-                  </a:tcPr>
-                </a:tc>
-                <a:tc>
-                  <a:txBody>
-                    <a:bodyPr/>
-                    <a:lstStyle/>
-                    <a:p>
-                      <a:pPr algn="r" rtl="0" fontAlgn="b"/>
-                      <a:r>
-                        <a:rPr lang="en-US" altLang="ko-KR" sz="1200" b="0" dirty="0">
-                          <a:effectLst/>
-                          <a:latin typeface="Microsoft New Tai Lue" pitchFamily="34" charset="0"/>
-                          <a:cs typeface="Microsoft New Tai Lue" pitchFamily="34" charset="0"/>
-                        </a:rPr>
-                        <a:t>112*112</a:t>
-                      </a:r>
-                    </a:p>
-                  </a:txBody>
-                  <a:tcPr marL="28575" marR="28575" marT="19050" marB="19050" anchor="ctr">
-                    <a:lnL w="12700" cap="flat" cmpd="sng" algn="ctr">
-                      <a:solidFill>
-                        <a:schemeClr val="bg1">
-                          <a:lumMod val="85000"/>
-                        </a:schemeClr>
-                      </a:solidFill>
-                      <a:prstDash val="solid"/>
-                      <a:round/>
-                      <a:headEnd type="none" w="med" len="med"/>
-                      <a:tailEnd type="none" w="med" len="med"/>
-                    </a:lnL>
-                    <a:lnR w="12700" cap="flat" cmpd="sng" algn="ctr">
-                      <a:solidFill>
-                        <a:schemeClr val="bg1">
-                          <a:lumMod val="85000"/>
-                        </a:schemeClr>
-                      </a:solidFill>
-                      <a:prstDash val="solid"/>
-                      <a:round/>
-                      <a:headEnd type="none" w="med" len="med"/>
-                      <a:tailEnd type="none" w="med" len="med"/>
-                    </a:lnR>
-                    <a:lnT w="12700" cap="flat" cmpd="sng" algn="ctr">
-                      <a:solidFill>
-                        <a:schemeClr val="bg1">
-                          <a:lumMod val="85000"/>
-                        </a:schemeClr>
-                      </a:solidFill>
-                      <a:prstDash val="solid"/>
-                      <a:round/>
-                      <a:headEnd type="none" w="med" len="med"/>
-                      <a:tailEnd type="none" w="med" len="med"/>
-                    </a:lnT>
-                    <a:lnB w="12700" cap="flat" cmpd="sng" algn="ctr">
-                      <a:solidFill>
-                        <a:schemeClr val="bg1">
-                          <a:lumMod val="85000"/>
-                        </a:schemeClr>
-                      </a:solidFill>
-                      <a:prstDash val="solid"/>
-                      <a:round/>
-                      <a:headEnd type="none" w="med" len="med"/>
-                      <a:tailEnd type="none" w="med" len="med"/>
-                    </a:lnB>
-                  </a:tcPr>
-                </a:tc>
-              </a:tr>
-              <a:tr h="370840">
-                <a:tc>
-                  <a:txBody>
-                    <a:bodyPr/>
-                    <a:lstStyle/>
-                    <a:p>
-                      <a:pPr algn="ctr" rtl="0" fontAlgn="b"/>
-                      <a:r>
-                        <a:rPr lang="en-US" sz="1200" b="0" dirty="0" err="1">
-                          <a:effectLst/>
-                          <a:latin typeface="Microsoft New Tai Lue" pitchFamily="34" charset="0"/>
-                          <a:ea typeface="나눔스퀘어" pitchFamily="50" charset="-127"/>
-                          <a:cs typeface="Microsoft New Tai Lue" pitchFamily="34" charset="0"/>
-                        </a:rPr>
-                        <a:t>batch_size</a:t>
-                      </a:r>
-                      <a:endParaRPr lang="en-US" sz="1200" b="0" dirty="0">
-                        <a:effectLst/>
-                        <a:latin typeface="Microsoft New Tai Lue" pitchFamily="34" charset="0"/>
-                        <a:ea typeface="나눔스퀘어" pitchFamily="50" charset="-127"/>
-                        <a:cs typeface="Microsoft New Tai Lue" pitchFamily="34" charset="0"/>
-                      </a:endParaRPr>
-                    </a:p>
-                  </a:txBody>
-                  <a:tcPr marL="16747" marR="16747" marT="11165" marB="11165" anchor="ctr">
-                    <a:lnL w="12700" cap="flat" cmpd="sng" algn="ctr">
-                      <a:solidFill>
-                        <a:schemeClr val="bg1">
-                          <a:lumMod val="85000"/>
-                        </a:schemeClr>
-                      </a:solidFill>
-                      <a:prstDash val="solid"/>
-                      <a:round/>
-                      <a:headEnd type="none" w="med" len="med"/>
-                      <a:tailEnd type="none" w="med" len="med"/>
-                    </a:lnL>
-                    <a:lnR w="12700" cap="flat" cmpd="sng" algn="ctr">
-                      <a:solidFill>
-                        <a:schemeClr val="bg1">
-                          <a:lumMod val="85000"/>
-                        </a:schemeClr>
-                      </a:solidFill>
-                      <a:prstDash val="solid"/>
-                      <a:round/>
-                      <a:headEnd type="none" w="med" len="med"/>
-                      <a:tailEnd type="none" w="med" len="med"/>
-                    </a:lnR>
-                    <a:lnT w="12700" cap="flat" cmpd="sng" algn="ctr">
-                      <a:solidFill>
-                        <a:schemeClr val="bg1">
-                          <a:lumMod val="85000"/>
-                        </a:schemeClr>
-                      </a:solidFill>
-                      <a:prstDash val="solid"/>
-                      <a:round/>
-                      <a:headEnd type="none" w="med" len="med"/>
-                      <a:tailEnd type="none" w="med" len="med"/>
-                    </a:lnT>
-                    <a:lnB w="12700" cap="flat" cmpd="sng" algn="ctr">
-                      <a:solidFill>
-                        <a:schemeClr val="bg1">
-                          <a:lumMod val="85000"/>
-                        </a:schemeClr>
-                      </a:solidFill>
-                      <a:prstDash val="solid"/>
-                      <a:round/>
-                      <a:headEnd type="none" w="med" len="med"/>
-                      <a:tailEnd type="none" w="med" len="med"/>
-                    </a:lnB>
-                  </a:tcPr>
-                </a:tc>
-                <a:tc>
-                  <a:txBody>
-                    <a:bodyPr/>
-                    <a:lstStyle/>
-                    <a:p>
-                      <a:pPr algn="r" rtl="0" fontAlgn="b"/>
-                      <a:r>
-                        <a:rPr lang="en-US" altLang="ko-KR" sz="1200" b="0" dirty="0">
-                          <a:effectLst/>
-                          <a:latin typeface="Microsoft New Tai Lue" pitchFamily="34" charset="0"/>
-                          <a:cs typeface="Microsoft New Tai Lue" pitchFamily="34" charset="0"/>
-                        </a:rPr>
-                        <a:t>128</a:t>
-                      </a:r>
-                    </a:p>
-                  </a:txBody>
-                  <a:tcPr marL="28575" marR="28575" marT="19050" marB="19050" anchor="ctr">
-                    <a:lnL w="12700" cap="flat" cmpd="sng" algn="ctr">
-                      <a:solidFill>
-                        <a:schemeClr val="bg1">
-                          <a:lumMod val="85000"/>
-                        </a:schemeClr>
-                      </a:solidFill>
-                      <a:prstDash val="solid"/>
-                      <a:round/>
-                      <a:headEnd type="none" w="med" len="med"/>
-                      <a:tailEnd type="none" w="med" len="med"/>
-                    </a:lnL>
-                    <a:lnR w="12700" cap="flat" cmpd="sng" algn="ctr">
-                      <a:solidFill>
-                        <a:schemeClr val="bg1">
-                          <a:lumMod val="85000"/>
-                        </a:schemeClr>
-                      </a:solidFill>
-                      <a:prstDash val="solid"/>
-                      <a:round/>
-                      <a:headEnd type="none" w="med" len="med"/>
-                      <a:tailEnd type="none" w="med" len="med"/>
-                    </a:lnR>
-                    <a:lnT w="12700" cap="flat" cmpd="sng" algn="ctr">
-                      <a:solidFill>
-                        <a:schemeClr val="bg1">
-                          <a:lumMod val="85000"/>
-                        </a:schemeClr>
-                      </a:solidFill>
-                      <a:prstDash val="solid"/>
-                      <a:round/>
-                      <a:headEnd type="none" w="med" len="med"/>
-                      <a:tailEnd type="none" w="med" len="med"/>
-                    </a:lnT>
-                    <a:lnB w="12700" cap="flat" cmpd="sng" algn="ctr">
-                      <a:solidFill>
-                        <a:schemeClr val="bg1">
-                          <a:lumMod val="85000"/>
-                        </a:schemeClr>
-                      </a:solidFill>
-                      <a:prstDash val="solid"/>
-                      <a:round/>
-                      <a:headEnd type="none" w="med" len="med"/>
-                      <a:tailEnd type="none" w="med" len="med"/>
-                    </a:lnB>
-                  </a:tcPr>
-                </a:tc>
-              </a:tr>
-              <a:tr h="370840">
-                <a:tc>
-                  <a:txBody>
-                    <a:bodyPr/>
-                    <a:lstStyle/>
-                    <a:p>
-                      <a:pPr algn="ctr" rtl="0" fontAlgn="b"/>
-                      <a:r>
-                        <a:rPr lang="en-US" sz="1200" b="0" dirty="0">
-                          <a:effectLst/>
-                          <a:latin typeface="Microsoft New Tai Lue" pitchFamily="34" charset="0"/>
-                          <a:ea typeface="나눔스퀘어" pitchFamily="50" charset="-127"/>
-                          <a:cs typeface="Microsoft New Tai Lue" pitchFamily="34" charset="0"/>
-                        </a:rPr>
-                        <a:t>epoch</a:t>
-                      </a:r>
-                    </a:p>
-                  </a:txBody>
-                  <a:tcPr marL="16747" marR="16747" marT="11165" marB="11165" anchor="ctr">
-                    <a:lnL w="12700" cap="flat" cmpd="sng" algn="ctr">
-                      <a:solidFill>
-                        <a:schemeClr val="bg1">
-                          <a:lumMod val="85000"/>
-                        </a:schemeClr>
-                      </a:solidFill>
-                      <a:prstDash val="solid"/>
-                      <a:round/>
-                      <a:headEnd type="none" w="med" len="med"/>
-                      <a:tailEnd type="none" w="med" len="med"/>
-                    </a:lnL>
-                    <a:lnR w="12700" cap="flat" cmpd="sng" algn="ctr">
-                      <a:solidFill>
-                        <a:schemeClr val="bg1">
-                          <a:lumMod val="85000"/>
-                        </a:schemeClr>
-                      </a:solidFill>
-                      <a:prstDash val="solid"/>
-                      <a:round/>
-                      <a:headEnd type="none" w="med" len="med"/>
-                      <a:tailEnd type="none" w="med" len="med"/>
-                    </a:lnR>
-                    <a:lnT w="12700" cap="flat" cmpd="sng" algn="ctr">
-                      <a:solidFill>
-                        <a:schemeClr val="bg1">
-                          <a:lumMod val="85000"/>
-                        </a:schemeClr>
-                      </a:solidFill>
-                      <a:prstDash val="solid"/>
-                      <a:round/>
-                      <a:headEnd type="none" w="med" len="med"/>
-                      <a:tailEnd type="none" w="med" len="med"/>
-                    </a:lnT>
-                    <a:lnB w="12700" cap="flat" cmpd="sng" algn="ctr">
-                      <a:solidFill>
-                        <a:schemeClr val="bg1">
-                          <a:lumMod val="85000"/>
-                        </a:schemeClr>
-                      </a:solidFill>
-                      <a:prstDash val="solid"/>
-                      <a:round/>
-                      <a:headEnd type="none" w="med" len="med"/>
-                      <a:tailEnd type="none" w="med" len="med"/>
-                    </a:lnB>
-                  </a:tcPr>
-                </a:tc>
-                <a:tc>
-                  <a:txBody>
-                    <a:bodyPr/>
-                    <a:lstStyle/>
-                    <a:p>
-                      <a:pPr algn="r" rtl="0" fontAlgn="b"/>
-                      <a:r>
-                        <a:rPr lang="en-US" altLang="ko-KR" sz="1200" b="0" dirty="0">
-                          <a:effectLst/>
-                          <a:latin typeface="Microsoft New Tai Lue" pitchFamily="34" charset="0"/>
-                          <a:cs typeface="Microsoft New Tai Lue" pitchFamily="34" charset="0"/>
-                        </a:rPr>
-                        <a:t>100</a:t>
-                      </a:r>
-                    </a:p>
-                  </a:txBody>
-                  <a:tcPr marL="28575" marR="28575" marT="19050" marB="19050" anchor="ctr">
-                    <a:lnL w="12700" cap="flat" cmpd="sng" algn="ctr">
-                      <a:solidFill>
-                        <a:schemeClr val="bg1">
-                          <a:lumMod val="85000"/>
-                        </a:schemeClr>
-                      </a:solidFill>
-                      <a:prstDash val="solid"/>
-                      <a:round/>
-                      <a:headEnd type="none" w="med" len="med"/>
-                      <a:tailEnd type="none" w="med" len="med"/>
-                    </a:lnL>
-                    <a:lnR w="12700" cap="flat" cmpd="sng" algn="ctr">
-                      <a:solidFill>
-                        <a:schemeClr val="bg1">
-                          <a:lumMod val="85000"/>
-                        </a:schemeClr>
-                      </a:solidFill>
-                      <a:prstDash val="solid"/>
-                      <a:round/>
-                      <a:headEnd type="none" w="med" len="med"/>
-                      <a:tailEnd type="none" w="med" len="med"/>
-                    </a:lnR>
-                    <a:lnT w="12700" cap="flat" cmpd="sng" algn="ctr">
-                      <a:solidFill>
-                        <a:schemeClr val="bg1">
-                          <a:lumMod val="85000"/>
-                        </a:schemeClr>
-                      </a:solidFill>
-                      <a:prstDash val="solid"/>
-                      <a:round/>
-                      <a:headEnd type="none" w="med" len="med"/>
-                      <a:tailEnd type="none" w="med" len="med"/>
-                    </a:lnT>
-                    <a:lnB w="12700" cap="flat" cmpd="sng" algn="ctr">
-                      <a:solidFill>
-                        <a:schemeClr val="bg1">
-                          <a:lumMod val="85000"/>
-                        </a:schemeClr>
-                      </a:solidFill>
-                      <a:prstDash val="solid"/>
-                      <a:round/>
-                      <a:headEnd type="none" w="med" len="med"/>
-                      <a:tailEnd type="none" w="med" len="med"/>
-                    </a:lnB>
-                  </a:tcPr>
-                </a:tc>
-              </a:tr>
-              <a:tr h="370840">
-                <a:tc>
-                  <a:txBody>
-                    <a:bodyPr/>
-                    <a:lstStyle/>
-                    <a:p>
-                      <a:pPr algn="ctr" rtl="0" fontAlgn="b"/>
-                      <a:r>
-                        <a:rPr lang="en-US" sz="1200" b="0" dirty="0" err="1">
-                          <a:effectLst/>
-                          <a:latin typeface="Microsoft New Tai Lue" pitchFamily="34" charset="0"/>
-                          <a:ea typeface="나눔스퀘어" pitchFamily="50" charset="-127"/>
-                          <a:cs typeface="Microsoft New Tai Lue" pitchFamily="34" charset="0"/>
-                        </a:rPr>
-                        <a:t>seed_num</a:t>
-                      </a:r>
-                      <a:endParaRPr lang="en-US" sz="1200" b="0" dirty="0">
-                        <a:effectLst/>
-                        <a:latin typeface="Microsoft New Tai Lue" pitchFamily="34" charset="0"/>
-                        <a:ea typeface="나눔스퀘어" pitchFamily="50" charset="-127"/>
-                        <a:cs typeface="Microsoft New Tai Lue" pitchFamily="34" charset="0"/>
-                      </a:endParaRPr>
-                    </a:p>
-                  </a:txBody>
-                  <a:tcPr marL="16747" marR="16747" marT="11165" marB="11165" anchor="ctr">
-                    <a:lnL w="12700" cap="flat" cmpd="sng" algn="ctr">
-                      <a:solidFill>
-                        <a:schemeClr val="bg1">
-                          <a:lumMod val="85000"/>
-                        </a:schemeClr>
-                      </a:solidFill>
-                      <a:prstDash val="solid"/>
-                      <a:round/>
-                      <a:headEnd type="none" w="med" len="med"/>
-                      <a:tailEnd type="none" w="med" len="med"/>
-                    </a:lnL>
-                    <a:lnR w="12700" cap="flat" cmpd="sng" algn="ctr">
-                      <a:solidFill>
-                        <a:schemeClr val="bg1">
-                          <a:lumMod val="85000"/>
-                        </a:schemeClr>
-                      </a:solidFill>
-                      <a:prstDash val="solid"/>
-                      <a:round/>
-                      <a:headEnd type="none" w="med" len="med"/>
-                      <a:tailEnd type="none" w="med" len="med"/>
-                    </a:lnR>
-                    <a:lnT w="12700" cap="flat" cmpd="sng" algn="ctr">
-                      <a:solidFill>
-                        <a:schemeClr val="bg1">
-                          <a:lumMod val="85000"/>
-                        </a:schemeClr>
-                      </a:solidFill>
-                      <a:prstDash val="solid"/>
-                      <a:round/>
-                      <a:headEnd type="none" w="med" len="med"/>
-                      <a:tailEnd type="none" w="med" len="med"/>
-                    </a:lnT>
-                    <a:lnB w="12700" cap="flat" cmpd="sng" algn="ctr">
-                      <a:solidFill>
-                        <a:schemeClr val="bg1">
-                          <a:lumMod val="85000"/>
-                        </a:schemeClr>
-                      </a:solidFill>
-                      <a:prstDash val="solid"/>
-                      <a:round/>
-                      <a:headEnd type="none" w="med" len="med"/>
-                      <a:tailEnd type="none" w="med" len="med"/>
-                    </a:lnB>
-                  </a:tcPr>
-                </a:tc>
-                <a:tc>
-                  <a:txBody>
-                    <a:bodyPr/>
-                    <a:lstStyle/>
-                    <a:p>
-                      <a:pPr algn="r" rtl="0" fontAlgn="b"/>
-                      <a:r>
-                        <a:rPr lang="en-US" sz="1200" b="0" dirty="0">
-                          <a:effectLst/>
-                          <a:latin typeface="Microsoft New Tai Lue" pitchFamily="34" charset="0"/>
-                          <a:cs typeface="Microsoft New Tai Lue" pitchFamily="34" charset="0"/>
-                        </a:rPr>
-                        <a:t>F</a:t>
-                      </a:r>
-                    </a:p>
-                  </a:txBody>
-                  <a:tcPr marL="28575" marR="28575" marT="19050" marB="19050" anchor="ctr">
-                    <a:lnL w="12700" cap="flat" cmpd="sng" algn="ctr">
-                      <a:solidFill>
-                        <a:schemeClr val="bg1">
-                          <a:lumMod val="85000"/>
-                        </a:schemeClr>
-                      </a:solidFill>
-                      <a:prstDash val="solid"/>
-                      <a:round/>
-                      <a:headEnd type="none" w="med" len="med"/>
-                      <a:tailEnd type="none" w="med" len="med"/>
-                    </a:lnL>
-                    <a:lnR w="12700" cap="flat" cmpd="sng" algn="ctr">
-                      <a:solidFill>
-                        <a:schemeClr val="bg1">
-                          <a:lumMod val="85000"/>
-                        </a:schemeClr>
-                      </a:solidFill>
-                      <a:prstDash val="solid"/>
-                      <a:round/>
-                      <a:headEnd type="none" w="med" len="med"/>
-                      <a:tailEnd type="none" w="med" len="med"/>
-                    </a:lnR>
-                    <a:lnT w="12700" cap="flat" cmpd="sng" algn="ctr">
-                      <a:solidFill>
-                        <a:schemeClr val="bg1">
-                          <a:lumMod val="85000"/>
-                        </a:schemeClr>
-                      </a:solidFill>
-                      <a:prstDash val="solid"/>
-                      <a:round/>
-                      <a:headEnd type="none" w="med" len="med"/>
-                      <a:tailEnd type="none" w="med" len="med"/>
-                    </a:lnT>
-                    <a:lnB w="12700" cap="flat" cmpd="sng" algn="ctr">
-                      <a:solidFill>
-                        <a:schemeClr val="bg1">
-                          <a:lumMod val="85000"/>
-                        </a:schemeClr>
-                      </a:solidFill>
-                      <a:prstDash val="solid"/>
-                      <a:round/>
-                      <a:headEnd type="none" w="med" len="med"/>
-                      <a:tailEnd type="none" w="med" len="med"/>
-                    </a:lnB>
-                  </a:tcPr>
-                </a:tc>
-              </a:tr>
-              <a:tr h="370840">
-                <a:tc>
-                  <a:txBody>
-                    <a:bodyPr/>
-                    <a:lstStyle/>
-                    <a:p>
-                      <a:pPr algn="ctr" rtl="0" fontAlgn="b"/>
-                      <a:r>
-                        <a:rPr lang="en-US" sz="1200" b="0" i="0" dirty="0" err="1">
-                          <a:effectLst/>
-                          <a:latin typeface="Microsoft New Tai Lue" pitchFamily="34" charset="0"/>
-                          <a:ea typeface="나눔스퀘어" pitchFamily="50" charset="-127"/>
-                          <a:cs typeface="Microsoft New Tai Lue" pitchFamily="34" charset="0"/>
-                        </a:rPr>
-                        <a:t>Fine_Tuning</a:t>
-                      </a:r>
-                      <a:endParaRPr lang="en-US" sz="1200" b="0" dirty="0">
-                        <a:effectLst/>
-                        <a:latin typeface="Microsoft New Tai Lue" pitchFamily="34" charset="0"/>
-                        <a:ea typeface="나눔스퀘어" pitchFamily="50" charset="-127"/>
-                        <a:cs typeface="Microsoft New Tai Lue" pitchFamily="34" charset="0"/>
-                      </a:endParaRPr>
-                    </a:p>
-                  </a:txBody>
-                  <a:tcPr marL="16747" marR="16747" marT="11165" marB="11165" anchor="ctr">
-                    <a:lnL w="12700" cap="flat" cmpd="sng" algn="ctr">
-                      <a:solidFill>
-                        <a:schemeClr val="bg1">
-                          <a:lumMod val="85000"/>
-                        </a:schemeClr>
-                      </a:solidFill>
-                      <a:prstDash val="solid"/>
-                      <a:round/>
-                      <a:headEnd type="none" w="med" len="med"/>
-                      <a:tailEnd type="none" w="med" len="med"/>
-                    </a:lnL>
-                    <a:lnR w="12700" cap="flat" cmpd="sng" algn="ctr">
-                      <a:solidFill>
-                        <a:schemeClr val="bg1">
-                          <a:lumMod val="85000"/>
-                        </a:schemeClr>
-                      </a:solidFill>
-                      <a:prstDash val="solid"/>
-                      <a:round/>
-                      <a:headEnd type="none" w="med" len="med"/>
-                      <a:tailEnd type="none" w="med" len="med"/>
-                    </a:lnR>
-                    <a:lnT w="12700" cap="flat" cmpd="sng" algn="ctr">
-                      <a:solidFill>
-                        <a:schemeClr val="bg1">
-                          <a:lumMod val="85000"/>
-                        </a:schemeClr>
-                      </a:solidFill>
-                      <a:prstDash val="solid"/>
-                      <a:round/>
-                      <a:headEnd type="none" w="med" len="med"/>
-                      <a:tailEnd type="none" w="med" len="med"/>
-                    </a:lnT>
-                    <a:lnB w="12700" cap="flat" cmpd="sng" algn="ctr">
-                      <a:solidFill>
-                        <a:schemeClr val="bg1">
-                          <a:lumMod val="85000"/>
-                        </a:schemeClr>
-                      </a:solidFill>
-                      <a:prstDash val="solid"/>
-                      <a:round/>
-                      <a:headEnd type="none" w="med" len="med"/>
-                      <a:tailEnd type="none" w="med" len="med"/>
-                    </a:lnB>
-                  </a:tcPr>
-                </a:tc>
-                <a:tc>
-                  <a:txBody>
-                    <a:bodyPr/>
-                    <a:lstStyle/>
-                    <a:p>
-                      <a:pPr algn="r" rtl="0" fontAlgn="b"/>
-                      <a:r>
-                        <a:rPr lang="en-US" sz="1200" b="0" dirty="0">
-                          <a:effectLst/>
-                          <a:latin typeface="Microsoft New Tai Lue" pitchFamily="34" charset="0"/>
-                          <a:cs typeface="Microsoft New Tai Lue" pitchFamily="34" charset="0"/>
-                        </a:rPr>
-                        <a:t>all true</a:t>
-                      </a:r>
-                      <a:br>
-                        <a:rPr lang="en-US" sz="1200" b="0" dirty="0">
-                          <a:effectLst/>
-                          <a:latin typeface="Microsoft New Tai Lue" pitchFamily="34" charset="0"/>
-                          <a:cs typeface="Microsoft New Tai Lue" pitchFamily="34" charset="0"/>
-                        </a:rPr>
-                      </a:br>
-                      <a:r>
-                        <a:rPr lang="en-US" sz="1200" b="0" dirty="0">
-                          <a:effectLst/>
-                          <a:latin typeface="Microsoft New Tai Lue" pitchFamily="34" charset="0"/>
-                          <a:cs typeface="Microsoft New Tai Lue" pitchFamily="34" charset="0"/>
-                        </a:rPr>
-                        <a:t>dense: off </a:t>
-                      </a:r>
-                      <a:r>
-                        <a:rPr lang="en-US" sz="1200" b="0" dirty="0" smtClean="0">
-                          <a:effectLst/>
-                          <a:latin typeface="Microsoft New Tai Lue" pitchFamily="34" charset="0"/>
-                          <a:cs typeface="Microsoft New Tai Lue" pitchFamily="34" charset="0"/>
-                        </a:rPr>
-                        <a:t/>
-                      </a:r>
-                      <a:br>
-                        <a:rPr lang="en-US" sz="1200" b="0" dirty="0" smtClean="0">
-                          <a:effectLst/>
-                          <a:latin typeface="Microsoft New Tai Lue" pitchFamily="34" charset="0"/>
-                          <a:cs typeface="Microsoft New Tai Lue" pitchFamily="34" charset="0"/>
-                        </a:rPr>
-                      </a:br>
-                      <a:r>
-                        <a:rPr lang="en-US" sz="1200" b="0" dirty="0" smtClean="0">
-                          <a:effectLst/>
-                          <a:latin typeface="Microsoft New Tai Lue" pitchFamily="34" charset="0"/>
-                          <a:cs typeface="Microsoft New Tai Lue" pitchFamily="34" charset="0"/>
-                        </a:rPr>
-                        <a:t>normal</a:t>
-                      </a:r>
-                      <a:r>
-                        <a:rPr lang="en-US" sz="1200" b="0" dirty="0">
-                          <a:effectLst/>
-                          <a:latin typeface="Microsoft New Tai Lue" pitchFamily="34" charset="0"/>
-                          <a:cs typeface="Microsoft New Tai Lue" pitchFamily="34" charset="0"/>
-                        </a:rPr>
-                        <a:t>: off</a:t>
-                      </a:r>
-                    </a:p>
-                  </a:txBody>
-                  <a:tcPr marL="28575" marR="28575" marT="19050" marB="19050" anchor="ctr">
-                    <a:lnL w="12700" cap="flat" cmpd="sng" algn="ctr">
-                      <a:solidFill>
-                        <a:schemeClr val="bg1">
-                          <a:lumMod val="85000"/>
-                        </a:schemeClr>
-                      </a:solidFill>
-                      <a:prstDash val="solid"/>
-                      <a:round/>
-                      <a:headEnd type="none" w="med" len="med"/>
-                      <a:tailEnd type="none" w="med" len="med"/>
-                    </a:lnL>
-                    <a:lnR w="12700" cap="flat" cmpd="sng" algn="ctr">
-                      <a:solidFill>
-                        <a:schemeClr val="bg1">
-                          <a:lumMod val="85000"/>
-                        </a:schemeClr>
-                      </a:solidFill>
-                      <a:prstDash val="solid"/>
-                      <a:round/>
-                      <a:headEnd type="none" w="med" len="med"/>
-                      <a:tailEnd type="none" w="med" len="med"/>
-                    </a:lnR>
-                    <a:lnT w="12700" cap="flat" cmpd="sng" algn="ctr">
-                      <a:solidFill>
-                        <a:schemeClr val="bg1">
-                          <a:lumMod val="85000"/>
-                        </a:schemeClr>
-                      </a:solidFill>
-                      <a:prstDash val="solid"/>
-                      <a:round/>
-                      <a:headEnd type="none" w="med" len="med"/>
-                      <a:tailEnd type="none" w="med" len="med"/>
-                    </a:lnT>
-                    <a:lnB w="12700" cap="flat" cmpd="sng" algn="ctr">
-                      <a:solidFill>
-                        <a:schemeClr val="bg1">
-                          <a:lumMod val="85000"/>
-                        </a:schemeClr>
-                      </a:solidFill>
-                      <a:prstDash val="solid"/>
-                      <a:round/>
-                      <a:headEnd type="none" w="med" len="med"/>
-                      <a:tailEnd type="none" w="med" len="med"/>
-                    </a:lnB>
-                  </a:tcPr>
-                </a:tc>
-              </a:tr>
-              <a:tr h="370840">
-                <a:tc>
-                  <a:txBody>
-                    <a:bodyPr/>
-                    <a:lstStyle/>
-                    <a:p>
-                      <a:pPr algn="ctr" rtl="0" fontAlgn="b"/>
-                      <a:r>
-                        <a:rPr lang="en-US" sz="1200" b="0" dirty="0" err="1">
-                          <a:effectLst/>
-                          <a:latin typeface="Microsoft New Tai Lue" pitchFamily="34" charset="0"/>
-                          <a:ea typeface="나눔스퀘어" pitchFamily="50" charset="-127"/>
-                          <a:cs typeface="Microsoft New Tai Lue" pitchFamily="34" charset="0"/>
-                        </a:rPr>
-                        <a:t>Learning_rate</a:t>
-                      </a:r>
-                      <a:endParaRPr lang="en-US" sz="1200" b="0" dirty="0">
-                        <a:effectLst/>
-                        <a:latin typeface="Microsoft New Tai Lue" pitchFamily="34" charset="0"/>
-                        <a:ea typeface="나눔스퀘어" pitchFamily="50" charset="-127"/>
-                        <a:cs typeface="Microsoft New Tai Lue" pitchFamily="34" charset="0"/>
-                      </a:endParaRPr>
-                    </a:p>
-                  </a:txBody>
-                  <a:tcPr marL="16747" marR="16747" marT="11165" marB="11165" anchor="ctr">
-                    <a:lnL w="12700" cap="flat" cmpd="sng" algn="ctr">
-                      <a:solidFill>
-                        <a:schemeClr val="bg1">
-                          <a:lumMod val="85000"/>
-                        </a:schemeClr>
-                      </a:solidFill>
-                      <a:prstDash val="solid"/>
-                      <a:round/>
-                      <a:headEnd type="none" w="med" len="med"/>
-                      <a:tailEnd type="none" w="med" len="med"/>
-                    </a:lnL>
-                    <a:lnR w="12700" cap="flat" cmpd="sng" algn="ctr">
-                      <a:solidFill>
-                        <a:schemeClr val="bg1">
-                          <a:lumMod val="85000"/>
-                        </a:schemeClr>
-                      </a:solidFill>
-                      <a:prstDash val="solid"/>
-                      <a:round/>
-                      <a:headEnd type="none" w="med" len="med"/>
-                      <a:tailEnd type="none" w="med" len="med"/>
-                    </a:lnR>
-                    <a:lnT w="12700" cap="flat" cmpd="sng" algn="ctr">
-                      <a:solidFill>
-                        <a:schemeClr val="bg1">
-                          <a:lumMod val="85000"/>
-                        </a:schemeClr>
-                      </a:solidFill>
-                      <a:prstDash val="solid"/>
-                      <a:round/>
-                      <a:headEnd type="none" w="med" len="med"/>
-                      <a:tailEnd type="none" w="med" len="med"/>
-                    </a:lnT>
-                    <a:lnB w="12700" cap="flat" cmpd="sng" algn="ctr">
-                      <a:solidFill>
-                        <a:schemeClr val="bg1">
-                          <a:lumMod val="85000"/>
-                        </a:schemeClr>
-                      </a:solidFill>
-                      <a:prstDash val="solid"/>
-                      <a:round/>
-                      <a:headEnd type="none" w="med" len="med"/>
-                      <a:tailEnd type="none" w="med" len="med"/>
-                    </a:lnB>
-                  </a:tcPr>
-                </a:tc>
-                <a:tc>
-                  <a:txBody>
-                    <a:bodyPr/>
-                    <a:lstStyle/>
-                    <a:p>
-                      <a:pPr algn="r" rtl="0" fontAlgn="b"/>
-                      <a:r>
-                        <a:rPr lang="en-US" sz="1200" b="0" dirty="0">
-                          <a:effectLst/>
-                          <a:latin typeface="Microsoft New Tai Lue" pitchFamily="34" charset="0"/>
-                          <a:cs typeface="Microsoft New Tai Lue" pitchFamily="34" charset="0"/>
-                        </a:rPr>
-                        <a:t>off</a:t>
-                      </a:r>
-                    </a:p>
-                  </a:txBody>
-                  <a:tcPr marL="28575" marR="28575" marT="19050" marB="19050" anchor="ctr">
-                    <a:lnL w="12700" cap="flat" cmpd="sng" algn="ctr">
-                      <a:solidFill>
-                        <a:schemeClr val="bg1">
-                          <a:lumMod val="85000"/>
-                        </a:schemeClr>
-                      </a:solidFill>
-                      <a:prstDash val="solid"/>
-                      <a:round/>
-                      <a:headEnd type="none" w="med" len="med"/>
-                      <a:tailEnd type="none" w="med" len="med"/>
-                    </a:lnL>
-                    <a:lnR w="12700" cap="flat" cmpd="sng" algn="ctr">
-                      <a:solidFill>
-                        <a:schemeClr val="bg1">
-                          <a:lumMod val="85000"/>
-                        </a:schemeClr>
-                      </a:solidFill>
-                      <a:prstDash val="solid"/>
-                      <a:round/>
-                      <a:headEnd type="none" w="med" len="med"/>
-                      <a:tailEnd type="none" w="med" len="med"/>
-                    </a:lnR>
-                    <a:lnT w="12700" cap="flat" cmpd="sng" algn="ctr">
-                      <a:solidFill>
-                        <a:schemeClr val="bg1">
-                          <a:lumMod val="85000"/>
-                        </a:schemeClr>
-                      </a:solidFill>
-                      <a:prstDash val="solid"/>
-                      <a:round/>
-                      <a:headEnd type="none" w="med" len="med"/>
-                      <a:tailEnd type="none" w="med" len="med"/>
-                    </a:lnT>
-                    <a:lnB w="12700" cap="flat" cmpd="sng" algn="ctr">
-                      <a:solidFill>
-                        <a:schemeClr val="bg1">
-                          <a:lumMod val="85000"/>
-                        </a:schemeClr>
-                      </a:solidFill>
-                      <a:prstDash val="solid"/>
-                      <a:round/>
-                      <a:headEnd type="none" w="med" len="med"/>
-                      <a:tailEnd type="none" w="med" len="med"/>
-                    </a:lnB>
-                  </a:tcPr>
-                </a:tc>
-              </a:tr>
-            </a:tbl>
-          </a:graphicData>
-        </a:graphic>
-      </p:graphicFrame>
-      <p:graphicFrame>
-        <p:nvGraphicFramePr>
-          <p:cNvPr id="7" name="표 6"/>
-          <p:cNvGraphicFramePr>
-            <a:graphicFrameLocks noGrp="1"/>
-          </p:cNvGraphicFramePr>
-          <p:nvPr>
-            <p:extLst>
-              <p:ext uri="{D42A27DB-BD31-4B8C-83A1-F6EECF244321}">
-                <p14:modId xmlns:p14="http://schemas.microsoft.com/office/powerpoint/2010/main" val="946724932"/>
-              </p:ext>
-            </p:extLst>
-          </p:nvPr>
-        </p:nvGraphicFramePr>
-        <p:xfrm>
-          <a:off x="4860032" y="1851670"/>
-          <a:ext cx="2952328" cy="2225040"/>
-        </p:xfrm>
-        <a:graphic>
-          <a:graphicData uri="http://schemas.openxmlformats.org/drawingml/2006/table">
-            <a:tbl>
-              <a:tblPr firstRow="1" bandRow="1">
-                <a:tableStyleId>{2D5ABB26-0587-4C30-8999-92F81FD0307C}</a:tableStyleId>
-              </a:tblPr>
-              <a:tblGrid>
-                <a:gridCol w="1476164"/>
-                <a:gridCol w="1476164"/>
-              </a:tblGrid>
-              <a:tr h="370840">
-                <a:tc>
-                  <a:txBody>
-                    <a:bodyPr/>
-                    <a:lstStyle/>
-                    <a:p>
-                      <a:pPr algn="ctr" rtl="0" fontAlgn="b"/>
-                      <a:r>
-                        <a:rPr lang="en-US" sz="1200" b="0" dirty="0">
-                          <a:effectLst/>
-                          <a:latin typeface="Microsoft New Tai Lue" pitchFamily="34" charset="0"/>
-                          <a:cs typeface="Microsoft New Tai Lue" pitchFamily="34" charset="0"/>
-                        </a:rPr>
-                        <a:t>zoom</a:t>
-                      </a:r>
-                    </a:p>
-                  </a:txBody>
-                  <a:tcPr marL="28575" marR="28575" marT="19050" marB="19050" anchor="ctr">
-                    <a:lnL w="12700" cap="flat" cmpd="sng" algn="ctr">
-                      <a:solidFill>
-                        <a:schemeClr val="bg1">
-                          <a:lumMod val="85000"/>
-                        </a:schemeClr>
-                      </a:solidFill>
-                      <a:prstDash val="solid"/>
-                      <a:round/>
-                      <a:headEnd type="none" w="med" len="med"/>
-                      <a:tailEnd type="none" w="med" len="med"/>
-                    </a:lnL>
-                    <a:lnR w="12700" cap="flat" cmpd="sng" algn="ctr">
-                      <a:solidFill>
-                        <a:schemeClr val="bg1">
-                          <a:lumMod val="85000"/>
-                        </a:schemeClr>
-                      </a:solidFill>
-                      <a:prstDash val="solid"/>
-                      <a:round/>
-                      <a:headEnd type="none" w="med" len="med"/>
-                      <a:tailEnd type="none" w="med" len="med"/>
-                    </a:lnR>
-                    <a:lnT w="12700" cap="flat" cmpd="sng" algn="ctr">
-                      <a:solidFill>
-                        <a:schemeClr val="bg1">
-                          <a:lumMod val="85000"/>
-                        </a:schemeClr>
-                      </a:solidFill>
-                      <a:prstDash val="solid"/>
-                      <a:round/>
-                      <a:headEnd type="none" w="med" len="med"/>
-                      <a:tailEnd type="none" w="med" len="med"/>
-                    </a:lnT>
-                    <a:lnB w="12700" cap="flat" cmpd="sng" algn="ctr">
-                      <a:solidFill>
-                        <a:schemeClr val="bg1">
-                          <a:lumMod val="85000"/>
-                        </a:schemeClr>
-                      </a:solidFill>
-                      <a:prstDash val="solid"/>
-                      <a:round/>
-                      <a:headEnd type="none" w="med" len="med"/>
-                      <a:tailEnd type="none" w="med" len="med"/>
-                    </a:lnB>
-                  </a:tcPr>
-                </a:tc>
-                <a:tc>
-                  <a:txBody>
-                    <a:bodyPr/>
-                    <a:lstStyle/>
-                    <a:p>
-                      <a:pPr algn="r" rtl="0" fontAlgn="b"/>
-                      <a:r>
-                        <a:rPr lang="en-US" sz="1200" b="0">
-                          <a:effectLst/>
-                          <a:latin typeface="Microsoft New Tai Lue" pitchFamily="34" charset="0"/>
-                          <a:cs typeface="Microsoft New Tai Lue" pitchFamily="34" charset="0"/>
-                        </a:rPr>
-                        <a:t>F</a:t>
-                      </a:r>
-                    </a:p>
-                  </a:txBody>
-                  <a:tcPr marL="28575" marR="28575" marT="19050" marB="19050" anchor="ctr">
-                    <a:lnL w="12700" cap="flat" cmpd="sng" algn="ctr">
-                      <a:solidFill>
-                        <a:schemeClr val="bg1">
-                          <a:lumMod val="85000"/>
-                        </a:schemeClr>
-                      </a:solidFill>
-                      <a:prstDash val="solid"/>
-                      <a:round/>
-                      <a:headEnd type="none" w="med" len="med"/>
-                      <a:tailEnd type="none" w="med" len="med"/>
-                    </a:lnL>
-                    <a:lnR w="12700" cap="flat" cmpd="sng" algn="ctr">
-                      <a:solidFill>
-                        <a:schemeClr val="bg1">
-                          <a:lumMod val="85000"/>
-                        </a:schemeClr>
-                      </a:solidFill>
-                      <a:prstDash val="solid"/>
-                      <a:round/>
-                      <a:headEnd type="none" w="med" len="med"/>
-                      <a:tailEnd type="none" w="med" len="med"/>
-                    </a:lnR>
-                    <a:lnT w="12700" cap="flat" cmpd="sng" algn="ctr">
-                      <a:solidFill>
-                        <a:schemeClr val="bg1">
-                          <a:lumMod val="85000"/>
-                        </a:schemeClr>
-                      </a:solidFill>
-                      <a:prstDash val="solid"/>
-                      <a:round/>
-                      <a:headEnd type="none" w="med" len="med"/>
-                      <a:tailEnd type="none" w="med" len="med"/>
-                    </a:lnT>
-                    <a:lnB w="12700" cap="flat" cmpd="sng" algn="ctr">
-                      <a:solidFill>
-                        <a:schemeClr val="bg1">
-                          <a:lumMod val="85000"/>
-                        </a:schemeClr>
-                      </a:solidFill>
-                      <a:prstDash val="solid"/>
-                      <a:round/>
-                      <a:headEnd type="none" w="med" len="med"/>
-                      <a:tailEnd type="none" w="med" len="med"/>
-                    </a:lnB>
-                  </a:tcPr>
-                </a:tc>
-              </a:tr>
-              <a:tr h="370840">
-                <a:tc>
-                  <a:txBody>
-                    <a:bodyPr/>
-                    <a:lstStyle/>
-                    <a:p>
-                      <a:pPr algn="ctr" rtl="0" fontAlgn="b"/>
-                      <a:r>
-                        <a:rPr lang="en-US" sz="1200" b="0">
-                          <a:effectLst/>
-                          <a:latin typeface="Microsoft New Tai Lue" pitchFamily="34" charset="0"/>
-                          <a:cs typeface="Microsoft New Tai Lue" pitchFamily="34" charset="0"/>
-                        </a:rPr>
-                        <a:t>width</a:t>
-                      </a:r>
-                    </a:p>
-                  </a:txBody>
-                  <a:tcPr marL="28575" marR="28575" marT="19050" marB="19050" anchor="ctr">
-                    <a:lnL w="12700" cap="flat" cmpd="sng" algn="ctr">
-                      <a:solidFill>
-                        <a:schemeClr val="bg1">
-                          <a:lumMod val="85000"/>
-                        </a:schemeClr>
-                      </a:solidFill>
-                      <a:prstDash val="solid"/>
-                      <a:round/>
-                      <a:headEnd type="none" w="med" len="med"/>
-                      <a:tailEnd type="none" w="med" len="med"/>
-                    </a:lnL>
-                    <a:lnR w="12700" cap="flat" cmpd="sng" algn="ctr">
-                      <a:solidFill>
-                        <a:schemeClr val="bg1">
-                          <a:lumMod val="85000"/>
-                        </a:schemeClr>
-                      </a:solidFill>
-                      <a:prstDash val="solid"/>
-                      <a:round/>
-                      <a:headEnd type="none" w="med" len="med"/>
-                      <a:tailEnd type="none" w="med" len="med"/>
-                    </a:lnR>
-                    <a:lnT w="12700" cap="flat" cmpd="sng" algn="ctr">
-                      <a:solidFill>
-                        <a:schemeClr val="bg1">
-                          <a:lumMod val="85000"/>
-                        </a:schemeClr>
-                      </a:solidFill>
-                      <a:prstDash val="solid"/>
-                      <a:round/>
-                      <a:headEnd type="none" w="med" len="med"/>
-                      <a:tailEnd type="none" w="med" len="med"/>
-                    </a:lnT>
-                    <a:lnB w="12700" cap="flat" cmpd="sng" algn="ctr">
-                      <a:solidFill>
-                        <a:schemeClr val="bg1">
-                          <a:lumMod val="85000"/>
-                        </a:schemeClr>
-                      </a:solidFill>
-                      <a:prstDash val="solid"/>
-                      <a:round/>
-                      <a:headEnd type="none" w="med" len="med"/>
-                      <a:tailEnd type="none" w="med" len="med"/>
-                    </a:lnB>
-                  </a:tcPr>
-                </a:tc>
-                <a:tc>
-                  <a:txBody>
-                    <a:bodyPr/>
-                    <a:lstStyle/>
-                    <a:p>
-                      <a:pPr algn="r" rtl="0" fontAlgn="b"/>
-                      <a:r>
-                        <a:rPr lang="en-US" sz="1200" b="0">
-                          <a:effectLst/>
-                          <a:latin typeface="Microsoft New Tai Lue" pitchFamily="34" charset="0"/>
-                          <a:cs typeface="Microsoft New Tai Lue" pitchFamily="34" charset="0"/>
-                        </a:rPr>
-                        <a:t>F</a:t>
-                      </a:r>
-                    </a:p>
-                  </a:txBody>
-                  <a:tcPr marL="28575" marR="28575" marT="19050" marB="19050" anchor="ctr">
-                    <a:lnL w="12700" cap="flat" cmpd="sng" algn="ctr">
-                      <a:solidFill>
-                        <a:schemeClr val="bg1">
-                          <a:lumMod val="85000"/>
-                        </a:schemeClr>
-                      </a:solidFill>
-                      <a:prstDash val="solid"/>
-                      <a:round/>
-                      <a:headEnd type="none" w="med" len="med"/>
-                      <a:tailEnd type="none" w="med" len="med"/>
-                    </a:lnL>
-                    <a:lnR w="12700" cap="flat" cmpd="sng" algn="ctr">
-                      <a:solidFill>
-                        <a:schemeClr val="bg1">
-                          <a:lumMod val="85000"/>
-                        </a:schemeClr>
-                      </a:solidFill>
-                      <a:prstDash val="solid"/>
-                      <a:round/>
-                      <a:headEnd type="none" w="med" len="med"/>
-                      <a:tailEnd type="none" w="med" len="med"/>
-                    </a:lnR>
-                    <a:lnT w="12700" cap="flat" cmpd="sng" algn="ctr">
-                      <a:solidFill>
-                        <a:schemeClr val="bg1">
-                          <a:lumMod val="85000"/>
-                        </a:schemeClr>
-                      </a:solidFill>
-                      <a:prstDash val="solid"/>
-                      <a:round/>
-                      <a:headEnd type="none" w="med" len="med"/>
-                      <a:tailEnd type="none" w="med" len="med"/>
-                    </a:lnT>
-                    <a:lnB w="12700" cap="flat" cmpd="sng" algn="ctr">
-                      <a:solidFill>
-                        <a:schemeClr val="bg1">
-                          <a:lumMod val="85000"/>
-                        </a:schemeClr>
-                      </a:solidFill>
-                      <a:prstDash val="solid"/>
-                      <a:round/>
-                      <a:headEnd type="none" w="med" len="med"/>
-                      <a:tailEnd type="none" w="med" len="med"/>
-                    </a:lnB>
-                  </a:tcPr>
-                </a:tc>
-              </a:tr>
-              <a:tr h="370840">
-                <a:tc>
-                  <a:txBody>
-                    <a:bodyPr/>
-                    <a:lstStyle/>
-                    <a:p>
-                      <a:pPr algn="ctr" rtl="0" fontAlgn="b"/>
-                      <a:r>
-                        <a:rPr lang="en-US" sz="1200" b="0">
-                          <a:effectLst/>
-                          <a:latin typeface="Microsoft New Tai Lue" pitchFamily="34" charset="0"/>
-                          <a:cs typeface="Microsoft New Tai Lue" pitchFamily="34" charset="0"/>
-                        </a:rPr>
-                        <a:t>height</a:t>
-                      </a:r>
-                    </a:p>
-                  </a:txBody>
-                  <a:tcPr marL="28575" marR="28575" marT="19050" marB="19050" anchor="ctr">
-                    <a:lnL w="12700" cap="flat" cmpd="sng" algn="ctr">
-                      <a:solidFill>
-                        <a:schemeClr val="bg1">
-                          <a:lumMod val="85000"/>
-                        </a:schemeClr>
-                      </a:solidFill>
-                      <a:prstDash val="solid"/>
-                      <a:round/>
-                      <a:headEnd type="none" w="med" len="med"/>
-                      <a:tailEnd type="none" w="med" len="med"/>
-                    </a:lnL>
-                    <a:lnR w="12700" cap="flat" cmpd="sng" algn="ctr">
-                      <a:solidFill>
-                        <a:schemeClr val="bg1">
-                          <a:lumMod val="85000"/>
-                        </a:schemeClr>
-                      </a:solidFill>
-                      <a:prstDash val="solid"/>
-                      <a:round/>
-                      <a:headEnd type="none" w="med" len="med"/>
-                      <a:tailEnd type="none" w="med" len="med"/>
-                    </a:lnR>
-                    <a:lnT w="12700" cap="flat" cmpd="sng" algn="ctr">
-                      <a:solidFill>
-                        <a:schemeClr val="bg1">
-                          <a:lumMod val="85000"/>
-                        </a:schemeClr>
-                      </a:solidFill>
-                      <a:prstDash val="solid"/>
-                      <a:round/>
-                      <a:headEnd type="none" w="med" len="med"/>
-                      <a:tailEnd type="none" w="med" len="med"/>
-                    </a:lnT>
-                    <a:lnB w="12700" cap="flat" cmpd="sng" algn="ctr">
-                      <a:solidFill>
-                        <a:schemeClr val="bg1">
-                          <a:lumMod val="85000"/>
-                        </a:schemeClr>
-                      </a:solidFill>
-                      <a:prstDash val="solid"/>
-                      <a:round/>
-                      <a:headEnd type="none" w="med" len="med"/>
-                      <a:tailEnd type="none" w="med" len="med"/>
-                    </a:lnB>
-                  </a:tcPr>
-                </a:tc>
-                <a:tc>
-                  <a:txBody>
-                    <a:bodyPr/>
-                    <a:lstStyle/>
-                    <a:p>
-                      <a:pPr algn="r" rtl="0" fontAlgn="b"/>
-                      <a:r>
-                        <a:rPr lang="en-US" sz="1200" b="0">
-                          <a:effectLst/>
-                          <a:latin typeface="Microsoft New Tai Lue" pitchFamily="34" charset="0"/>
-                          <a:cs typeface="Microsoft New Tai Lue" pitchFamily="34" charset="0"/>
-                        </a:rPr>
-                        <a:t>F</a:t>
-                      </a:r>
-                    </a:p>
-                  </a:txBody>
-                  <a:tcPr marL="28575" marR="28575" marT="19050" marB="19050" anchor="ctr">
-                    <a:lnL w="12700" cap="flat" cmpd="sng" algn="ctr">
-                      <a:solidFill>
-                        <a:schemeClr val="bg1">
-                          <a:lumMod val="85000"/>
-                        </a:schemeClr>
-                      </a:solidFill>
-                      <a:prstDash val="solid"/>
-                      <a:round/>
-                      <a:headEnd type="none" w="med" len="med"/>
-                      <a:tailEnd type="none" w="med" len="med"/>
-                    </a:lnL>
-                    <a:lnR w="12700" cap="flat" cmpd="sng" algn="ctr">
-                      <a:solidFill>
-                        <a:schemeClr val="bg1">
-                          <a:lumMod val="85000"/>
-                        </a:schemeClr>
-                      </a:solidFill>
-                      <a:prstDash val="solid"/>
-                      <a:round/>
-                      <a:headEnd type="none" w="med" len="med"/>
-                      <a:tailEnd type="none" w="med" len="med"/>
-                    </a:lnR>
-                    <a:lnT w="12700" cap="flat" cmpd="sng" algn="ctr">
-                      <a:solidFill>
-                        <a:schemeClr val="bg1">
-                          <a:lumMod val="85000"/>
-                        </a:schemeClr>
-                      </a:solidFill>
-                      <a:prstDash val="solid"/>
-                      <a:round/>
-                      <a:headEnd type="none" w="med" len="med"/>
-                      <a:tailEnd type="none" w="med" len="med"/>
-                    </a:lnT>
-                    <a:lnB w="12700" cap="flat" cmpd="sng" algn="ctr">
-                      <a:solidFill>
-                        <a:schemeClr val="bg1">
-                          <a:lumMod val="85000"/>
-                        </a:schemeClr>
-                      </a:solidFill>
-                      <a:prstDash val="solid"/>
-                      <a:round/>
-                      <a:headEnd type="none" w="med" len="med"/>
-                      <a:tailEnd type="none" w="med" len="med"/>
-                    </a:lnB>
-                  </a:tcPr>
-                </a:tc>
-              </a:tr>
-              <a:tr h="370840">
-                <a:tc>
-                  <a:txBody>
-                    <a:bodyPr/>
-                    <a:lstStyle/>
-                    <a:p>
-                      <a:pPr algn="ctr" rtl="0" fontAlgn="b"/>
-                      <a:r>
-                        <a:rPr lang="en-US" sz="1200" b="0">
-                          <a:effectLst/>
-                          <a:latin typeface="Microsoft New Tai Lue" pitchFamily="34" charset="0"/>
-                          <a:cs typeface="Microsoft New Tai Lue" pitchFamily="34" charset="0"/>
-                        </a:rPr>
-                        <a:t>brightness</a:t>
-                      </a:r>
-                    </a:p>
-                  </a:txBody>
-                  <a:tcPr marL="28575" marR="28575" marT="19050" marB="19050" anchor="ctr">
-                    <a:lnL w="12700" cap="flat" cmpd="sng" algn="ctr">
-                      <a:solidFill>
-                        <a:schemeClr val="bg1">
-                          <a:lumMod val="85000"/>
-                        </a:schemeClr>
-                      </a:solidFill>
-                      <a:prstDash val="solid"/>
-                      <a:round/>
-                      <a:headEnd type="none" w="med" len="med"/>
-                      <a:tailEnd type="none" w="med" len="med"/>
-                    </a:lnL>
-                    <a:lnR w="12700" cap="flat" cmpd="sng" algn="ctr">
-                      <a:solidFill>
-                        <a:schemeClr val="bg1">
-                          <a:lumMod val="85000"/>
-                        </a:schemeClr>
-                      </a:solidFill>
-                      <a:prstDash val="solid"/>
-                      <a:round/>
-                      <a:headEnd type="none" w="med" len="med"/>
-                      <a:tailEnd type="none" w="med" len="med"/>
-                    </a:lnR>
-                    <a:lnT w="12700" cap="flat" cmpd="sng" algn="ctr">
-                      <a:solidFill>
-                        <a:schemeClr val="bg1">
-                          <a:lumMod val="85000"/>
-                        </a:schemeClr>
-                      </a:solidFill>
-                      <a:prstDash val="solid"/>
-                      <a:round/>
-                      <a:headEnd type="none" w="med" len="med"/>
-                      <a:tailEnd type="none" w="med" len="med"/>
-                    </a:lnT>
-                    <a:lnB w="12700" cap="flat" cmpd="sng" algn="ctr">
-                      <a:solidFill>
-                        <a:schemeClr val="bg1">
-                          <a:lumMod val="85000"/>
-                        </a:schemeClr>
-                      </a:solidFill>
-                      <a:prstDash val="solid"/>
-                      <a:round/>
-                      <a:headEnd type="none" w="med" len="med"/>
-                      <a:tailEnd type="none" w="med" len="med"/>
-                    </a:lnB>
-                  </a:tcPr>
-                </a:tc>
-                <a:tc>
-                  <a:txBody>
-                    <a:bodyPr/>
-                    <a:lstStyle/>
-                    <a:p>
-                      <a:pPr algn="r" rtl="0" fontAlgn="b"/>
-                      <a:r>
-                        <a:rPr lang="en-US" sz="1200" b="0">
-                          <a:effectLst/>
-                          <a:latin typeface="Microsoft New Tai Lue" pitchFamily="34" charset="0"/>
-                          <a:cs typeface="Microsoft New Tai Lue" pitchFamily="34" charset="0"/>
-                        </a:rPr>
-                        <a:t>F</a:t>
-                      </a:r>
-                    </a:p>
-                  </a:txBody>
-                  <a:tcPr marL="28575" marR="28575" marT="19050" marB="19050" anchor="ctr">
-                    <a:lnL w="12700" cap="flat" cmpd="sng" algn="ctr">
-                      <a:solidFill>
-                        <a:schemeClr val="bg1">
-                          <a:lumMod val="85000"/>
-                        </a:schemeClr>
-                      </a:solidFill>
-                      <a:prstDash val="solid"/>
-                      <a:round/>
-                      <a:headEnd type="none" w="med" len="med"/>
-                      <a:tailEnd type="none" w="med" len="med"/>
-                    </a:lnL>
-                    <a:lnR w="12700" cap="flat" cmpd="sng" algn="ctr">
-                      <a:solidFill>
-                        <a:schemeClr val="bg1">
-                          <a:lumMod val="85000"/>
-                        </a:schemeClr>
-                      </a:solidFill>
-                      <a:prstDash val="solid"/>
-                      <a:round/>
-                      <a:headEnd type="none" w="med" len="med"/>
-                      <a:tailEnd type="none" w="med" len="med"/>
-                    </a:lnR>
-                    <a:lnT w="12700" cap="flat" cmpd="sng" algn="ctr">
-                      <a:solidFill>
-                        <a:schemeClr val="bg1">
-                          <a:lumMod val="85000"/>
-                        </a:schemeClr>
-                      </a:solidFill>
-                      <a:prstDash val="solid"/>
-                      <a:round/>
-                      <a:headEnd type="none" w="med" len="med"/>
-                      <a:tailEnd type="none" w="med" len="med"/>
-                    </a:lnT>
-                    <a:lnB w="12700" cap="flat" cmpd="sng" algn="ctr">
-                      <a:solidFill>
-                        <a:schemeClr val="bg1">
-                          <a:lumMod val="85000"/>
-                        </a:schemeClr>
-                      </a:solidFill>
-                      <a:prstDash val="solid"/>
-                      <a:round/>
-                      <a:headEnd type="none" w="med" len="med"/>
-                      <a:tailEnd type="none" w="med" len="med"/>
-                    </a:lnB>
-                  </a:tcPr>
-                </a:tc>
-              </a:tr>
-              <a:tr h="370840">
-                <a:tc>
-                  <a:txBody>
-                    <a:bodyPr/>
-                    <a:lstStyle/>
-                    <a:p>
-                      <a:pPr algn="ctr" rtl="0" fontAlgn="b"/>
-                      <a:r>
-                        <a:rPr lang="en-US" sz="1200" b="1" dirty="0" err="1">
-                          <a:effectLst/>
-                          <a:latin typeface="Microsoft New Tai Lue" pitchFamily="34" charset="0"/>
-                          <a:cs typeface="Microsoft New Tai Lue" pitchFamily="34" charset="0"/>
-                        </a:rPr>
-                        <a:t>val_acc</a:t>
-                      </a:r>
-                      <a:r>
-                        <a:rPr lang="en-US" sz="1200" b="1" dirty="0">
-                          <a:effectLst/>
-                          <a:latin typeface="Microsoft New Tai Lue" pitchFamily="34" charset="0"/>
-                          <a:cs typeface="Microsoft New Tai Lue" pitchFamily="34" charset="0"/>
-                        </a:rPr>
-                        <a:t>(max)</a:t>
-                      </a:r>
-                    </a:p>
-                  </a:txBody>
-                  <a:tcPr marL="28575" marR="28575" marT="19050" marB="19050" anchor="ctr">
-                    <a:lnL w="12700" cap="flat" cmpd="sng" algn="ctr">
-                      <a:solidFill>
-                        <a:schemeClr val="bg1">
-                          <a:lumMod val="85000"/>
-                        </a:schemeClr>
-                      </a:solidFill>
-                      <a:prstDash val="solid"/>
-                      <a:round/>
-                      <a:headEnd type="none" w="med" len="med"/>
-                      <a:tailEnd type="none" w="med" len="med"/>
-                    </a:lnL>
-                    <a:lnR w="12700" cap="flat" cmpd="sng" algn="ctr">
-                      <a:solidFill>
-                        <a:schemeClr val="bg1">
-                          <a:lumMod val="85000"/>
-                        </a:schemeClr>
-                      </a:solidFill>
-                      <a:prstDash val="solid"/>
-                      <a:round/>
-                      <a:headEnd type="none" w="med" len="med"/>
-                      <a:tailEnd type="none" w="med" len="med"/>
-                    </a:lnR>
-                    <a:lnT w="12700" cap="flat" cmpd="sng" algn="ctr">
-                      <a:solidFill>
-                        <a:schemeClr val="bg1">
-                          <a:lumMod val="85000"/>
-                        </a:schemeClr>
-                      </a:solidFill>
-                      <a:prstDash val="solid"/>
-                      <a:round/>
-                      <a:headEnd type="none" w="med" len="med"/>
-                      <a:tailEnd type="none" w="med" len="med"/>
-                    </a:lnT>
-                    <a:lnB w="12700" cap="flat" cmpd="sng" algn="ctr">
-                      <a:solidFill>
-                        <a:schemeClr val="bg1">
-                          <a:lumMod val="85000"/>
-                        </a:schemeClr>
-                      </a:solidFill>
-                      <a:prstDash val="solid"/>
-                      <a:round/>
-                      <a:headEnd type="none" w="med" len="med"/>
-                      <a:tailEnd type="none" w="med" len="med"/>
-                    </a:lnB>
-                  </a:tcPr>
-                </a:tc>
-                <a:tc>
-                  <a:txBody>
-                    <a:bodyPr/>
-                    <a:lstStyle/>
-                    <a:p>
-                      <a:pPr algn="r" rtl="0" fontAlgn="b"/>
-                      <a:r>
-                        <a:rPr lang="en-US" altLang="ko-KR" sz="1200" b="1">
-                          <a:effectLst/>
-                          <a:latin typeface="Microsoft New Tai Lue" pitchFamily="34" charset="0"/>
-                          <a:cs typeface="Microsoft New Tai Lue" pitchFamily="34" charset="0"/>
-                        </a:rPr>
-                        <a:t>0.8447</a:t>
-                      </a:r>
-                    </a:p>
-                  </a:txBody>
-                  <a:tcPr marL="28575" marR="28575" marT="19050" marB="19050" anchor="ctr">
-                    <a:lnL w="12700" cap="flat" cmpd="sng" algn="ctr">
-                      <a:solidFill>
-                        <a:schemeClr val="bg1">
-                          <a:lumMod val="85000"/>
-                        </a:schemeClr>
-                      </a:solidFill>
-                      <a:prstDash val="solid"/>
-                      <a:round/>
-                      <a:headEnd type="none" w="med" len="med"/>
-                      <a:tailEnd type="none" w="med" len="med"/>
-                    </a:lnL>
-                    <a:lnR w="12700" cap="flat" cmpd="sng" algn="ctr">
-                      <a:solidFill>
-                        <a:schemeClr val="bg1">
-                          <a:lumMod val="85000"/>
-                        </a:schemeClr>
-                      </a:solidFill>
-                      <a:prstDash val="solid"/>
-                      <a:round/>
-                      <a:headEnd type="none" w="med" len="med"/>
-                      <a:tailEnd type="none" w="med" len="med"/>
-                    </a:lnR>
-                    <a:lnT w="12700" cap="flat" cmpd="sng" algn="ctr">
-                      <a:solidFill>
-                        <a:schemeClr val="bg1">
-                          <a:lumMod val="85000"/>
-                        </a:schemeClr>
-                      </a:solidFill>
-                      <a:prstDash val="solid"/>
-                      <a:round/>
-                      <a:headEnd type="none" w="med" len="med"/>
-                      <a:tailEnd type="none" w="med" len="med"/>
-                    </a:lnT>
-                    <a:lnB w="12700" cap="flat" cmpd="sng" algn="ctr">
-                      <a:solidFill>
-                        <a:schemeClr val="bg1">
-                          <a:lumMod val="85000"/>
-                        </a:schemeClr>
-                      </a:solidFill>
-                      <a:prstDash val="solid"/>
-                      <a:round/>
-                      <a:headEnd type="none" w="med" len="med"/>
-                      <a:tailEnd type="none" w="med" len="med"/>
-                    </a:lnB>
-                  </a:tcPr>
-                </a:tc>
-              </a:tr>
-              <a:tr h="370840">
-                <a:tc>
-                  <a:txBody>
-                    <a:bodyPr/>
-                    <a:lstStyle/>
-                    <a:p>
-                      <a:pPr algn="ctr" rtl="0" fontAlgn="b"/>
-                      <a:r>
-                        <a:rPr lang="en-US" sz="1200" b="1" dirty="0" err="1">
-                          <a:effectLst/>
-                          <a:latin typeface="Microsoft New Tai Lue" pitchFamily="34" charset="0"/>
-                          <a:cs typeface="Microsoft New Tai Lue" pitchFamily="34" charset="0"/>
-                        </a:rPr>
-                        <a:t>val_acc</a:t>
-                      </a:r>
-                      <a:r>
-                        <a:rPr lang="en-US" sz="1200" b="1" dirty="0">
-                          <a:effectLst/>
-                          <a:latin typeface="Microsoft New Tai Lue" pitchFamily="34" charset="0"/>
-                          <a:cs typeface="Microsoft New Tai Lue" pitchFamily="34" charset="0"/>
-                        </a:rPr>
-                        <a:t>(final)</a:t>
-                      </a:r>
-                    </a:p>
-                  </a:txBody>
-                  <a:tcPr marL="28575" marR="28575" marT="19050" marB="19050" anchor="ctr">
-                    <a:lnL w="12700" cap="flat" cmpd="sng" algn="ctr">
-                      <a:solidFill>
-                        <a:schemeClr val="bg1">
-                          <a:lumMod val="85000"/>
-                        </a:schemeClr>
-                      </a:solidFill>
-                      <a:prstDash val="solid"/>
-                      <a:round/>
-                      <a:headEnd type="none" w="med" len="med"/>
-                      <a:tailEnd type="none" w="med" len="med"/>
-                    </a:lnL>
-                    <a:lnR w="12700" cap="flat" cmpd="sng" algn="ctr">
-                      <a:solidFill>
-                        <a:schemeClr val="bg1">
-                          <a:lumMod val="85000"/>
-                        </a:schemeClr>
-                      </a:solidFill>
-                      <a:prstDash val="solid"/>
-                      <a:round/>
-                      <a:headEnd type="none" w="med" len="med"/>
-                      <a:tailEnd type="none" w="med" len="med"/>
-                    </a:lnR>
-                    <a:lnT w="12700" cap="flat" cmpd="sng" algn="ctr">
-                      <a:solidFill>
-                        <a:schemeClr val="bg1">
-                          <a:lumMod val="85000"/>
-                        </a:schemeClr>
-                      </a:solidFill>
-                      <a:prstDash val="solid"/>
-                      <a:round/>
-                      <a:headEnd type="none" w="med" len="med"/>
-                      <a:tailEnd type="none" w="med" len="med"/>
-                    </a:lnT>
-                    <a:lnB w="12700" cap="flat" cmpd="sng" algn="ctr">
-                      <a:solidFill>
-                        <a:schemeClr val="bg1">
-                          <a:lumMod val="85000"/>
-                        </a:schemeClr>
-                      </a:solidFill>
-                      <a:prstDash val="solid"/>
-                      <a:round/>
-                      <a:headEnd type="none" w="med" len="med"/>
-                      <a:tailEnd type="none" w="med" len="med"/>
-                    </a:lnB>
-                  </a:tcPr>
-                </a:tc>
-                <a:tc>
-                  <a:txBody>
-                    <a:bodyPr/>
-                    <a:lstStyle/>
-                    <a:p>
-                      <a:pPr algn="r" rtl="0" fontAlgn="b"/>
-                      <a:endParaRPr lang="ko-KR" altLang="en-US" b="1" dirty="0">
-                        <a:effectLst/>
-                        <a:latin typeface="Microsoft New Tai Lue" pitchFamily="34" charset="0"/>
-                        <a:cs typeface="Microsoft New Tai Lue" pitchFamily="34" charset="0"/>
-                      </a:endParaRPr>
-                    </a:p>
-                  </a:txBody>
-                  <a:tcPr marL="28575" marR="28575" marT="19050" marB="19050" anchor="ctr">
-                    <a:lnL w="12700" cap="flat" cmpd="sng" algn="ctr">
-                      <a:solidFill>
-                        <a:schemeClr val="bg1">
-                          <a:lumMod val="85000"/>
-                        </a:schemeClr>
-                      </a:solidFill>
-                      <a:prstDash val="solid"/>
-                      <a:round/>
-                      <a:headEnd type="none" w="med" len="med"/>
-                      <a:tailEnd type="none" w="med" len="med"/>
-                    </a:lnL>
-                    <a:lnR w="12700" cap="flat" cmpd="sng" algn="ctr">
-                      <a:solidFill>
-                        <a:schemeClr val="bg1">
-                          <a:lumMod val="85000"/>
-                        </a:schemeClr>
-                      </a:solidFill>
-                      <a:prstDash val="solid"/>
-                      <a:round/>
-                      <a:headEnd type="none" w="med" len="med"/>
-                      <a:tailEnd type="none" w="med" len="med"/>
-                    </a:lnR>
-                    <a:lnT w="12700" cap="flat" cmpd="sng" algn="ctr">
-                      <a:solidFill>
-                        <a:schemeClr val="bg1">
-                          <a:lumMod val="85000"/>
-                        </a:schemeClr>
-                      </a:solidFill>
-                      <a:prstDash val="solid"/>
-                      <a:round/>
-                      <a:headEnd type="none" w="med" len="med"/>
-                      <a:tailEnd type="none" w="med" len="med"/>
-                    </a:lnT>
-                    <a:lnB w="12700" cap="flat" cmpd="sng" algn="ctr">
-                      <a:solidFill>
-                        <a:schemeClr val="bg1">
-                          <a:lumMod val="85000"/>
-                        </a:schemeClr>
-                      </a:solidFill>
-                      <a:prstDash val="solid"/>
-                      <a:round/>
-                      <a:headEnd type="none" w="med" len="med"/>
-                      <a:tailEnd type="none" w="med" len="med"/>
-                    </a:lnB>
-                  </a:tcPr>
-                </a:tc>
-              </a:tr>
-            </a:tbl>
-          </a:graphicData>
-        </a:graphic>
-      </p:graphicFrame>
-    </p:spTree>
-    <p:extLst>
-      <p:ext uri="{BB962C8B-B14F-4D97-AF65-F5344CB8AC3E}">
-        <p14:creationId xmlns:p14="http://schemas.microsoft.com/office/powerpoint/2010/main" val="1119468884"/>
-      </p:ext>
-    </p:extLst>
-  </p:cSld>
-  <p:clrMapOvr>
-    <a:masterClrMapping/>
-  </p:clrMapOvr>
 </p:sld>
 </file>
 
